--- a/Later/JavaIO/JavaIO_31/Java PrintStream class.pptx
+++ b/Later/JavaIO/JavaIO_31/Java PrintStream class.pptx
@@ -5,16 +5,17 @@
     <p:sldMasterId id="2147483672" r:id="rId1"/>
   </p:sldMasterIdLst>
   <p:notesMasterIdLst>
-    <p:notesMasterId r:id="rId9"/>
+    <p:notesMasterId r:id="rId10"/>
   </p:notesMasterIdLst>
   <p:sldIdLst>
     <p:sldId id="425" r:id="rId2"/>
     <p:sldId id="426" r:id="rId3"/>
-    <p:sldId id="427" r:id="rId4"/>
-    <p:sldId id="428" r:id="rId5"/>
-    <p:sldId id="429" r:id="rId6"/>
-    <p:sldId id="431" r:id="rId7"/>
-    <p:sldId id="432" r:id="rId8"/>
+    <p:sldId id="433" r:id="rId4"/>
+    <p:sldId id="427" r:id="rId5"/>
+    <p:sldId id="428" r:id="rId6"/>
+    <p:sldId id="429" r:id="rId7"/>
+    <p:sldId id="431" r:id="rId8"/>
+    <p:sldId id="432" r:id="rId9"/>
   </p:sldIdLst>
   <p:sldSz cx="9144000" cy="5029200"/>
   <p:notesSz cx="6858000" cy="9144000"/>
@@ -116,6 +117,3623 @@
 </p:presentation>
 </file>
 
+<file path=ppt/diagrams/colors1.xml><?xml version="1.0" encoding="utf-8"?>
+<dgm:colorsDef xmlns:dgm="http://schemas.openxmlformats.org/drawingml/2006/diagram" xmlns:a="http://schemas.openxmlformats.org/drawingml/2006/main" uniqueId="urn:microsoft.com/office/officeart/2005/8/colors/colorful3">
+  <dgm:title val=""/>
+  <dgm:desc val=""/>
+  <dgm:catLst>
+    <dgm:cat type="colorful" pri="10300"/>
+  </dgm:catLst>
+  <dgm:styleLbl name="node0">
+    <dgm:fillClrLst meth="repeat">
+      <a:schemeClr val="accent2"/>
+    </dgm:fillClrLst>
+    <dgm:linClrLst meth="repeat">
+      <a:schemeClr val="lt1"/>
+    </dgm:linClrLst>
+    <dgm:effectClrLst/>
+    <dgm:txLinClrLst/>
+    <dgm:txFillClrLst/>
+    <dgm:txEffectClrLst/>
+  </dgm:styleLbl>
+  <dgm:styleLbl name="node1">
+    <dgm:fillClrLst>
+      <a:schemeClr val="accent3"/>
+      <a:schemeClr val="accent4"/>
+    </dgm:fillClrLst>
+    <dgm:linClrLst meth="repeat">
+      <a:schemeClr val="lt1"/>
+    </dgm:linClrLst>
+    <dgm:effectClrLst/>
+    <dgm:txLinClrLst/>
+    <dgm:txFillClrLst/>
+    <dgm:txEffectClrLst/>
+  </dgm:styleLbl>
+  <dgm:styleLbl name="alignNode1">
+    <dgm:fillClrLst>
+      <a:schemeClr val="accent3"/>
+      <a:schemeClr val="accent4"/>
+    </dgm:fillClrLst>
+    <dgm:linClrLst>
+      <a:schemeClr val="accent3"/>
+      <a:schemeClr val="accent4"/>
+    </dgm:linClrLst>
+    <dgm:effectClrLst/>
+    <dgm:txLinClrLst/>
+    <dgm:txFillClrLst/>
+    <dgm:txEffectClrLst/>
+  </dgm:styleLbl>
+  <dgm:styleLbl name="lnNode1">
+    <dgm:fillClrLst>
+      <a:schemeClr val="accent3"/>
+      <a:schemeClr val="accent4"/>
+    </dgm:fillClrLst>
+    <dgm:linClrLst meth="repeat">
+      <a:schemeClr val="lt1"/>
+    </dgm:linClrLst>
+    <dgm:effectClrLst/>
+    <dgm:txLinClrLst/>
+    <dgm:txFillClrLst/>
+    <dgm:txEffectClrLst/>
+  </dgm:styleLbl>
+  <dgm:styleLbl name="vennNode1">
+    <dgm:fillClrLst>
+      <a:schemeClr val="accent3">
+        <a:alpha val="50000"/>
+      </a:schemeClr>
+      <a:schemeClr val="accent4">
+        <a:alpha val="50000"/>
+      </a:schemeClr>
+    </dgm:fillClrLst>
+    <dgm:linClrLst meth="repeat">
+      <a:schemeClr val="lt1"/>
+    </dgm:linClrLst>
+    <dgm:effectClrLst/>
+    <dgm:txLinClrLst/>
+    <dgm:txFillClrLst/>
+    <dgm:txEffectClrLst/>
+  </dgm:styleLbl>
+  <dgm:styleLbl name="node2">
+    <dgm:fillClrLst>
+      <a:schemeClr val="accent4"/>
+    </dgm:fillClrLst>
+    <dgm:linClrLst meth="repeat">
+      <a:schemeClr val="lt1"/>
+    </dgm:linClrLst>
+    <dgm:effectClrLst/>
+    <dgm:txLinClrLst/>
+    <dgm:txFillClrLst/>
+    <dgm:txEffectClrLst/>
+  </dgm:styleLbl>
+  <dgm:styleLbl name="node3">
+    <dgm:fillClrLst>
+      <a:schemeClr val="accent5"/>
+    </dgm:fillClrLst>
+    <dgm:linClrLst meth="repeat">
+      <a:schemeClr val="lt1"/>
+    </dgm:linClrLst>
+    <dgm:effectClrLst/>
+    <dgm:txLinClrLst/>
+    <dgm:txFillClrLst/>
+    <dgm:txEffectClrLst/>
+  </dgm:styleLbl>
+  <dgm:styleLbl name="node4">
+    <dgm:fillClrLst>
+      <a:schemeClr val="accent6"/>
+    </dgm:fillClrLst>
+    <dgm:linClrLst meth="repeat">
+      <a:schemeClr val="lt1"/>
+    </dgm:linClrLst>
+    <dgm:effectClrLst/>
+    <dgm:txLinClrLst/>
+    <dgm:txFillClrLst/>
+    <dgm:txEffectClrLst/>
+  </dgm:styleLbl>
+  <dgm:styleLbl name="fgImgPlace1">
+    <dgm:fillClrLst>
+      <a:schemeClr val="accent3">
+        <a:tint val="50000"/>
+      </a:schemeClr>
+      <a:schemeClr val="accent4">
+        <a:tint val="50000"/>
+      </a:schemeClr>
+    </dgm:fillClrLst>
+    <dgm:linClrLst meth="repeat">
+      <a:schemeClr val="lt1"/>
+    </dgm:linClrLst>
+    <dgm:effectClrLst/>
+    <dgm:txLinClrLst/>
+    <dgm:txFillClrLst meth="repeat">
+      <a:schemeClr val="lt1"/>
+    </dgm:txFillClrLst>
+    <dgm:txEffectClrLst/>
+  </dgm:styleLbl>
+  <dgm:styleLbl name="alignImgPlace1">
+    <dgm:fillClrLst>
+      <a:schemeClr val="accent3">
+        <a:tint val="50000"/>
+      </a:schemeClr>
+      <a:schemeClr val="accent4">
+        <a:tint val="20000"/>
+      </a:schemeClr>
+    </dgm:fillClrLst>
+    <dgm:linClrLst meth="repeat">
+      <a:schemeClr val="lt1"/>
+    </dgm:linClrLst>
+    <dgm:effectClrLst/>
+    <dgm:txLinClrLst/>
+    <dgm:txFillClrLst meth="repeat">
+      <a:schemeClr val="lt1"/>
+    </dgm:txFillClrLst>
+    <dgm:txEffectClrLst/>
+  </dgm:styleLbl>
+  <dgm:styleLbl name="bgImgPlace1">
+    <dgm:fillClrLst>
+      <a:schemeClr val="accent3">
+        <a:tint val="50000"/>
+      </a:schemeClr>
+      <a:schemeClr val="accent4">
+        <a:tint val="20000"/>
+      </a:schemeClr>
+    </dgm:fillClrLst>
+    <dgm:linClrLst meth="repeat">
+      <a:schemeClr val="lt1"/>
+    </dgm:linClrLst>
+    <dgm:effectClrLst/>
+    <dgm:txLinClrLst/>
+    <dgm:txFillClrLst meth="repeat">
+      <a:schemeClr val="lt1"/>
+    </dgm:txFillClrLst>
+    <dgm:txEffectClrLst/>
+  </dgm:styleLbl>
+  <dgm:styleLbl name="sibTrans2D1">
+    <dgm:fillClrLst>
+      <a:schemeClr val="accent3"/>
+      <a:schemeClr val="accent4"/>
+    </dgm:fillClrLst>
+    <dgm:linClrLst meth="repeat">
+      <a:schemeClr val="lt1"/>
+    </dgm:linClrLst>
+    <dgm:effectClrLst/>
+    <dgm:txLinClrLst/>
+    <dgm:txFillClrLst/>
+    <dgm:txEffectClrLst/>
+  </dgm:styleLbl>
+  <dgm:styleLbl name="fgSibTrans2D1">
+    <dgm:fillClrLst>
+      <a:schemeClr val="accent3"/>
+      <a:schemeClr val="accent4"/>
+    </dgm:fillClrLst>
+    <dgm:linClrLst meth="repeat">
+      <a:schemeClr val="lt1"/>
+    </dgm:linClrLst>
+    <dgm:effectClrLst/>
+    <dgm:txLinClrLst/>
+    <dgm:txFillClrLst meth="repeat">
+      <a:schemeClr val="lt1"/>
+    </dgm:txFillClrLst>
+    <dgm:txEffectClrLst/>
+  </dgm:styleLbl>
+  <dgm:styleLbl name="bgSibTrans2D1">
+    <dgm:fillClrLst>
+      <a:schemeClr val="accent3"/>
+      <a:schemeClr val="accent4"/>
+    </dgm:fillClrLst>
+    <dgm:linClrLst meth="repeat">
+      <a:schemeClr val="lt1"/>
+    </dgm:linClrLst>
+    <dgm:effectClrLst/>
+    <dgm:txLinClrLst/>
+    <dgm:txFillClrLst meth="repeat">
+      <a:schemeClr val="lt1"/>
+    </dgm:txFillClrLst>
+    <dgm:txEffectClrLst/>
+  </dgm:styleLbl>
+  <dgm:styleLbl name="sibTrans1D1">
+    <dgm:fillClrLst/>
+    <dgm:linClrLst>
+      <a:schemeClr val="accent3"/>
+      <a:schemeClr val="accent4"/>
+    </dgm:linClrLst>
+    <dgm:effectClrLst/>
+    <dgm:txLinClrLst/>
+    <dgm:txFillClrLst meth="repeat">
+      <a:schemeClr val="tx1"/>
+    </dgm:txFillClrLst>
+    <dgm:txEffectClrLst/>
+  </dgm:styleLbl>
+  <dgm:styleLbl name="callout">
+    <dgm:fillClrLst meth="repeat">
+      <a:schemeClr val="accent3"/>
+    </dgm:fillClrLst>
+    <dgm:linClrLst meth="repeat">
+      <a:schemeClr val="accent3">
+        <a:tint val="50000"/>
+      </a:schemeClr>
+    </dgm:linClrLst>
+    <dgm:effectClrLst/>
+    <dgm:txLinClrLst/>
+    <dgm:txFillClrLst meth="repeat">
+      <a:schemeClr val="tx1"/>
+    </dgm:txFillClrLst>
+    <dgm:txEffectClrLst/>
+  </dgm:styleLbl>
+  <dgm:styleLbl name="asst0">
+    <dgm:fillClrLst meth="repeat">
+      <a:schemeClr val="accent3"/>
+    </dgm:fillClrLst>
+    <dgm:linClrLst meth="repeat">
+      <a:schemeClr val="lt1">
+        <a:shade val="80000"/>
+      </a:schemeClr>
+    </dgm:linClrLst>
+    <dgm:effectClrLst/>
+    <dgm:txLinClrLst/>
+    <dgm:txFillClrLst/>
+    <dgm:txEffectClrLst/>
+  </dgm:styleLbl>
+  <dgm:styleLbl name="asst1">
+    <dgm:fillClrLst meth="repeat">
+      <a:schemeClr val="accent4"/>
+    </dgm:fillClrLst>
+    <dgm:linClrLst meth="repeat">
+      <a:schemeClr val="lt1">
+        <a:shade val="80000"/>
+      </a:schemeClr>
+    </dgm:linClrLst>
+    <dgm:effectClrLst/>
+    <dgm:txLinClrLst/>
+    <dgm:txFillClrLst/>
+    <dgm:txEffectClrLst/>
+  </dgm:styleLbl>
+  <dgm:styleLbl name="asst2">
+    <dgm:fillClrLst>
+      <a:schemeClr val="accent5"/>
+    </dgm:fillClrLst>
+    <dgm:linClrLst meth="repeat">
+      <a:schemeClr val="lt1"/>
+    </dgm:linClrLst>
+    <dgm:effectClrLst/>
+    <dgm:txLinClrLst/>
+    <dgm:txFillClrLst/>
+    <dgm:txEffectClrLst/>
+  </dgm:styleLbl>
+  <dgm:styleLbl name="asst3">
+    <dgm:fillClrLst>
+      <a:schemeClr val="accent6"/>
+    </dgm:fillClrLst>
+    <dgm:linClrLst meth="repeat">
+      <a:schemeClr val="lt1"/>
+    </dgm:linClrLst>
+    <dgm:effectClrLst/>
+    <dgm:txLinClrLst/>
+    <dgm:txFillClrLst/>
+    <dgm:txEffectClrLst/>
+  </dgm:styleLbl>
+  <dgm:styleLbl name="asst4">
+    <dgm:fillClrLst>
+      <a:schemeClr val="accent1"/>
+    </dgm:fillClrLst>
+    <dgm:linClrLst meth="repeat">
+      <a:schemeClr val="lt1"/>
+    </dgm:linClrLst>
+    <dgm:effectClrLst/>
+    <dgm:txLinClrLst/>
+    <dgm:txFillClrLst/>
+    <dgm:txEffectClrLst/>
+  </dgm:styleLbl>
+  <dgm:styleLbl name="parChTrans2D1">
+    <dgm:fillClrLst meth="repeat">
+      <a:schemeClr val="accent2"/>
+    </dgm:fillClrLst>
+    <dgm:linClrLst meth="repeat">
+      <a:schemeClr val="lt1"/>
+    </dgm:linClrLst>
+    <dgm:effectClrLst/>
+    <dgm:txLinClrLst/>
+    <dgm:txFillClrLst meth="repeat">
+      <a:schemeClr val="lt1"/>
+    </dgm:txFillClrLst>
+    <dgm:txEffectClrLst/>
+  </dgm:styleLbl>
+  <dgm:styleLbl name="parChTrans2D2">
+    <dgm:fillClrLst meth="repeat">
+      <a:schemeClr val="accent3"/>
+    </dgm:fillClrLst>
+    <dgm:linClrLst meth="repeat">
+      <a:schemeClr val="lt1"/>
+    </dgm:linClrLst>
+    <dgm:effectClrLst/>
+    <dgm:txLinClrLst/>
+    <dgm:txFillClrLst/>
+    <dgm:txEffectClrLst/>
+  </dgm:styleLbl>
+  <dgm:styleLbl name="parChTrans2D3">
+    <dgm:fillClrLst meth="repeat">
+      <a:schemeClr val="accent4"/>
+    </dgm:fillClrLst>
+    <dgm:linClrLst meth="repeat">
+      <a:schemeClr val="lt1"/>
+    </dgm:linClrLst>
+    <dgm:effectClrLst/>
+    <dgm:txLinClrLst/>
+    <dgm:txFillClrLst/>
+    <dgm:txEffectClrLst/>
+  </dgm:styleLbl>
+  <dgm:styleLbl name="parChTrans2D4">
+    <dgm:fillClrLst meth="repeat">
+      <a:schemeClr val="accent5"/>
+    </dgm:fillClrLst>
+    <dgm:linClrLst meth="repeat">
+      <a:schemeClr val="lt1"/>
+    </dgm:linClrLst>
+    <dgm:effectClrLst/>
+    <dgm:txLinClrLst/>
+    <dgm:txFillClrLst meth="repeat">
+      <a:schemeClr val="lt1"/>
+    </dgm:txFillClrLst>
+    <dgm:txEffectClrLst/>
+  </dgm:styleLbl>
+  <dgm:styleLbl name="parChTrans1D1">
+    <dgm:fillClrLst meth="repeat">
+      <a:schemeClr val="accent3"/>
+    </dgm:fillClrLst>
+    <dgm:linClrLst meth="repeat">
+      <a:schemeClr val="accent3"/>
+    </dgm:linClrLst>
+    <dgm:effectClrLst/>
+    <dgm:txLinClrLst/>
+    <dgm:txFillClrLst meth="repeat">
+      <a:schemeClr val="tx1"/>
+    </dgm:txFillClrLst>
+    <dgm:txEffectClrLst/>
+  </dgm:styleLbl>
+  <dgm:styleLbl name="parChTrans1D2">
+    <dgm:fillClrLst meth="repeat">
+      <a:schemeClr val="accent2">
+        <a:tint val="90000"/>
+      </a:schemeClr>
+    </dgm:fillClrLst>
+    <dgm:linClrLst meth="repeat">
+      <a:schemeClr val="accent4"/>
+    </dgm:linClrLst>
+    <dgm:effectClrLst/>
+    <dgm:txLinClrLst/>
+    <dgm:txFillClrLst meth="repeat">
+      <a:schemeClr val="tx1"/>
+    </dgm:txFillClrLst>
+    <dgm:txEffectClrLst/>
+  </dgm:styleLbl>
+  <dgm:styleLbl name="parChTrans1D3">
+    <dgm:fillClrLst meth="repeat">
+      <a:schemeClr val="accent2">
+        <a:tint val="70000"/>
+      </a:schemeClr>
+    </dgm:fillClrLst>
+    <dgm:linClrLst meth="repeat">
+      <a:schemeClr val="accent5"/>
+    </dgm:linClrLst>
+    <dgm:effectClrLst/>
+    <dgm:txLinClrLst/>
+    <dgm:txFillClrLst meth="repeat">
+      <a:schemeClr val="tx1"/>
+    </dgm:txFillClrLst>
+    <dgm:txEffectClrLst/>
+  </dgm:styleLbl>
+  <dgm:styleLbl name="parChTrans1D4">
+    <dgm:fillClrLst meth="repeat">
+      <a:schemeClr val="accent6">
+        <a:tint val="50000"/>
+      </a:schemeClr>
+    </dgm:fillClrLst>
+    <dgm:linClrLst meth="repeat">
+      <a:schemeClr val="accent6"/>
+    </dgm:linClrLst>
+    <dgm:effectClrLst/>
+    <dgm:txLinClrLst/>
+    <dgm:txFillClrLst meth="repeat">
+      <a:schemeClr val="tx1"/>
+    </dgm:txFillClrLst>
+    <dgm:txEffectClrLst/>
+  </dgm:styleLbl>
+  <dgm:styleLbl name="fgAcc1">
+    <dgm:fillClrLst meth="repeat">
+      <a:schemeClr val="lt1">
+        <a:alpha val="90000"/>
+      </a:schemeClr>
+    </dgm:fillClrLst>
+    <dgm:linClrLst>
+      <a:schemeClr val="accent3"/>
+      <a:schemeClr val="accent4"/>
+    </dgm:linClrLst>
+    <dgm:effectClrLst/>
+    <dgm:txLinClrLst/>
+    <dgm:txFillClrLst meth="repeat">
+      <a:schemeClr val="dk1"/>
+    </dgm:txFillClrLst>
+    <dgm:txEffectClrLst/>
+  </dgm:styleLbl>
+  <dgm:styleLbl name="conFgAcc1">
+    <dgm:fillClrLst meth="repeat">
+      <a:schemeClr val="lt1">
+        <a:alpha val="90000"/>
+      </a:schemeClr>
+    </dgm:fillClrLst>
+    <dgm:linClrLst>
+      <a:schemeClr val="accent3"/>
+      <a:schemeClr val="accent4"/>
+    </dgm:linClrLst>
+    <dgm:effectClrLst/>
+    <dgm:txLinClrLst/>
+    <dgm:txFillClrLst meth="repeat">
+      <a:schemeClr val="dk1"/>
+    </dgm:txFillClrLst>
+    <dgm:txEffectClrLst/>
+  </dgm:styleLbl>
+  <dgm:styleLbl name="alignAcc1">
+    <dgm:fillClrLst meth="repeat">
+      <a:schemeClr val="lt1">
+        <a:alpha val="90000"/>
+      </a:schemeClr>
+    </dgm:fillClrLst>
+    <dgm:linClrLst>
+      <a:schemeClr val="accent3"/>
+      <a:schemeClr val="accent4"/>
+    </dgm:linClrLst>
+    <dgm:effectClrLst/>
+    <dgm:txLinClrLst/>
+    <dgm:txFillClrLst meth="repeat">
+      <a:schemeClr val="dk1"/>
+    </dgm:txFillClrLst>
+    <dgm:txEffectClrLst/>
+  </dgm:styleLbl>
+  <dgm:styleLbl name="trAlignAcc1">
+    <dgm:fillClrLst meth="repeat">
+      <a:schemeClr val="lt1">
+        <a:alpha val="40000"/>
+      </a:schemeClr>
+    </dgm:fillClrLst>
+    <dgm:linClrLst meth="repeat">
+      <a:schemeClr val="accent2"/>
+    </dgm:linClrLst>
+    <dgm:effectClrLst/>
+    <dgm:txLinClrLst/>
+    <dgm:txFillClrLst meth="repeat">
+      <a:schemeClr val="dk1"/>
+    </dgm:txFillClrLst>
+    <dgm:txEffectClrLst/>
+  </dgm:styleLbl>
+  <dgm:styleLbl name="bgAcc1">
+    <dgm:fillClrLst meth="repeat">
+      <a:schemeClr val="lt1">
+        <a:alpha val="90000"/>
+      </a:schemeClr>
+    </dgm:fillClrLst>
+    <dgm:linClrLst>
+      <a:schemeClr val="accent3"/>
+      <a:schemeClr val="accent4"/>
+    </dgm:linClrLst>
+    <dgm:effectClrLst/>
+    <dgm:txLinClrLst/>
+    <dgm:txFillClrLst meth="repeat">
+      <a:schemeClr val="dk1"/>
+    </dgm:txFillClrLst>
+    <dgm:txEffectClrLst/>
+  </dgm:styleLbl>
+  <dgm:styleLbl name="solidFgAcc1">
+    <dgm:fillClrLst meth="repeat">
+      <a:schemeClr val="lt1"/>
+    </dgm:fillClrLst>
+    <dgm:linClrLst>
+      <a:schemeClr val="accent3"/>
+      <a:schemeClr val="accent4"/>
+    </dgm:linClrLst>
+    <dgm:effectClrLst/>
+    <dgm:txLinClrLst/>
+    <dgm:txFillClrLst meth="repeat">
+      <a:schemeClr val="dk1"/>
+    </dgm:txFillClrLst>
+    <dgm:txEffectClrLst/>
+  </dgm:styleLbl>
+  <dgm:styleLbl name="solidAlignAcc1">
+    <dgm:fillClrLst meth="repeat">
+      <a:schemeClr val="lt1"/>
+    </dgm:fillClrLst>
+    <dgm:linClrLst>
+      <a:schemeClr val="accent3"/>
+      <a:schemeClr val="accent4"/>
+    </dgm:linClrLst>
+    <dgm:effectClrLst/>
+    <dgm:txLinClrLst/>
+    <dgm:txFillClrLst meth="repeat">
+      <a:schemeClr val="dk1"/>
+    </dgm:txFillClrLst>
+    <dgm:txEffectClrLst/>
+  </dgm:styleLbl>
+  <dgm:styleLbl name="solidBgAcc1">
+    <dgm:fillClrLst meth="repeat">
+      <a:schemeClr val="lt1"/>
+    </dgm:fillClrLst>
+    <dgm:linClrLst>
+      <a:schemeClr val="accent3"/>
+      <a:schemeClr val="accent4"/>
+    </dgm:linClrLst>
+    <dgm:effectClrLst/>
+    <dgm:txLinClrLst/>
+    <dgm:txFillClrLst meth="repeat">
+      <a:schemeClr val="dk1"/>
+    </dgm:txFillClrLst>
+    <dgm:txEffectClrLst/>
+  </dgm:styleLbl>
+  <dgm:styleLbl name="fgAccFollowNode1">
+    <dgm:fillClrLst>
+      <a:schemeClr val="accent3">
+        <a:tint val="40000"/>
+        <a:alpha val="90000"/>
+      </a:schemeClr>
+      <a:schemeClr val="accent4">
+        <a:tint val="40000"/>
+        <a:alpha val="90000"/>
+      </a:schemeClr>
+    </dgm:fillClrLst>
+    <dgm:linClrLst>
+      <a:schemeClr val="accent3">
+        <a:tint val="40000"/>
+        <a:alpha val="90000"/>
+      </a:schemeClr>
+      <a:schemeClr val="accent4">
+        <a:tint val="40000"/>
+        <a:alpha val="90000"/>
+      </a:schemeClr>
+    </dgm:linClrLst>
+    <dgm:effectClrLst/>
+    <dgm:txLinClrLst/>
+    <dgm:txFillClrLst meth="repeat">
+      <a:schemeClr val="dk1"/>
+    </dgm:txFillClrLst>
+    <dgm:txEffectClrLst/>
+  </dgm:styleLbl>
+  <dgm:styleLbl name="alignAccFollowNode1">
+    <dgm:fillClrLst>
+      <a:schemeClr val="accent3">
+        <a:tint val="40000"/>
+        <a:alpha val="90000"/>
+      </a:schemeClr>
+      <a:schemeClr val="accent4">
+        <a:tint val="40000"/>
+        <a:alpha val="90000"/>
+      </a:schemeClr>
+    </dgm:fillClrLst>
+    <dgm:linClrLst>
+      <a:schemeClr val="accent3">
+        <a:tint val="40000"/>
+        <a:alpha val="90000"/>
+      </a:schemeClr>
+      <a:schemeClr val="accent4">
+        <a:tint val="40000"/>
+        <a:alpha val="90000"/>
+      </a:schemeClr>
+    </dgm:linClrLst>
+    <dgm:effectClrLst/>
+    <dgm:txLinClrLst/>
+    <dgm:txFillClrLst meth="repeat">
+      <a:schemeClr val="dk1"/>
+    </dgm:txFillClrLst>
+    <dgm:txEffectClrLst/>
+  </dgm:styleLbl>
+  <dgm:styleLbl name="bgAccFollowNode1">
+    <dgm:fillClrLst>
+      <a:schemeClr val="accent3">
+        <a:tint val="40000"/>
+        <a:alpha val="90000"/>
+      </a:schemeClr>
+      <a:schemeClr val="accent4">
+        <a:tint val="40000"/>
+        <a:alpha val="90000"/>
+      </a:schemeClr>
+    </dgm:fillClrLst>
+    <dgm:linClrLst>
+      <a:schemeClr val="accent3">
+        <a:tint val="40000"/>
+        <a:alpha val="90000"/>
+      </a:schemeClr>
+      <a:schemeClr val="accent4">
+        <a:tint val="40000"/>
+        <a:alpha val="90000"/>
+      </a:schemeClr>
+    </dgm:linClrLst>
+    <dgm:effectClrLst/>
+    <dgm:txLinClrLst/>
+    <dgm:txFillClrLst meth="repeat">
+      <a:schemeClr val="dk1"/>
+    </dgm:txFillClrLst>
+    <dgm:txEffectClrLst/>
+  </dgm:styleLbl>
+  <dgm:styleLbl name="fgAcc0">
+    <dgm:fillClrLst meth="repeat">
+      <a:schemeClr val="lt1">
+        <a:alpha val="90000"/>
+      </a:schemeClr>
+    </dgm:fillClrLst>
+    <dgm:linClrLst>
+      <a:schemeClr val="accent2"/>
+    </dgm:linClrLst>
+    <dgm:effectClrLst/>
+    <dgm:txLinClrLst/>
+    <dgm:txFillClrLst meth="repeat">
+      <a:schemeClr val="dk1"/>
+    </dgm:txFillClrLst>
+    <dgm:txEffectClrLst/>
+  </dgm:styleLbl>
+  <dgm:styleLbl name="fgAcc2">
+    <dgm:fillClrLst meth="repeat">
+      <a:schemeClr val="lt1">
+        <a:alpha val="90000"/>
+      </a:schemeClr>
+    </dgm:fillClrLst>
+    <dgm:linClrLst>
+      <a:schemeClr val="accent4"/>
+    </dgm:linClrLst>
+    <dgm:effectClrLst/>
+    <dgm:txLinClrLst/>
+    <dgm:txFillClrLst meth="repeat">
+      <a:schemeClr val="dk1"/>
+    </dgm:txFillClrLst>
+    <dgm:txEffectClrLst/>
+  </dgm:styleLbl>
+  <dgm:styleLbl name="fgAcc3">
+    <dgm:fillClrLst meth="repeat">
+      <a:schemeClr val="lt1">
+        <a:alpha val="90000"/>
+      </a:schemeClr>
+    </dgm:fillClrLst>
+    <dgm:linClrLst>
+      <a:schemeClr val="accent5"/>
+    </dgm:linClrLst>
+    <dgm:effectClrLst/>
+    <dgm:txLinClrLst/>
+    <dgm:txFillClrLst meth="repeat">
+      <a:schemeClr val="dk1"/>
+    </dgm:txFillClrLst>
+    <dgm:txEffectClrLst/>
+  </dgm:styleLbl>
+  <dgm:styleLbl name="fgAcc4">
+    <dgm:fillClrLst meth="repeat">
+      <a:schemeClr val="lt1">
+        <a:alpha val="90000"/>
+      </a:schemeClr>
+    </dgm:fillClrLst>
+    <dgm:linClrLst>
+      <a:schemeClr val="accent6"/>
+    </dgm:linClrLst>
+    <dgm:effectClrLst/>
+    <dgm:txLinClrLst/>
+    <dgm:txFillClrLst meth="repeat">
+      <a:schemeClr val="dk1"/>
+    </dgm:txFillClrLst>
+    <dgm:txEffectClrLst/>
+  </dgm:styleLbl>
+  <dgm:styleLbl name="bgShp">
+    <dgm:fillClrLst meth="repeat">
+      <a:schemeClr val="accent3">
+        <a:tint val="40000"/>
+      </a:schemeClr>
+    </dgm:fillClrLst>
+    <dgm:linClrLst meth="repeat">
+      <a:schemeClr val="dk1"/>
+    </dgm:linClrLst>
+    <dgm:effectClrLst/>
+    <dgm:txLinClrLst/>
+    <dgm:txFillClrLst meth="repeat">
+      <a:schemeClr val="dk1"/>
+    </dgm:txFillClrLst>
+    <dgm:txEffectClrLst/>
+  </dgm:styleLbl>
+  <dgm:styleLbl name="dkBgShp">
+    <dgm:fillClrLst meth="repeat">
+      <a:schemeClr val="accent3">
+        <a:shade val="90000"/>
+      </a:schemeClr>
+    </dgm:fillClrLst>
+    <dgm:linClrLst meth="repeat">
+      <a:schemeClr val="dk1"/>
+    </dgm:linClrLst>
+    <dgm:effectClrLst/>
+    <dgm:txLinClrLst/>
+    <dgm:txFillClrLst meth="repeat">
+      <a:schemeClr val="lt1"/>
+    </dgm:txFillClrLst>
+    <dgm:txEffectClrLst/>
+  </dgm:styleLbl>
+  <dgm:styleLbl name="trBgShp">
+    <dgm:fillClrLst meth="repeat">
+      <a:schemeClr val="accent2">
+        <a:tint val="50000"/>
+        <a:alpha val="40000"/>
+      </a:schemeClr>
+    </dgm:fillClrLst>
+    <dgm:linClrLst meth="repeat">
+      <a:schemeClr val="accent3"/>
+    </dgm:linClrLst>
+    <dgm:effectClrLst/>
+    <dgm:txLinClrLst/>
+    <dgm:txFillClrLst meth="repeat">
+      <a:schemeClr val="lt1"/>
+    </dgm:txFillClrLst>
+    <dgm:txEffectClrLst/>
+  </dgm:styleLbl>
+  <dgm:styleLbl name="fgShp">
+    <dgm:fillClrLst meth="repeat">
+      <a:schemeClr val="accent3">
+        <a:tint val="40000"/>
+      </a:schemeClr>
+    </dgm:fillClrLst>
+    <dgm:linClrLst meth="repeat">
+      <a:schemeClr val="lt1"/>
+    </dgm:linClrLst>
+    <dgm:effectClrLst/>
+    <dgm:txLinClrLst/>
+    <dgm:txFillClrLst meth="repeat">
+      <a:schemeClr val="dk1"/>
+    </dgm:txFillClrLst>
+    <dgm:txEffectClrLst/>
+  </dgm:styleLbl>
+  <dgm:styleLbl name="revTx">
+    <dgm:fillClrLst meth="repeat">
+      <a:schemeClr val="lt1">
+        <a:alpha val="0"/>
+      </a:schemeClr>
+    </dgm:fillClrLst>
+    <dgm:linClrLst meth="repeat">
+      <a:schemeClr val="dk1">
+        <a:alpha val="0"/>
+      </a:schemeClr>
+    </dgm:linClrLst>
+    <dgm:effectClrLst/>
+    <dgm:txLinClrLst/>
+    <dgm:txFillClrLst meth="repeat">
+      <a:schemeClr val="tx1"/>
+    </dgm:txFillClrLst>
+    <dgm:txEffectClrLst/>
+  </dgm:styleLbl>
+</dgm:colorsDef>
+</file>
+
+<file path=ppt/diagrams/data1.xml><?xml version="1.0" encoding="utf-8"?>
+<dgm:dataModel xmlns:dgm="http://schemas.openxmlformats.org/drawingml/2006/diagram" xmlns:a="http://schemas.openxmlformats.org/drawingml/2006/main">
+  <dgm:ptLst>
+    <dgm:pt modelId="{E5030B5F-9D17-4A82-8944-7A0041B4359C}" type="doc">
+      <dgm:prSet loTypeId="urn:microsoft.com/office/officeart/2005/8/layout/orgChart1" loCatId="hierarchy" qsTypeId="urn:microsoft.com/office/officeart/2005/8/quickstyle/simple1" qsCatId="simple" csTypeId="urn:microsoft.com/office/officeart/2005/8/colors/colorful3" csCatId="colorful" phldr="1"/>
+      <dgm:spPr/>
+      <dgm:t>
+        <a:bodyPr/>
+        <a:lstStyle/>
+        <a:p>
+          <a:endParaRPr lang="en-US"/>
+        </a:p>
+      </dgm:t>
+    </dgm:pt>
+    <dgm:pt modelId="{D7EFB5BF-DC30-4EF1-BFB5-3EA8AAF5F40B}">
+      <dgm:prSet phldrT="[Text]"/>
+      <dgm:spPr/>
+      <dgm:t>
+        <a:bodyPr/>
+        <a:lstStyle/>
+        <a:p>
+          <a:r>
+            <a:rPr lang="en-US" b="0" i="0" dirty="0" smtClean="0"/>
+            <a:t>OutputStream</a:t>
+          </a:r>
+          <a:endParaRPr lang="en-US" dirty="0"/>
+        </a:p>
+      </dgm:t>
+    </dgm:pt>
+    <dgm:pt modelId="{858A89B3-745A-4DFD-BE45-2F920E11DFE4}" type="parTrans" cxnId="{28EC64BD-8359-437E-906F-7DC3FC65ABE5}">
+      <dgm:prSet/>
+      <dgm:spPr/>
+      <dgm:t>
+        <a:bodyPr/>
+        <a:lstStyle/>
+        <a:p>
+          <a:endParaRPr lang="en-US"/>
+        </a:p>
+      </dgm:t>
+    </dgm:pt>
+    <dgm:pt modelId="{8F31757C-BF00-410D-85D0-A09A96242AC7}" type="sibTrans" cxnId="{28EC64BD-8359-437E-906F-7DC3FC65ABE5}">
+      <dgm:prSet/>
+      <dgm:spPr/>
+      <dgm:t>
+        <a:bodyPr/>
+        <a:lstStyle/>
+        <a:p>
+          <a:endParaRPr lang="en-US"/>
+        </a:p>
+      </dgm:t>
+    </dgm:pt>
+    <dgm:pt modelId="{CC71418B-9C8A-4104-A498-BBB15D490A3B}">
+      <dgm:prSet/>
+      <dgm:spPr/>
+      <dgm:t>
+        <a:bodyPr/>
+        <a:lstStyle/>
+        <a:p>
+          <a:r>
+            <a:rPr lang="en-US" dirty="0" smtClean="0"/>
+            <a:t>PrintStream</a:t>
+          </a:r>
+          <a:endParaRPr lang="en-US" dirty="0"/>
+        </a:p>
+      </dgm:t>
+    </dgm:pt>
+    <dgm:pt modelId="{D304B67D-2B68-4697-8602-64DA4E7F1F1C}" type="parTrans" cxnId="{50DCBF67-0A7E-4B05-81DE-EAC240F5114D}">
+      <dgm:prSet/>
+      <dgm:spPr/>
+      <dgm:t>
+        <a:bodyPr/>
+        <a:lstStyle/>
+        <a:p>
+          <a:endParaRPr lang="en-US"/>
+        </a:p>
+      </dgm:t>
+    </dgm:pt>
+    <dgm:pt modelId="{D6E936FB-33EB-49AC-B6D4-6867A7FBDB25}" type="sibTrans" cxnId="{50DCBF67-0A7E-4B05-81DE-EAC240F5114D}">
+      <dgm:prSet/>
+      <dgm:spPr/>
+      <dgm:t>
+        <a:bodyPr/>
+        <a:lstStyle/>
+        <a:p>
+          <a:endParaRPr lang="en-US"/>
+        </a:p>
+      </dgm:t>
+    </dgm:pt>
+    <dgm:pt modelId="{B85C67F8-1392-4386-AD09-D5A05B6F7392}">
+      <dgm:prSet phldrT="[Text]"/>
+      <dgm:spPr/>
+      <dgm:t>
+        <a:bodyPr/>
+        <a:lstStyle/>
+        <a:p>
+          <a:r>
+            <a:rPr lang="en-US" b="0" i="0" dirty="0" smtClean="0"/>
+            <a:t>FilterOutputStream</a:t>
+          </a:r>
+          <a:endParaRPr lang="en-US" dirty="0"/>
+        </a:p>
+      </dgm:t>
+    </dgm:pt>
+    <dgm:pt modelId="{965A1F03-2334-49C6-8E43-F5DD028F0074}" type="sibTrans" cxnId="{33E80AB5-7AC5-430E-9E8B-AC60C950CBE3}">
+      <dgm:prSet/>
+      <dgm:spPr/>
+      <dgm:t>
+        <a:bodyPr/>
+        <a:lstStyle/>
+        <a:p>
+          <a:endParaRPr lang="en-US"/>
+        </a:p>
+      </dgm:t>
+    </dgm:pt>
+    <dgm:pt modelId="{BB4C89C4-F123-47E6-8CAF-095A1172C574}" type="parTrans" cxnId="{33E80AB5-7AC5-430E-9E8B-AC60C950CBE3}">
+      <dgm:prSet/>
+      <dgm:spPr/>
+      <dgm:t>
+        <a:bodyPr/>
+        <a:lstStyle/>
+        <a:p>
+          <a:endParaRPr lang="en-US"/>
+        </a:p>
+      </dgm:t>
+    </dgm:pt>
+    <dgm:pt modelId="{5EC0C76B-2BFA-4680-B785-B8F539EBFC11}" type="pres">
+      <dgm:prSet presAssocID="{E5030B5F-9D17-4A82-8944-7A0041B4359C}" presName="hierChild1" presStyleCnt="0">
+        <dgm:presLayoutVars>
+          <dgm:orgChart val="1"/>
+          <dgm:chPref val="1"/>
+          <dgm:dir/>
+          <dgm:animOne val="branch"/>
+          <dgm:animLvl val="lvl"/>
+          <dgm:resizeHandles/>
+        </dgm:presLayoutVars>
+      </dgm:prSet>
+      <dgm:spPr/>
+    </dgm:pt>
+    <dgm:pt modelId="{535B0164-4399-4EEA-8C81-2E71160BC35E}" type="pres">
+      <dgm:prSet presAssocID="{D7EFB5BF-DC30-4EF1-BFB5-3EA8AAF5F40B}" presName="hierRoot1" presStyleCnt="0">
+        <dgm:presLayoutVars>
+          <dgm:hierBranch val="init"/>
+        </dgm:presLayoutVars>
+      </dgm:prSet>
+      <dgm:spPr/>
+    </dgm:pt>
+    <dgm:pt modelId="{3774C854-CF19-463C-8947-110AB6F4ED56}" type="pres">
+      <dgm:prSet presAssocID="{D7EFB5BF-DC30-4EF1-BFB5-3EA8AAF5F40B}" presName="rootComposite1" presStyleCnt="0"/>
+      <dgm:spPr/>
+    </dgm:pt>
+    <dgm:pt modelId="{62B5B53D-B1D6-49A2-9D80-B2683646DB20}" type="pres">
+      <dgm:prSet presAssocID="{D7EFB5BF-DC30-4EF1-BFB5-3EA8AAF5F40B}" presName="rootText1" presStyleLbl="node0" presStyleIdx="0" presStyleCnt="1">
+        <dgm:presLayoutVars>
+          <dgm:chPref val="3"/>
+        </dgm:presLayoutVars>
+      </dgm:prSet>
+      <dgm:spPr/>
+      <dgm:t>
+        <a:bodyPr/>
+        <a:lstStyle/>
+        <a:p>
+          <a:endParaRPr lang="en-US"/>
+        </a:p>
+      </dgm:t>
+    </dgm:pt>
+    <dgm:pt modelId="{1ED81E33-A418-4AF1-AA51-87EC5D2C8E0F}" type="pres">
+      <dgm:prSet presAssocID="{D7EFB5BF-DC30-4EF1-BFB5-3EA8AAF5F40B}" presName="rootConnector1" presStyleLbl="node1" presStyleIdx="0" presStyleCnt="0"/>
+      <dgm:spPr/>
+    </dgm:pt>
+    <dgm:pt modelId="{58F84923-C6BE-4180-BE39-67E0F144AF5B}" type="pres">
+      <dgm:prSet presAssocID="{D7EFB5BF-DC30-4EF1-BFB5-3EA8AAF5F40B}" presName="hierChild2" presStyleCnt="0"/>
+      <dgm:spPr/>
+    </dgm:pt>
+    <dgm:pt modelId="{08A38706-F491-4089-9D18-E2DC8FE3488F}" type="pres">
+      <dgm:prSet presAssocID="{BB4C89C4-F123-47E6-8CAF-095A1172C574}" presName="Name37" presStyleLbl="parChTrans1D2" presStyleIdx="0" presStyleCnt="1"/>
+      <dgm:spPr/>
+    </dgm:pt>
+    <dgm:pt modelId="{60FB2300-5F32-4D21-B124-12B756CBCC3C}" type="pres">
+      <dgm:prSet presAssocID="{B85C67F8-1392-4386-AD09-D5A05B6F7392}" presName="hierRoot2" presStyleCnt="0">
+        <dgm:presLayoutVars>
+          <dgm:hierBranch val="init"/>
+        </dgm:presLayoutVars>
+      </dgm:prSet>
+      <dgm:spPr/>
+    </dgm:pt>
+    <dgm:pt modelId="{8B6FD5FD-D622-433F-B1B5-C2A9203A6F4B}" type="pres">
+      <dgm:prSet presAssocID="{B85C67F8-1392-4386-AD09-D5A05B6F7392}" presName="rootComposite" presStyleCnt="0"/>
+      <dgm:spPr/>
+    </dgm:pt>
+    <dgm:pt modelId="{0DFC4EDF-D260-4804-AE4E-A0D3129A8C77}" type="pres">
+      <dgm:prSet presAssocID="{B85C67F8-1392-4386-AD09-D5A05B6F7392}" presName="rootText" presStyleLbl="node2" presStyleIdx="0" presStyleCnt="1">
+        <dgm:presLayoutVars>
+          <dgm:chPref val="3"/>
+        </dgm:presLayoutVars>
+      </dgm:prSet>
+      <dgm:spPr/>
+      <dgm:t>
+        <a:bodyPr/>
+        <a:lstStyle/>
+        <a:p>
+          <a:endParaRPr lang="en-US"/>
+        </a:p>
+      </dgm:t>
+    </dgm:pt>
+    <dgm:pt modelId="{FB572D8A-53FA-4039-A9EB-457D09E42E47}" type="pres">
+      <dgm:prSet presAssocID="{B85C67F8-1392-4386-AD09-D5A05B6F7392}" presName="rootConnector" presStyleLbl="node2" presStyleIdx="0" presStyleCnt="1"/>
+      <dgm:spPr/>
+    </dgm:pt>
+    <dgm:pt modelId="{861C0730-75C8-41D1-96D6-9CCF97944DDF}" type="pres">
+      <dgm:prSet presAssocID="{B85C67F8-1392-4386-AD09-D5A05B6F7392}" presName="hierChild4" presStyleCnt="0"/>
+      <dgm:spPr/>
+    </dgm:pt>
+    <dgm:pt modelId="{687731F9-0DA7-4A11-9B0B-BDAC56C70977}" type="pres">
+      <dgm:prSet presAssocID="{D304B67D-2B68-4697-8602-64DA4E7F1F1C}" presName="Name37" presStyleLbl="parChTrans1D3" presStyleIdx="0" presStyleCnt="1"/>
+      <dgm:spPr/>
+    </dgm:pt>
+    <dgm:pt modelId="{F9462470-678D-4D2D-A8A2-D81BA22D7959}" type="pres">
+      <dgm:prSet presAssocID="{CC71418B-9C8A-4104-A498-BBB15D490A3B}" presName="hierRoot2" presStyleCnt="0">
+        <dgm:presLayoutVars>
+          <dgm:hierBranch val="init"/>
+        </dgm:presLayoutVars>
+      </dgm:prSet>
+      <dgm:spPr/>
+    </dgm:pt>
+    <dgm:pt modelId="{F02926A1-3DE8-4A2C-96B2-483B0DAF46D5}" type="pres">
+      <dgm:prSet presAssocID="{CC71418B-9C8A-4104-A498-BBB15D490A3B}" presName="rootComposite" presStyleCnt="0"/>
+      <dgm:spPr/>
+    </dgm:pt>
+    <dgm:pt modelId="{D79B0DBB-9B89-4BB2-BFCD-FD89BF61713D}" type="pres">
+      <dgm:prSet presAssocID="{CC71418B-9C8A-4104-A498-BBB15D490A3B}" presName="rootText" presStyleLbl="node3" presStyleIdx="0" presStyleCnt="1">
+        <dgm:presLayoutVars>
+          <dgm:chPref val="3"/>
+        </dgm:presLayoutVars>
+      </dgm:prSet>
+      <dgm:spPr/>
+    </dgm:pt>
+    <dgm:pt modelId="{728C694D-81F8-4DA5-A29A-3CD52F9658F7}" type="pres">
+      <dgm:prSet presAssocID="{CC71418B-9C8A-4104-A498-BBB15D490A3B}" presName="rootConnector" presStyleLbl="node3" presStyleIdx="0" presStyleCnt="1"/>
+      <dgm:spPr/>
+    </dgm:pt>
+    <dgm:pt modelId="{E036462C-1685-49BE-A487-8EA641A56952}" type="pres">
+      <dgm:prSet presAssocID="{CC71418B-9C8A-4104-A498-BBB15D490A3B}" presName="hierChild4" presStyleCnt="0"/>
+      <dgm:spPr/>
+    </dgm:pt>
+    <dgm:pt modelId="{81747187-99B6-4A45-B902-A151FD52D4BE}" type="pres">
+      <dgm:prSet presAssocID="{CC71418B-9C8A-4104-A498-BBB15D490A3B}" presName="hierChild5" presStyleCnt="0"/>
+      <dgm:spPr/>
+    </dgm:pt>
+    <dgm:pt modelId="{FB612BB4-26D3-41E6-8921-AB12BD3F4CF1}" type="pres">
+      <dgm:prSet presAssocID="{B85C67F8-1392-4386-AD09-D5A05B6F7392}" presName="hierChild5" presStyleCnt="0"/>
+      <dgm:spPr/>
+    </dgm:pt>
+    <dgm:pt modelId="{BAA6BB23-6188-410A-BFDE-B262765B125B}" type="pres">
+      <dgm:prSet presAssocID="{D7EFB5BF-DC30-4EF1-BFB5-3EA8AAF5F40B}" presName="hierChild3" presStyleCnt="0"/>
+      <dgm:spPr/>
+    </dgm:pt>
+  </dgm:ptLst>
+  <dgm:cxnLst>
+    <dgm:cxn modelId="{AF58DA17-0645-4CBB-B43C-1D2481C42E8C}" type="presOf" srcId="{B85C67F8-1392-4386-AD09-D5A05B6F7392}" destId="{0DFC4EDF-D260-4804-AE4E-A0D3129A8C77}" srcOrd="0" destOrd="0" presId="urn:microsoft.com/office/officeart/2005/8/layout/orgChart1"/>
+    <dgm:cxn modelId="{33E80AB5-7AC5-430E-9E8B-AC60C950CBE3}" srcId="{D7EFB5BF-DC30-4EF1-BFB5-3EA8AAF5F40B}" destId="{B85C67F8-1392-4386-AD09-D5A05B6F7392}" srcOrd="0" destOrd="0" parTransId="{BB4C89C4-F123-47E6-8CAF-095A1172C574}" sibTransId="{965A1F03-2334-49C6-8E43-F5DD028F0074}"/>
+    <dgm:cxn modelId="{2408453A-88F1-4D79-9357-1710DC9C049C}" type="presOf" srcId="{CC71418B-9C8A-4104-A498-BBB15D490A3B}" destId="{D79B0DBB-9B89-4BB2-BFCD-FD89BF61713D}" srcOrd="0" destOrd="0" presId="urn:microsoft.com/office/officeart/2005/8/layout/orgChart1"/>
+    <dgm:cxn modelId="{D19D49DB-5A4E-4B83-8E56-EFFEC8A2AC7E}" type="presOf" srcId="{BB4C89C4-F123-47E6-8CAF-095A1172C574}" destId="{08A38706-F491-4089-9D18-E2DC8FE3488F}" srcOrd="0" destOrd="0" presId="urn:microsoft.com/office/officeart/2005/8/layout/orgChart1"/>
+    <dgm:cxn modelId="{A7A54E7E-3217-44C2-9970-25EF07051BBC}" type="presOf" srcId="{CC71418B-9C8A-4104-A498-BBB15D490A3B}" destId="{728C694D-81F8-4DA5-A29A-3CD52F9658F7}" srcOrd="1" destOrd="0" presId="urn:microsoft.com/office/officeart/2005/8/layout/orgChart1"/>
+    <dgm:cxn modelId="{85FC10C4-B25B-4EAB-BCFA-7094D437F127}" type="presOf" srcId="{D7EFB5BF-DC30-4EF1-BFB5-3EA8AAF5F40B}" destId="{62B5B53D-B1D6-49A2-9D80-B2683646DB20}" srcOrd="0" destOrd="0" presId="urn:microsoft.com/office/officeart/2005/8/layout/orgChart1"/>
+    <dgm:cxn modelId="{28EC64BD-8359-437E-906F-7DC3FC65ABE5}" srcId="{E5030B5F-9D17-4A82-8944-7A0041B4359C}" destId="{D7EFB5BF-DC30-4EF1-BFB5-3EA8AAF5F40B}" srcOrd="0" destOrd="0" parTransId="{858A89B3-745A-4DFD-BE45-2F920E11DFE4}" sibTransId="{8F31757C-BF00-410D-85D0-A09A96242AC7}"/>
+    <dgm:cxn modelId="{A51E4CD4-B70B-483C-9DA2-76C50C08B50F}" type="presOf" srcId="{B85C67F8-1392-4386-AD09-D5A05B6F7392}" destId="{FB572D8A-53FA-4039-A9EB-457D09E42E47}" srcOrd="1" destOrd="0" presId="urn:microsoft.com/office/officeart/2005/8/layout/orgChart1"/>
+    <dgm:cxn modelId="{8669B8C3-1E70-4E39-A5AD-97660EAC97F5}" type="presOf" srcId="{D304B67D-2B68-4697-8602-64DA4E7F1F1C}" destId="{687731F9-0DA7-4A11-9B0B-BDAC56C70977}" srcOrd="0" destOrd="0" presId="urn:microsoft.com/office/officeart/2005/8/layout/orgChart1"/>
+    <dgm:cxn modelId="{20D8C9FA-D671-4A92-9899-816EC15BB924}" type="presOf" srcId="{D7EFB5BF-DC30-4EF1-BFB5-3EA8AAF5F40B}" destId="{1ED81E33-A418-4AF1-AA51-87EC5D2C8E0F}" srcOrd="1" destOrd="0" presId="urn:microsoft.com/office/officeart/2005/8/layout/orgChart1"/>
+    <dgm:cxn modelId="{73B737D8-41BA-4712-9C9B-68ACAB2E9287}" type="presOf" srcId="{E5030B5F-9D17-4A82-8944-7A0041B4359C}" destId="{5EC0C76B-2BFA-4680-B785-B8F539EBFC11}" srcOrd="0" destOrd="0" presId="urn:microsoft.com/office/officeart/2005/8/layout/orgChart1"/>
+    <dgm:cxn modelId="{50DCBF67-0A7E-4B05-81DE-EAC240F5114D}" srcId="{B85C67F8-1392-4386-AD09-D5A05B6F7392}" destId="{CC71418B-9C8A-4104-A498-BBB15D490A3B}" srcOrd="0" destOrd="0" parTransId="{D304B67D-2B68-4697-8602-64DA4E7F1F1C}" sibTransId="{D6E936FB-33EB-49AC-B6D4-6867A7FBDB25}"/>
+    <dgm:cxn modelId="{CDBFCE70-07A6-48AB-9158-6945B0544074}" type="presParOf" srcId="{5EC0C76B-2BFA-4680-B785-B8F539EBFC11}" destId="{535B0164-4399-4EEA-8C81-2E71160BC35E}" srcOrd="0" destOrd="0" presId="urn:microsoft.com/office/officeart/2005/8/layout/orgChart1"/>
+    <dgm:cxn modelId="{D8AA0A3F-2A95-488D-B0EA-D9DF6A20BA24}" type="presParOf" srcId="{535B0164-4399-4EEA-8C81-2E71160BC35E}" destId="{3774C854-CF19-463C-8947-110AB6F4ED56}" srcOrd="0" destOrd="0" presId="urn:microsoft.com/office/officeart/2005/8/layout/orgChart1"/>
+    <dgm:cxn modelId="{7B00A489-907A-4C9E-96AE-F93CD85AEE8A}" type="presParOf" srcId="{3774C854-CF19-463C-8947-110AB6F4ED56}" destId="{62B5B53D-B1D6-49A2-9D80-B2683646DB20}" srcOrd="0" destOrd="0" presId="urn:microsoft.com/office/officeart/2005/8/layout/orgChart1"/>
+    <dgm:cxn modelId="{B2877350-CF66-4EB5-B615-141808D91559}" type="presParOf" srcId="{3774C854-CF19-463C-8947-110AB6F4ED56}" destId="{1ED81E33-A418-4AF1-AA51-87EC5D2C8E0F}" srcOrd="1" destOrd="0" presId="urn:microsoft.com/office/officeart/2005/8/layout/orgChart1"/>
+    <dgm:cxn modelId="{955FDAD1-22E8-4E25-B046-9D4B28713873}" type="presParOf" srcId="{535B0164-4399-4EEA-8C81-2E71160BC35E}" destId="{58F84923-C6BE-4180-BE39-67E0F144AF5B}" srcOrd="1" destOrd="0" presId="urn:microsoft.com/office/officeart/2005/8/layout/orgChart1"/>
+    <dgm:cxn modelId="{7E1BA881-2F86-44C5-B0C4-1AC6664172EB}" type="presParOf" srcId="{58F84923-C6BE-4180-BE39-67E0F144AF5B}" destId="{08A38706-F491-4089-9D18-E2DC8FE3488F}" srcOrd="0" destOrd="0" presId="urn:microsoft.com/office/officeart/2005/8/layout/orgChart1"/>
+    <dgm:cxn modelId="{64D17AD1-8EE1-4EE1-A75C-12ACDB4A7A1C}" type="presParOf" srcId="{58F84923-C6BE-4180-BE39-67E0F144AF5B}" destId="{60FB2300-5F32-4D21-B124-12B756CBCC3C}" srcOrd="1" destOrd="0" presId="urn:microsoft.com/office/officeart/2005/8/layout/orgChart1"/>
+    <dgm:cxn modelId="{2E591AB7-875A-419C-88DB-579602E8FC2D}" type="presParOf" srcId="{60FB2300-5F32-4D21-B124-12B756CBCC3C}" destId="{8B6FD5FD-D622-433F-B1B5-C2A9203A6F4B}" srcOrd="0" destOrd="0" presId="urn:microsoft.com/office/officeart/2005/8/layout/orgChart1"/>
+    <dgm:cxn modelId="{01B36008-C889-4F16-A627-994B6F49F868}" type="presParOf" srcId="{8B6FD5FD-D622-433F-B1B5-C2A9203A6F4B}" destId="{0DFC4EDF-D260-4804-AE4E-A0D3129A8C77}" srcOrd="0" destOrd="0" presId="urn:microsoft.com/office/officeart/2005/8/layout/orgChart1"/>
+    <dgm:cxn modelId="{323C6438-16C6-4A1B-BFAF-40F80DAB08F2}" type="presParOf" srcId="{8B6FD5FD-D622-433F-B1B5-C2A9203A6F4B}" destId="{FB572D8A-53FA-4039-A9EB-457D09E42E47}" srcOrd="1" destOrd="0" presId="urn:microsoft.com/office/officeart/2005/8/layout/orgChart1"/>
+    <dgm:cxn modelId="{4015FB8A-4679-41AD-9CF1-827DA0AEF5F8}" type="presParOf" srcId="{60FB2300-5F32-4D21-B124-12B756CBCC3C}" destId="{861C0730-75C8-41D1-96D6-9CCF97944DDF}" srcOrd="1" destOrd="0" presId="urn:microsoft.com/office/officeart/2005/8/layout/orgChart1"/>
+    <dgm:cxn modelId="{A819A3C0-50EA-44AA-8E76-13D94BD78FCD}" type="presParOf" srcId="{861C0730-75C8-41D1-96D6-9CCF97944DDF}" destId="{687731F9-0DA7-4A11-9B0B-BDAC56C70977}" srcOrd="0" destOrd="0" presId="urn:microsoft.com/office/officeart/2005/8/layout/orgChart1"/>
+    <dgm:cxn modelId="{81EA5401-9EA6-45B4-B4A8-34504C491AE2}" type="presParOf" srcId="{861C0730-75C8-41D1-96D6-9CCF97944DDF}" destId="{F9462470-678D-4D2D-A8A2-D81BA22D7959}" srcOrd="1" destOrd="0" presId="urn:microsoft.com/office/officeart/2005/8/layout/orgChart1"/>
+    <dgm:cxn modelId="{22CE1189-F26B-4C19-87AA-23889728EAF0}" type="presParOf" srcId="{F9462470-678D-4D2D-A8A2-D81BA22D7959}" destId="{F02926A1-3DE8-4A2C-96B2-483B0DAF46D5}" srcOrd="0" destOrd="0" presId="urn:microsoft.com/office/officeart/2005/8/layout/orgChart1"/>
+    <dgm:cxn modelId="{E7C59C7A-EB2D-4112-8EDB-41638BAC588C}" type="presParOf" srcId="{F02926A1-3DE8-4A2C-96B2-483B0DAF46D5}" destId="{D79B0DBB-9B89-4BB2-BFCD-FD89BF61713D}" srcOrd="0" destOrd="0" presId="urn:microsoft.com/office/officeart/2005/8/layout/orgChart1"/>
+    <dgm:cxn modelId="{ABFF9123-E944-456A-A30C-CFBD0E7E18A8}" type="presParOf" srcId="{F02926A1-3DE8-4A2C-96B2-483B0DAF46D5}" destId="{728C694D-81F8-4DA5-A29A-3CD52F9658F7}" srcOrd="1" destOrd="0" presId="urn:microsoft.com/office/officeart/2005/8/layout/orgChart1"/>
+    <dgm:cxn modelId="{2536C1F0-277D-4611-AE7D-4D21B48E3456}" type="presParOf" srcId="{F9462470-678D-4D2D-A8A2-D81BA22D7959}" destId="{E036462C-1685-49BE-A487-8EA641A56952}" srcOrd="1" destOrd="0" presId="urn:microsoft.com/office/officeart/2005/8/layout/orgChart1"/>
+    <dgm:cxn modelId="{E6132151-8432-4C07-AC03-9AE616AA2F0D}" type="presParOf" srcId="{F9462470-678D-4D2D-A8A2-D81BA22D7959}" destId="{81747187-99B6-4A45-B902-A151FD52D4BE}" srcOrd="2" destOrd="0" presId="urn:microsoft.com/office/officeart/2005/8/layout/orgChart1"/>
+    <dgm:cxn modelId="{328D55E2-E1AC-4D13-AD31-4DDB1EFC64D6}" type="presParOf" srcId="{60FB2300-5F32-4D21-B124-12B756CBCC3C}" destId="{FB612BB4-26D3-41E6-8921-AB12BD3F4CF1}" srcOrd="2" destOrd="0" presId="urn:microsoft.com/office/officeart/2005/8/layout/orgChart1"/>
+    <dgm:cxn modelId="{A8668ACC-1941-4BC3-95AF-A9E07C0705F2}" type="presParOf" srcId="{535B0164-4399-4EEA-8C81-2E71160BC35E}" destId="{BAA6BB23-6188-410A-BFDE-B262765B125B}" srcOrd="2" destOrd="0" presId="urn:microsoft.com/office/officeart/2005/8/layout/orgChart1"/>
+  </dgm:cxnLst>
+  <dgm:bg/>
+  <dgm:whole/>
+  <dgm:extLst>
+    <a:ext uri="http://schemas.microsoft.com/office/drawing/2008/diagram">
+      <dsp:dataModelExt xmlns:dsp="http://schemas.microsoft.com/office/drawing/2008/diagram" relId="rId7" minVer="http://schemas.openxmlformats.org/drawingml/2006/diagram"/>
+    </a:ext>
+  </dgm:extLst>
+</dgm:dataModel>
+</file>
+
+<file path=ppt/diagrams/drawing1.xml><?xml version="1.0" encoding="utf-8"?>
+<dsp:drawing xmlns:dgm="http://schemas.openxmlformats.org/drawingml/2006/diagram" xmlns:dsp="http://schemas.microsoft.com/office/drawing/2008/diagram" xmlns:a="http://schemas.openxmlformats.org/drawingml/2006/main">
+  <dsp:spTree>
+    <dsp:nvGrpSpPr>
+      <dsp:cNvPr id="0" name=""/>
+      <dsp:cNvGrpSpPr/>
+    </dsp:nvGrpSpPr>
+    <dsp:grpSpPr/>
+    <dsp:sp modelId="{687731F9-0DA7-4A11-9B0B-BDAC56C70977}">
+      <dsp:nvSpPr>
+        <dsp:cNvPr id="0" name=""/>
+        <dsp:cNvSpPr/>
+      </dsp:nvSpPr>
+      <dsp:spPr>
+        <a:xfrm>
+          <a:off x="1938486" y="2560339"/>
+          <a:ext cx="317003" cy="972145"/>
+        </a:xfrm>
+        <a:custGeom>
+          <a:avLst/>
+          <a:gdLst/>
+          <a:ahLst/>
+          <a:cxnLst/>
+          <a:rect l="0" t="0" r="0" b="0"/>
+          <a:pathLst>
+            <a:path>
+              <a:moveTo>
+                <a:pt x="0" y="0"/>
+              </a:moveTo>
+              <a:lnTo>
+                <a:pt x="0" y="972145"/>
+              </a:lnTo>
+              <a:lnTo>
+                <a:pt x="317003" y="972145"/>
+              </a:lnTo>
+            </a:path>
+          </a:pathLst>
+        </a:custGeom>
+        <a:noFill/>
+        <a:ln w="25400" cap="flat" cmpd="sng" algn="ctr">
+          <a:solidFill>
+            <a:schemeClr val="accent5">
+              <a:hueOff val="0"/>
+              <a:satOff val="0"/>
+              <a:lumOff val="0"/>
+              <a:alphaOff val="0"/>
+            </a:schemeClr>
+          </a:solidFill>
+          <a:prstDash val="solid"/>
+        </a:ln>
+        <a:effectLst/>
+      </dsp:spPr>
+      <dsp:style>
+        <a:lnRef idx="2">
+          <a:scrgbClr r="0" g="0" b="0"/>
+        </a:lnRef>
+        <a:fillRef idx="0">
+          <a:scrgbClr r="0" g="0" b="0"/>
+        </a:fillRef>
+        <a:effectRef idx="0">
+          <a:scrgbClr r="0" g="0" b="0"/>
+        </a:effectRef>
+        <a:fontRef idx="minor"/>
+      </dsp:style>
+    </dsp:sp>
+    <dsp:sp modelId="{08A38706-F491-4089-9D18-E2DC8FE3488F}">
+      <dsp:nvSpPr>
+        <dsp:cNvPr id="0" name=""/>
+        <dsp:cNvSpPr/>
+      </dsp:nvSpPr>
+      <dsp:spPr>
+        <a:xfrm>
+          <a:off x="2738110" y="1059854"/>
+          <a:ext cx="91440" cy="443805"/>
+        </a:xfrm>
+        <a:custGeom>
+          <a:avLst/>
+          <a:gdLst/>
+          <a:ahLst/>
+          <a:cxnLst/>
+          <a:rect l="0" t="0" r="0" b="0"/>
+          <a:pathLst>
+            <a:path>
+              <a:moveTo>
+                <a:pt x="45720" y="0"/>
+              </a:moveTo>
+              <a:lnTo>
+                <a:pt x="45720" y="443805"/>
+              </a:lnTo>
+            </a:path>
+          </a:pathLst>
+        </a:custGeom>
+        <a:noFill/>
+        <a:ln w="25400" cap="flat" cmpd="sng" algn="ctr">
+          <a:solidFill>
+            <a:schemeClr val="accent4">
+              <a:hueOff val="0"/>
+              <a:satOff val="0"/>
+              <a:lumOff val="0"/>
+              <a:alphaOff val="0"/>
+            </a:schemeClr>
+          </a:solidFill>
+          <a:prstDash val="solid"/>
+        </a:ln>
+        <a:effectLst/>
+      </dsp:spPr>
+      <dsp:style>
+        <a:lnRef idx="2">
+          <a:scrgbClr r="0" g="0" b="0"/>
+        </a:lnRef>
+        <a:fillRef idx="0">
+          <a:scrgbClr r="0" g="0" b="0"/>
+        </a:fillRef>
+        <a:effectRef idx="0">
+          <a:scrgbClr r="0" g="0" b="0"/>
+        </a:effectRef>
+        <a:fontRef idx="minor"/>
+      </dsp:style>
+    </dsp:sp>
+    <dsp:sp modelId="{62B5B53D-B1D6-49A2-9D80-B2683646DB20}">
+      <dsp:nvSpPr>
+        <dsp:cNvPr id="0" name=""/>
+        <dsp:cNvSpPr/>
+      </dsp:nvSpPr>
+      <dsp:spPr>
+        <a:xfrm>
+          <a:off x="1727150" y="3175"/>
+          <a:ext cx="2113359" cy="1056679"/>
+        </a:xfrm>
+        <a:prstGeom prst="rect">
+          <a:avLst/>
+        </a:prstGeom>
+        <a:solidFill>
+          <a:schemeClr val="accent2">
+            <a:hueOff val="0"/>
+            <a:satOff val="0"/>
+            <a:lumOff val="0"/>
+            <a:alphaOff val="0"/>
+          </a:schemeClr>
+        </a:solidFill>
+        <a:ln w="25400" cap="flat" cmpd="sng" algn="ctr">
+          <a:solidFill>
+            <a:schemeClr val="lt1">
+              <a:hueOff val="0"/>
+              <a:satOff val="0"/>
+              <a:lumOff val="0"/>
+              <a:alphaOff val="0"/>
+            </a:schemeClr>
+          </a:solidFill>
+          <a:prstDash val="solid"/>
+        </a:ln>
+        <a:effectLst/>
+      </dsp:spPr>
+      <dsp:style>
+        <a:lnRef idx="2">
+          <a:scrgbClr r="0" g="0" b="0"/>
+        </a:lnRef>
+        <a:fillRef idx="1">
+          <a:scrgbClr r="0" g="0" b="0"/>
+        </a:fillRef>
+        <a:effectRef idx="0">
+          <a:scrgbClr r="0" g="0" b="0"/>
+        </a:effectRef>
+        <a:fontRef idx="minor">
+          <a:schemeClr val="lt1"/>
+        </a:fontRef>
+      </dsp:style>
+      <dsp:txBody>
+        <a:bodyPr spcFirstLastPara="0" vert="horz" wrap="square" lIns="12700" tIns="12700" rIns="12700" bIns="12700" numCol="1" spcCol="1270" anchor="ctr" anchorCtr="0">
+          <a:noAutofit/>
+        </a:bodyPr>
+        <a:lstStyle/>
+        <a:p>
+          <a:pPr lvl="0" algn="ctr" defTabSz="889000">
+            <a:lnSpc>
+              <a:spcPct val="90000"/>
+            </a:lnSpc>
+            <a:spcBef>
+              <a:spcPct val="0"/>
+            </a:spcBef>
+            <a:spcAft>
+              <a:spcPct val="35000"/>
+            </a:spcAft>
+          </a:pPr>
+          <a:r>
+            <a:rPr lang="en-US" sz="2000" b="0" i="0" kern="1200" dirty="0" smtClean="0"/>
+            <a:t>OutputStream</a:t>
+          </a:r>
+          <a:endParaRPr lang="en-US" sz="2000" kern="1200" dirty="0"/>
+        </a:p>
+      </dsp:txBody>
+      <dsp:txXfrm>
+        <a:off x="1727150" y="3175"/>
+        <a:ext cx="2113359" cy="1056679"/>
+      </dsp:txXfrm>
+    </dsp:sp>
+    <dsp:sp modelId="{0DFC4EDF-D260-4804-AE4E-A0D3129A8C77}">
+      <dsp:nvSpPr>
+        <dsp:cNvPr id="0" name=""/>
+        <dsp:cNvSpPr/>
+      </dsp:nvSpPr>
+      <dsp:spPr>
+        <a:xfrm>
+          <a:off x="1727150" y="1503660"/>
+          <a:ext cx="2113359" cy="1056679"/>
+        </a:xfrm>
+        <a:prstGeom prst="rect">
+          <a:avLst/>
+        </a:prstGeom>
+        <a:solidFill>
+          <a:schemeClr val="accent4">
+            <a:hueOff val="0"/>
+            <a:satOff val="0"/>
+            <a:lumOff val="0"/>
+            <a:alphaOff val="0"/>
+          </a:schemeClr>
+        </a:solidFill>
+        <a:ln w="25400" cap="flat" cmpd="sng" algn="ctr">
+          <a:solidFill>
+            <a:schemeClr val="lt1">
+              <a:hueOff val="0"/>
+              <a:satOff val="0"/>
+              <a:lumOff val="0"/>
+              <a:alphaOff val="0"/>
+            </a:schemeClr>
+          </a:solidFill>
+          <a:prstDash val="solid"/>
+        </a:ln>
+        <a:effectLst/>
+      </dsp:spPr>
+      <dsp:style>
+        <a:lnRef idx="2">
+          <a:scrgbClr r="0" g="0" b="0"/>
+        </a:lnRef>
+        <a:fillRef idx="1">
+          <a:scrgbClr r="0" g="0" b="0"/>
+        </a:fillRef>
+        <a:effectRef idx="0">
+          <a:scrgbClr r="0" g="0" b="0"/>
+        </a:effectRef>
+        <a:fontRef idx="minor">
+          <a:schemeClr val="lt1"/>
+        </a:fontRef>
+      </dsp:style>
+      <dsp:txBody>
+        <a:bodyPr spcFirstLastPara="0" vert="horz" wrap="square" lIns="12700" tIns="12700" rIns="12700" bIns="12700" numCol="1" spcCol="1270" anchor="ctr" anchorCtr="0">
+          <a:noAutofit/>
+        </a:bodyPr>
+        <a:lstStyle/>
+        <a:p>
+          <a:pPr lvl="0" algn="ctr" defTabSz="889000">
+            <a:lnSpc>
+              <a:spcPct val="90000"/>
+            </a:lnSpc>
+            <a:spcBef>
+              <a:spcPct val="0"/>
+            </a:spcBef>
+            <a:spcAft>
+              <a:spcPct val="35000"/>
+            </a:spcAft>
+          </a:pPr>
+          <a:r>
+            <a:rPr lang="en-US" sz="2000" b="0" i="0" kern="1200" dirty="0" smtClean="0"/>
+            <a:t>FilterOutputStream</a:t>
+          </a:r>
+          <a:endParaRPr lang="en-US" sz="2000" kern="1200" dirty="0"/>
+        </a:p>
+      </dsp:txBody>
+      <dsp:txXfrm>
+        <a:off x="1727150" y="1503660"/>
+        <a:ext cx="2113359" cy="1056679"/>
+      </dsp:txXfrm>
+    </dsp:sp>
+    <dsp:sp modelId="{D79B0DBB-9B89-4BB2-BFCD-FD89BF61713D}">
+      <dsp:nvSpPr>
+        <dsp:cNvPr id="0" name=""/>
+        <dsp:cNvSpPr/>
+      </dsp:nvSpPr>
+      <dsp:spPr>
+        <a:xfrm>
+          <a:off x="2255490" y="3004145"/>
+          <a:ext cx="2113359" cy="1056679"/>
+        </a:xfrm>
+        <a:prstGeom prst="rect">
+          <a:avLst/>
+        </a:prstGeom>
+        <a:solidFill>
+          <a:schemeClr val="accent5">
+            <a:hueOff val="0"/>
+            <a:satOff val="0"/>
+            <a:lumOff val="0"/>
+            <a:alphaOff val="0"/>
+          </a:schemeClr>
+        </a:solidFill>
+        <a:ln w="25400" cap="flat" cmpd="sng" algn="ctr">
+          <a:solidFill>
+            <a:schemeClr val="lt1">
+              <a:hueOff val="0"/>
+              <a:satOff val="0"/>
+              <a:lumOff val="0"/>
+              <a:alphaOff val="0"/>
+            </a:schemeClr>
+          </a:solidFill>
+          <a:prstDash val="solid"/>
+        </a:ln>
+        <a:effectLst/>
+      </dsp:spPr>
+      <dsp:style>
+        <a:lnRef idx="2">
+          <a:scrgbClr r="0" g="0" b="0"/>
+        </a:lnRef>
+        <a:fillRef idx="1">
+          <a:scrgbClr r="0" g="0" b="0"/>
+        </a:fillRef>
+        <a:effectRef idx="0">
+          <a:scrgbClr r="0" g="0" b="0"/>
+        </a:effectRef>
+        <a:fontRef idx="minor">
+          <a:schemeClr val="lt1"/>
+        </a:fontRef>
+      </dsp:style>
+      <dsp:txBody>
+        <a:bodyPr spcFirstLastPara="0" vert="horz" wrap="square" lIns="12700" tIns="12700" rIns="12700" bIns="12700" numCol="1" spcCol="1270" anchor="ctr" anchorCtr="0">
+          <a:noAutofit/>
+        </a:bodyPr>
+        <a:lstStyle/>
+        <a:p>
+          <a:pPr lvl="0" algn="ctr" defTabSz="889000">
+            <a:lnSpc>
+              <a:spcPct val="90000"/>
+            </a:lnSpc>
+            <a:spcBef>
+              <a:spcPct val="0"/>
+            </a:spcBef>
+            <a:spcAft>
+              <a:spcPct val="35000"/>
+            </a:spcAft>
+          </a:pPr>
+          <a:r>
+            <a:rPr lang="en-US" sz="2000" kern="1200" dirty="0" smtClean="0"/>
+            <a:t>PrintStream</a:t>
+          </a:r>
+          <a:endParaRPr lang="en-US" sz="2000" kern="1200" dirty="0"/>
+        </a:p>
+      </dsp:txBody>
+      <dsp:txXfrm>
+        <a:off x="2255490" y="3004145"/>
+        <a:ext cx="2113359" cy="1056679"/>
+      </dsp:txXfrm>
+    </dsp:sp>
+  </dsp:spTree>
+</dsp:drawing>
+</file>
+
+<file path=ppt/diagrams/layout1.xml><?xml version="1.0" encoding="utf-8"?>
+<dgm:layoutDef xmlns:dgm="http://schemas.openxmlformats.org/drawingml/2006/diagram" xmlns:a="http://schemas.openxmlformats.org/drawingml/2006/main" uniqueId="urn:microsoft.com/office/officeart/2005/8/layout/orgChart1">
+  <dgm:title val=""/>
+  <dgm:desc val=""/>
+  <dgm:catLst>
+    <dgm:cat type="hierarchy" pri="1000"/>
+    <dgm:cat type="convert" pri="6000"/>
+  </dgm:catLst>
+  <dgm:sampData>
+    <dgm:dataModel>
+      <dgm:ptLst>
+        <dgm:pt modelId="0" type="doc"/>
+        <dgm:pt modelId="1">
+          <dgm:prSet phldr="1"/>
+        </dgm:pt>
+        <dgm:pt modelId="2" type="asst">
+          <dgm:prSet phldr="1"/>
+        </dgm:pt>
+        <dgm:pt modelId="3">
+          <dgm:prSet phldr="1"/>
+        </dgm:pt>
+        <dgm:pt modelId="4">
+          <dgm:prSet phldr="1"/>
+        </dgm:pt>
+        <dgm:pt modelId="5">
+          <dgm:prSet phldr="1"/>
+        </dgm:pt>
+      </dgm:ptLst>
+      <dgm:cxnLst>
+        <dgm:cxn modelId="5" srcId="0" destId="1" srcOrd="0" destOrd="0"/>
+        <dgm:cxn modelId="6" srcId="1" destId="2" srcOrd="0" destOrd="0"/>
+        <dgm:cxn modelId="7" srcId="1" destId="3" srcOrd="1" destOrd="0"/>
+        <dgm:cxn modelId="8" srcId="1" destId="4" srcOrd="2" destOrd="0"/>
+        <dgm:cxn modelId="9" srcId="1" destId="5" srcOrd="3" destOrd="0"/>
+      </dgm:cxnLst>
+      <dgm:bg/>
+      <dgm:whole/>
+    </dgm:dataModel>
+  </dgm:sampData>
+  <dgm:styleData>
+    <dgm:dataModel>
+      <dgm:ptLst>
+        <dgm:pt modelId="0" type="doc"/>
+        <dgm:pt modelId="1"/>
+        <dgm:pt modelId="12"/>
+        <dgm:pt modelId="13"/>
+      </dgm:ptLst>
+      <dgm:cxnLst>
+        <dgm:cxn modelId="2" srcId="0" destId="1" srcOrd="0" destOrd="0"/>
+        <dgm:cxn modelId="16" srcId="1" destId="12" srcOrd="1" destOrd="0"/>
+        <dgm:cxn modelId="17" srcId="1" destId="13" srcOrd="2" destOrd="0"/>
+      </dgm:cxnLst>
+      <dgm:bg/>
+      <dgm:whole/>
+    </dgm:dataModel>
+  </dgm:styleData>
+  <dgm:clrData>
+    <dgm:dataModel>
+      <dgm:ptLst>
+        <dgm:pt modelId="0" type="doc"/>
+        <dgm:pt modelId="1"/>
+        <dgm:pt modelId="11" type="asst"/>
+        <dgm:pt modelId="12"/>
+        <dgm:pt modelId="13"/>
+        <dgm:pt modelId="14"/>
+      </dgm:ptLst>
+      <dgm:cxnLst>
+        <dgm:cxn modelId="2" srcId="0" destId="1" srcOrd="0" destOrd="0"/>
+        <dgm:cxn modelId="15" srcId="1" destId="11" srcOrd="0" destOrd="0"/>
+        <dgm:cxn modelId="16" srcId="1" destId="12" srcOrd="1" destOrd="0"/>
+        <dgm:cxn modelId="17" srcId="1" destId="13" srcOrd="2" destOrd="0"/>
+        <dgm:cxn modelId="18" srcId="1" destId="14" srcOrd="2" destOrd="0"/>
+      </dgm:cxnLst>
+      <dgm:bg/>
+      <dgm:whole/>
+    </dgm:dataModel>
+  </dgm:clrData>
+  <dgm:layoutNode name="hierChild1">
+    <dgm:varLst>
+      <dgm:orgChart val="1"/>
+      <dgm:chPref val="1"/>
+      <dgm:dir/>
+      <dgm:animOne val="branch"/>
+      <dgm:animLvl val="lvl"/>
+      <dgm:resizeHandles/>
+    </dgm:varLst>
+    <dgm:choose name="Name0">
+      <dgm:if name="Name1" func="var" arg="dir" op="equ" val="norm">
+        <dgm:alg type="hierChild">
+          <dgm:param type="linDir" val="fromL"/>
+        </dgm:alg>
+      </dgm:if>
+      <dgm:else name="Name2">
+        <dgm:alg type="hierChild">
+          <dgm:param type="linDir" val="fromR"/>
+        </dgm:alg>
+      </dgm:else>
+    </dgm:choose>
+    <dgm:shape xmlns:r="http://schemas.openxmlformats.org/officeDocument/2006/relationships" r:blip="">
+      <dgm:adjLst/>
+    </dgm:shape>
+    <dgm:presOf/>
+    <dgm:constrLst>
+      <dgm:constr type="w" for="des" forName="rootComposite1" refType="w" fact="10"/>
+      <dgm:constr type="h" for="des" forName="rootComposite1" refType="w" refFor="des" refForName="rootComposite1" fact="0.5"/>
+      <dgm:constr type="w" for="des" forName="rootComposite" refType="w" fact="10"/>
+      <dgm:constr type="h" for="des" forName="rootComposite" refType="w" refFor="des" refForName="rootComposite1" fact="0.5"/>
+      <dgm:constr type="w" for="des" forName="rootComposite3" refType="w" fact="10"/>
+      <dgm:constr type="h" for="des" forName="rootComposite3" refType="w" refFor="des" refForName="rootComposite1" fact="0.5"/>
+      <dgm:constr type="primFontSz" for="des" ptType="node" op="equ"/>
+      <dgm:constr type="sp" for="des" op="equ"/>
+      <dgm:constr type="sp" for="des" forName="hierRoot1" refType="w" refFor="des" refForName="rootComposite1" fact="0.21"/>
+      <dgm:constr type="sp" for="des" forName="hierRoot2" refType="sp" refFor="des" refForName="hierRoot1"/>
+      <dgm:constr type="sp" for="des" forName="hierRoot3" refType="sp" refFor="des" refForName="hierRoot1"/>
+      <dgm:constr type="sibSp" refType="w" refFor="des" refForName="rootComposite1" fact="0.21"/>
+      <dgm:constr type="sibSp" for="des" forName="hierChild2" refType="sibSp"/>
+      <dgm:constr type="sibSp" for="des" forName="hierChild3" refType="sibSp"/>
+      <dgm:constr type="sibSp" for="des" forName="hierChild4" refType="sibSp"/>
+      <dgm:constr type="sibSp" for="des" forName="hierChild5" refType="sibSp"/>
+      <dgm:constr type="sibSp" for="des" forName="hierChild6" refType="sibSp"/>
+      <dgm:constr type="sibSp" for="des" forName="hierChild7" refType="sibSp"/>
+      <dgm:constr type="secSibSp" refType="w" refFor="des" refForName="rootComposite1" fact="0.21"/>
+      <dgm:constr type="secSibSp" for="des" forName="hierChild2" refType="secSibSp"/>
+      <dgm:constr type="secSibSp" for="des" forName="hierChild3" refType="secSibSp"/>
+      <dgm:constr type="secSibSp" for="des" forName="hierChild4" refType="secSibSp"/>
+      <dgm:constr type="secSibSp" for="des" forName="hierChild5" refType="secSibSp"/>
+      <dgm:constr type="secSibSp" for="des" forName="hierChild6" refType="secSibSp"/>
+      <dgm:constr type="secSibSp" for="des" forName="hierChild7" refType="secSibSp"/>
+    </dgm:constrLst>
+    <dgm:ruleLst/>
+    <dgm:forEach name="Name3" axis="ch">
+      <dgm:forEach name="Name4" axis="self" ptType="node">
+        <dgm:layoutNode name="hierRoot1">
+          <dgm:varLst>
+            <dgm:hierBranch val="init"/>
+          </dgm:varLst>
+          <dgm:choose name="Name5">
+            <dgm:if name="Name6" func="var" arg="hierBranch" op="equ" val="l">
+              <dgm:choose name="Name7">
+                <dgm:if name="Name8" axis="ch" ptType="asst" func="cnt" op="gte" val="1">
+                  <dgm:alg type="hierRoot">
+                    <dgm:param type="hierAlign" val="tR"/>
+                  </dgm:alg>
+                  <dgm:constrLst>
+                    <dgm:constr type="alignOff" val="0.65"/>
+                  </dgm:constrLst>
+                </dgm:if>
+                <dgm:else name="Name9">
+                  <dgm:alg type="hierRoot">
+                    <dgm:param type="hierAlign" val="tR"/>
+                  </dgm:alg>
+                  <dgm:constrLst>
+                    <dgm:constr type="alignOff" val="0.25"/>
+                  </dgm:constrLst>
+                </dgm:else>
+              </dgm:choose>
+            </dgm:if>
+            <dgm:if name="Name10" func="var" arg="hierBranch" op="equ" val="r">
+              <dgm:choose name="Name11">
+                <dgm:if name="Name12" axis="ch" ptType="asst" func="cnt" op="gte" val="1">
+                  <dgm:alg type="hierRoot">
+                    <dgm:param type="hierAlign" val="tL"/>
+                  </dgm:alg>
+                  <dgm:constrLst>
+                    <dgm:constr type="alignOff" val="0.65"/>
+                  </dgm:constrLst>
+                </dgm:if>
+                <dgm:else name="Name13">
+                  <dgm:alg type="hierRoot">
+                    <dgm:param type="hierAlign" val="tL"/>
+                  </dgm:alg>
+                  <dgm:constrLst>
+                    <dgm:constr type="alignOff" val="0.25"/>
+                  </dgm:constrLst>
+                </dgm:else>
+              </dgm:choose>
+            </dgm:if>
+            <dgm:if name="Name14" func="var" arg="hierBranch" op="equ" val="hang">
+              <dgm:alg type="hierRoot"/>
+              <dgm:constrLst>
+                <dgm:constr type="alignOff" val="0.65"/>
+              </dgm:constrLst>
+            </dgm:if>
+            <dgm:else name="Name15">
+              <dgm:alg type="hierRoot"/>
+              <dgm:constrLst>
+                <dgm:constr type="alignOff"/>
+                <dgm:constr type="bendDist" for="des" ptType="parTrans" refType="sp" fact="0.5"/>
+              </dgm:constrLst>
+            </dgm:else>
+          </dgm:choose>
+          <dgm:shape xmlns:r="http://schemas.openxmlformats.org/officeDocument/2006/relationships" r:blip="">
+            <dgm:adjLst/>
+          </dgm:shape>
+          <dgm:presOf/>
+          <dgm:ruleLst/>
+          <dgm:layoutNode name="rootComposite1">
+            <dgm:alg type="composite"/>
+            <dgm:shape xmlns:r="http://schemas.openxmlformats.org/officeDocument/2006/relationships" r:blip="">
+              <dgm:adjLst/>
+            </dgm:shape>
+            <dgm:presOf axis="self" ptType="node" cnt="1"/>
+            <dgm:choose name="Name16">
+              <dgm:if name="Name17" func="var" arg="hierBranch" op="equ" val="init">
+                <dgm:constrLst>
+                  <dgm:constr type="l" for="ch" forName="rootText1"/>
+                  <dgm:constr type="t" for="ch" forName="rootText1"/>
+                  <dgm:constr type="w" for="ch" forName="rootText1" refType="w"/>
+                  <dgm:constr type="h" for="ch" forName="rootText1" refType="h"/>
+                  <dgm:constr type="l" for="ch" forName="rootConnector1"/>
+                  <dgm:constr type="t" for="ch" forName="rootConnector1"/>
+                  <dgm:constr type="w" for="ch" forName="rootConnector1" refType="w" refFor="ch" refForName="rootText1" fact="0.2"/>
+                  <dgm:constr type="h" for="ch" forName="rootConnector1" refType="h" refFor="ch" refForName="rootText1"/>
+                </dgm:constrLst>
+              </dgm:if>
+              <dgm:if name="Name18" func="var" arg="hierBranch" op="equ" val="l">
+                <dgm:constrLst>
+                  <dgm:constr type="l" for="ch" forName="rootText1"/>
+                  <dgm:constr type="t" for="ch" forName="rootText1"/>
+                  <dgm:constr type="w" for="ch" forName="rootText1" refType="w"/>
+                  <dgm:constr type="h" for="ch" forName="rootText1" refType="h"/>
+                  <dgm:constr type="r" for="ch" forName="rootConnector1" refType="w"/>
+                  <dgm:constr type="t" for="ch" forName="rootConnector1"/>
+                  <dgm:constr type="w" for="ch" forName="rootConnector1" refType="w" refFor="ch" refForName="rootText1" fact="0.2"/>
+                  <dgm:constr type="h" for="ch" forName="rootConnector1" refType="h" refFor="ch" refForName="rootText1"/>
+                </dgm:constrLst>
+              </dgm:if>
+              <dgm:if name="Name19" func="var" arg="hierBranch" op="equ" val="r">
+                <dgm:constrLst>
+                  <dgm:constr type="l" for="ch" forName="rootText1"/>
+                  <dgm:constr type="t" for="ch" forName="rootText1"/>
+                  <dgm:constr type="w" for="ch" forName="rootText1" refType="w"/>
+                  <dgm:constr type="h" for="ch" forName="rootText1" refType="h"/>
+                  <dgm:constr type="l" for="ch" forName="rootConnector1"/>
+                  <dgm:constr type="t" for="ch" forName="rootConnector1"/>
+                  <dgm:constr type="w" for="ch" forName="rootConnector1" refType="w" refFor="ch" refForName="rootText1" fact="0.2"/>
+                  <dgm:constr type="h" for="ch" forName="rootConnector1" refType="h" refFor="ch" refForName="rootText1"/>
+                </dgm:constrLst>
+              </dgm:if>
+              <dgm:else name="Name20">
+                <dgm:constrLst>
+                  <dgm:constr type="l" for="ch" forName="rootText1"/>
+                  <dgm:constr type="t" for="ch" forName="rootText1"/>
+                  <dgm:constr type="w" for="ch" forName="rootText1" refType="w"/>
+                  <dgm:constr type="h" for="ch" forName="rootText1" refType="h"/>
+                  <dgm:constr type="r" for="ch" forName="rootConnector1" refType="w"/>
+                  <dgm:constr type="t" for="ch" forName="rootConnector1"/>
+                  <dgm:constr type="w" for="ch" forName="rootConnector1" refType="w" refFor="ch" refForName="rootText1" fact="0.2"/>
+                  <dgm:constr type="h" for="ch" forName="rootConnector1" refType="h" refFor="ch" refForName="rootText1"/>
+                </dgm:constrLst>
+              </dgm:else>
+            </dgm:choose>
+            <dgm:ruleLst/>
+            <dgm:layoutNode name="rootText1" styleLbl="node0">
+              <dgm:varLst>
+                <dgm:chPref val="3"/>
+              </dgm:varLst>
+              <dgm:alg type="tx"/>
+              <dgm:shape xmlns:r="http://schemas.openxmlformats.org/officeDocument/2006/relationships" type="rect" r:blip="">
+                <dgm:adjLst/>
+              </dgm:shape>
+              <dgm:presOf axis="self" ptType="node" cnt="1"/>
+              <dgm:constrLst>
+                <dgm:constr type="primFontSz" val="65"/>
+                <dgm:constr type="lMarg" refType="primFontSz" fact="0.05"/>
+                <dgm:constr type="rMarg" refType="primFontSz" fact="0.05"/>
+                <dgm:constr type="tMarg" refType="primFontSz" fact="0.05"/>
+                <dgm:constr type="bMarg" refType="primFontSz" fact="0.05"/>
+              </dgm:constrLst>
+              <dgm:ruleLst>
+                <dgm:rule type="primFontSz" val="5" fact="NaN" max="NaN"/>
+              </dgm:ruleLst>
+            </dgm:layoutNode>
+            <dgm:layoutNode name="rootConnector1" moveWith="rootText1">
+              <dgm:alg type="sp"/>
+              <dgm:shape xmlns:r="http://schemas.openxmlformats.org/officeDocument/2006/relationships" type="rect" r:blip="" hideGeom="1">
+                <dgm:adjLst/>
+              </dgm:shape>
+              <dgm:presOf axis="self" ptType="node" cnt="1"/>
+              <dgm:constrLst/>
+              <dgm:ruleLst/>
+            </dgm:layoutNode>
+          </dgm:layoutNode>
+          <dgm:layoutNode name="hierChild2">
+            <dgm:choose name="Name21">
+              <dgm:if name="Name22" func="var" arg="hierBranch" op="equ" val="l">
+                <dgm:alg type="hierChild">
+                  <dgm:param type="chAlign" val="r"/>
+                  <dgm:param type="linDir" val="fromT"/>
+                </dgm:alg>
+              </dgm:if>
+              <dgm:if name="Name23" func="var" arg="hierBranch" op="equ" val="r">
+                <dgm:alg type="hierChild">
+                  <dgm:param type="chAlign" val="l"/>
+                  <dgm:param type="linDir" val="fromT"/>
+                </dgm:alg>
+              </dgm:if>
+              <dgm:if name="Name24" func="var" arg="hierBranch" op="equ" val="hang">
+                <dgm:choose name="Name25">
+                  <dgm:if name="Name26" func="var" arg="dir" op="equ" val="norm">
+                    <dgm:alg type="hierChild">
+                      <dgm:param type="chAlign" val="l"/>
+                      <dgm:param type="linDir" val="fromL"/>
+                      <dgm:param type="secChAlign" val="t"/>
+                      <dgm:param type="secLinDir" val="fromT"/>
+                    </dgm:alg>
+                  </dgm:if>
+                  <dgm:else name="Name27">
+                    <dgm:alg type="hierChild">
+                      <dgm:param type="chAlign" val="l"/>
+                      <dgm:param type="linDir" val="fromR"/>
+                      <dgm:param type="secChAlign" val="t"/>
+                      <dgm:param type="secLinDir" val="fromT"/>
+                    </dgm:alg>
+                  </dgm:else>
+                </dgm:choose>
+              </dgm:if>
+              <dgm:else name="Name28">
+                <dgm:choose name="Name29">
+                  <dgm:if name="Name30" func="var" arg="dir" op="equ" val="norm">
+                    <dgm:alg type="hierChild"/>
+                  </dgm:if>
+                  <dgm:else name="Name31">
+                    <dgm:alg type="hierChild">
+                      <dgm:param type="linDir" val="fromR"/>
+                    </dgm:alg>
+                  </dgm:else>
+                </dgm:choose>
+              </dgm:else>
+            </dgm:choose>
+            <dgm:shape xmlns:r="http://schemas.openxmlformats.org/officeDocument/2006/relationships" r:blip="">
+              <dgm:adjLst/>
+            </dgm:shape>
+            <dgm:presOf/>
+            <dgm:constrLst/>
+            <dgm:ruleLst/>
+            <dgm:forEach name="rep2a" axis="ch" ptType="nonAsst">
+              <dgm:forEach name="Name32" axis="precedSib" ptType="parTrans" st="-1" cnt="1">
+                <dgm:choose name="Name33">
+                  <dgm:if name="Name34" func="var" arg="hierBranch" op="equ" val="std">
+                    <dgm:layoutNode name="Name35">
+                      <dgm:alg type="conn">
+                        <dgm:param type="connRout" val="bend"/>
+                        <dgm:param type="dim" val="1D"/>
+                        <dgm:param type="endSty" val="noArr"/>
+                        <dgm:param type="begPts" val="bCtr"/>
+                        <dgm:param type="endPts" val="tCtr"/>
+                        <dgm:param type="bendPt" val="end"/>
+                      </dgm:alg>
+                      <dgm:shape xmlns:r="http://schemas.openxmlformats.org/officeDocument/2006/relationships" type="conn" r:blip="" zOrderOff="-99999">
+                        <dgm:adjLst/>
+                      </dgm:shape>
+                      <dgm:presOf axis="self"/>
+                      <dgm:constrLst>
+                        <dgm:constr type="begPad"/>
+                        <dgm:constr type="endPad"/>
+                      </dgm:constrLst>
+                      <dgm:ruleLst/>
+                    </dgm:layoutNode>
+                  </dgm:if>
+                  <dgm:if name="Name36" func="var" arg="hierBranch" op="equ" val="init">
+                    <dgm:layoutNode name="Name37">
+                      <dgm:choose name="Name38">
+                        <dgm:if name="Name39" axis="self" func="depth" op="lte" val="2">
+                          <dgm:alg type="conn">
+                            <dgm:param type="connRout" val="bend"/>
+                            <dgm:param type="dim" val="1D"/>
+                            <dgm:param type="endSty" val="noArr"/>
+                            <dgm:param type="begPts" val="bCtr"/>
+                            <dgm:param type="endPts" val="tCtr"/>
+                            <dgm:param type="bendPt" val="end"/>
+                          </dgm:alg>
+                        </dgm:if>
+                        <dgm:else name="Name40">
+                          <dgm:choose name="Name41">
+                            <dgm:if name="Name42" axis="par des" func="maxDepth" op="lte" val="1">
+                              <dgm:choose name="Name43">
+                                <dgm:if name="Name44" axis="par ch" ptType="node asst" func="cnt" op="gte" val="1">
+                                  <dgm:alg type="conn">
+                                    <dgm:param type="connRout" val="bend"/>
+                                    <dgm:param type="dim" val="1D"/>
+                                    <dgm:param type="endSty" val="noArr"/>
+                                    <dgm:param type="begPts" val="bCtr"/>
+                                    <dgm:param type="endPts" val="midL midR"/>
+                                  </dgm:alg>
+                                </dgm:if>
+                                <dgm:else name="Name45">
+                                  <dgm:alg type="conn">
+                                    <dgm:param type="connRout" val="bend"/>
+                                    <dgm:param type="dim" val="1D"/>
+                                    <dgm:param type="endSty" val="noArr"/>
+                                    <dgm:param type="begPts" val="bCtr"/>
+                                    <dgm:param type="endPts" val="midL midR"/>
+                                    <dgm:param type="srcNode" val="rootConnector"/>
+                                  </dgm:alg>
+                                </dgm:else>
+                              </dgm:choose>
+                            </dgm:if>
+                            <dgm:else name="Name46">
+                              <dgm:alg type="conn">
+                                <dgm:param type="connRout" val="bend"/>
+                                <dgm:param type="dim" val="1D"/>
+                                <dgm:param type="endSty" val="noArr"/>
+                                <dgm:param type="begPts" val="bCtr"/>
+                                <dgm:param type="endPts" val="tCtr"/>
+                                <dgm:param type="bendPt" val="end"/>
+                              </dgm:alg>
+                            </dgm:else>
+                          </dgm:choose>
+                        </dgm:else>
+                      </dgm:choose>
+                      <dgm:shape xmlns:r="http://schemas.openxmlformats.org/officeDocument/2006/relationships" type="conn" r:blip="" zOrderOff="-99999">
+                        <dgm:adjLst/>
+                      </dgm:shape>
+                      <dgm:presOf axis="self"/>
+                      <dgm:constrLst>
+                        <dgm:constr type="begPad"/>
+                        <dgm:constr type="endPad"/>
+                      </dgm:constrLst>
+                      <dgm:ruleLst/>
+                    </dgm:layoutNode>
+                  </dgm:if>
+                  <dgm:if name="Name47" func="var" arg="hierBranch" op="equ" val="hang">
+                    <dgm:layoutNode name="Name48">
+                      <dgm:alg type="conn">
+                        <dgm:param type="connRout" val="bend"/>
+                        <dgm:param type="dim" val="1D"/>
+                        <dgm:param type="endSty" val="noArr"/>
+                        <dgm:param type="begPts" val="bCtr"/>
+                        <dgm:param type="endPts" val="midL midR"/>
+                      </dgm:alg>
+                      <dgm:shape xmlns:r="http://schemas.openxmlformats.org/officeDocument/2006/relationships" type="conn" r:blip="" zOrderOff="-99999">
+                        <dgm:adjLst/>
+                      </dgm:shape>
+                      <dgm:presOf axis="self"/>
+                      <dgm:constrLst>
+                        <dgm:constr type="begPad"/>
+                        <dgm:constr type="endPad"/>
+                      </dgm:constrLst>
+                      <dgm:ruleLst/>
+                    </dgm:layoutNode>
+                  </dgm:if>
+                  <dgm:else name="Name49">
+                    <dgm:layoutNode name="Name50">
+                      <dgm:choose name="Name51">
+                        <dgm:if name="Name52" axis="self" func="depth" op="lte" val="2">
+                          <dgm:choose name="Name53">
+                            <dgm:if name="Name54" axis="par ch" ptType="node asst" func="cnt" op="gte" val="1">
+                              <dgm:alg type="conn">
+                                <dgm:param type="connRout" val="bend"/>
+                                <dgm:param type="dim" val="1D"/>
+                                <dgm:param type="endSty" val="noArr"/>
+                                <dgm:param type="begPts" val="bCtr"/>
+                                <dgm:param type="endPts" val="midL midR"/>
+                              </dgm:alg>
+                            </dgm:if>
+                            <dgm:else name="Name55">
+                              <dgm:alg type="conn">
+                                <dgm:param type="connRout" val="bend"/>
+                                <dgm:param type="dim" val="1D"/>
+                                <dgm:param type="endSty" val="noArr"/>
+                                <dgm:param type="begPts" val="bCtr"/>
+                                <dgm:param type="endPts" val="midL midR"/>
+                                <dgm:param type="srcNode" val="rootConnector1"/>
+                              </dgm:alg>
+                            </dgm:else>
+                          </dgm:choose>
+                        </dgm:if>
+                        <dgm:else name="Name56">
+                          <dgm:choose name="Name57">
+                            <dgm:if name="Name58" axis="par ch" ptType="node asst" func="cnt" op="gte" val="1">
+                              <dgm:alg type="conn">
+                                <dgm:param type="connRout" val="bend"/>
+                                <dgm:param type="dim" val="1D"/>
+                                <dgm:param type="endSty" val="noArr"/>
+                                <dgm:param type="begPts" val="bCtr"/>
+                                <dgm:param type="endPts" val="midL midR"/>
+                              </dgm:alg>
+                            </dgm:if>
+                            <dgm:else name="Name59">
+                              <dgm:alg type="conn">
+                                <dgm:param type="connRout" val="bend"/>
+                                <dgm:param type="dim" val="1D"/>
+                                <dgm:param type="endSty" val="noArr"/>
+                                <dgm:param type="begPts" val="bCtr"/>
+                                <dgm:param type="endPts" val="midL midR"/>
+                                <dgm:param type="srcNode" val="rootConnector"/>
+                              </dgm:alg>
+                            </dgm:else>
+                          </dgm:choose>
+                        </dgm:else>
+                      </dgm:choose>
+                      <dgm:shape xmlns:r="http://schemas.openxmlformats.org/officeDocument/2006/relationships" type="conn" r:blip="" zOrderOff="-99999">
+                        <dgm:adjLst/>
+                      </dgm:shape>
+                      <dgm:presOf axis="self"/>
+                      <dgm:constrLst>
+                        <dgm:constr type="begPad"/>
+                        <dgm:constr type="endPad"/>
+                      </dgm:constrLst>
+                      <dgm:ruleLst/>
+                    </dgm:layoutNode>
+                  </dgm:else>
+                </dgm:choose>
+              </dgm:forEach>
+              <dgm:layoutNode name="hierRoot2">
+                <dgm:varLst>
+                  <dgm:hierBranch val="init"/>
+                </dgm:varLst>
+                <dgm:choose name="Name60">
+                  <dgm:if name="Name61" func="var" arg="hierBranch" op="equ" val="l">
+                    <dgm:choose name="Name62">
+                      <dgm:if name="Name63" axis="ch" ptType="asst" func="cnt" op="gte" val="1">
+                        <dgm:alg type="hierRoot">
+                          <dgm:param type="hierAlign" val="tR"/>
+                        </dgm:alg>
+                        <dgm:shape xmlns:r="http://schemas.openxmlformats.org/officeDocument/2006/relationships" r:blip="">
+                          <dgm:adjLst/>
+                        </dgm:shape>
+                        <dgm:presOf/>
+                        <dgm:constrLst>
+                          <dgm:constr type="alignOff" val="0.65"/>
+                        </dgm:constrLst>
+                      </dgm:if>
+                      <dgm:else name="Name64">
+                        <dgm:alg type="hierRoot">
+                          <dgm:param type="hierAlign" val="tR"/>
+                        </dgm:alg>
+                        <dgm:shape xmlns:r="http://schemas.openxmlformats.org/officeDocument/2006/relationships" r:blip="">
+                          <dgm:adjLst/>
+                        </dgm:shape>
+                        <dgm:presOf/>
+                        <dgm:constrLst>
+                          <dgm:constr type="alignOff" val="0.25"/>
+                        </dgm:constrLst>
+                      </dgm:else>
+                    </dgm:choose>
+                  </dgm:if>
+                  <dgm:if name="Name65" func="var" arg="hierBranch" op="equ" val="r">
+                    <dgm:choose name="Name66">
+                      <dgm:if name="Name67" axis="ch" ptType="asst" func="cnt" op="gte" val="1">
+                        <dgm:alg type="hierRoot">
+                          <dgm:param type="hierAlign" val="tL"/>
+                        </dgm:alg>
+                        <dgm:shape xmlns:r="http://schemas.openxmlformats.org/officeDocument/2006/relationships" r:blip="">
+                          <dgm:adjLst/>
+                        </dgm:shape>
+                        <dgm:presOf/>
+                        <dgm:constrLst>
+                          <dgm:constr type="alignOff" val="0.65"/>
+                        </dgm:constrLst>
+                      </dgm:if>
+                      <dgm:else name="Name68">
+                        <dgm:alg type="hierRoot">
+                          <dgm:param type="hierAlign" val="tL"/>
+                        </dgm:alg>
+                        <dgm:shape xmlns:r="http://schemas.openxmlformats.org/officeDocument/2006/relationships" r:blip="">
+                          <dgm:adjLst/>
+                        </dgm:shape>
+                        <dgm:presOf/>
+                        <dgm:constrLst>
+                          <dgm:constr type="alignOff" val="0.25"/>
+                        </dgm:constrLst>
+                      </dgm:else>
+                    </dgm:choose>
+                  </dgm:if>
+                  <dgm:if name="Name69" func="var" arg="hierBranch" op="equ" val="std">
+                    <dgm:alg type="hierRoot"/>
+                    <dgm:shape xmlns:r="http://schemas.openxmlformats.org/officeDocument/2006/relationships" r:blip="">
+                      <dgm:adjLst/>
+                    </dgm:shape>
+                    <dgm:presOf/>
+                    <dgm:constrLst>
+                      <dgm:constr type="alignOff"/>
+                      <dgm:constr type="bendDist" for="des" ptType="parTrans" refType="sp" fact="0.5"/>
+                    </dgm:constrLst>
+                  </dgm:if>
+                  <dgm:if name="Name70" func="var" arg="hierBranch" op="equ" val="init">
+                    <dgm:choose name="Name71">
+                      <dgm:if name="Name72" axis="des" func="maxDepth" op="lte" val="1">
+                        <dgm:choose name="Name73">
+                          <dgm:if name="Name74" axis="ch" ptType="asst" func="cnt" op="gte" val="1">
+                            <dgm:alg type="hierRoot">
+                              <dgm:param type="hierAlign" val="tL"/>
+                            </dgm:alg>
+                            <dgm:shape xmlns:r="http://schemas.openxmlformats.org/officeDocument/2006/relationships" r:blip="">
+                              <dgm:adjLst/>
+                            </dgm:shape>
+                            <dgm:presOf/>
+                            <dgm:constrLst>
+                              <dgm:constr type="alignOff" val="0.65"/>
+                            </dgm:constrLst>
+                          </dgm:if>
+                          <dgm:else name="Name75">
+                            <dgm:alg type="hierRoot">
+                              <dgm:param type="hierAlign" val="tL"/>
+                            </dgm:alg>
+                            <dgm:shape xmlns:r="http://schemas.openxmlformats.org/officeDocument/2006/relationships" r:blip="">
+                              <dgm:adjLst/>
+                            </dgm:shape>
+                            <dgm:presOf/>
+                            <dgm:constrLst>
+                              <dgm:constr type="alignOff" val="0.25"/>
+                            </dgm:constrLst>
+                          </dgm:else>
+                        </dgm:choose>
+                      </dgm:if>
+                      <dgm:else name="Name76">
+                        <dgm:alg type="hierRoot"/>
+                        <dgm:shape xmlns:r="http://schemas.openxmlformats.org/officeDocument/2006/relationships" r:blip="">
+                          <dgm:adjLst/>
+                        </dgm:shape>
+                        <dgm:presOf/>
+                        <dgm:constrLst>
+                          <dgm:constr type="alignOff"/>
+                          <dgm:constr type="bendDist" for="des" ptType="parTrans" refType="sp" fact="0.5"/>
+                        </dgm:constrLst>
+                      </dgm:else>
+                    </dgm:choose>
+                  </dgm:if>
+                  <dgm:else name="Name77">
+                    <dgm:alg type="hierRoot"/>
+                    <dgm:shape xmlns:r="http://schemas.openxmlformats.org/officeDocument/2006/relationships" r:blip="">
+                      <dgm:adjLst/>
+                    </dgm:shape>
+                    <dgm:presOf/>
+                    <dgm:constrLst>
+                      <dgm:constr type="alignOff" val="0.65"/>
+                    </dgm:constrLst>
+                  </dgm:else>
+                </dgm:choose>
+                <dgm:ruleLst/>
+                <dgm:layoutNode name="rootComposite">
+                  <dgm:alg type="composite"/>
+                  <dgm:shape xmlns:r="http://schemas.openxmlformats.org/officeDocument/2006/relationships" r:blip="">
+                    <dgm:adjLst/>
+                  </dgm:shape>
+                  <dgm:presOf axis="self" ptType="node" cnt="1"/>
+                  <dgm:choose name="Name78">
+                    <dgm:if name="Name79" func="var" arg="hierBranch" op="equ" val="init">
+                      <dgm:constrLst>
+                        <dgm:constr type="l" for="ch" forName="rootText"/>
+                        <dgm:constr type="t" for="ch" forName="rootText"/>
+                        <dgm:constr type="w" for="ch" forName="rootText" refType="w"/>
+                        <dgm:constr type="h" for="ch" forName="rootText" refType="h"/>
+                        <dgm:constr type="l" for="ch" forName="rootConnector"/>
+                        <dgm:constr type="t" for="ch" forName="rootConnector"/>
+                        <dgm:constr type="w" for="ch" forName="rootConnector" refType="w" refFor="ch" refForName="rootText" fact="0.2"/>
+                        <dgm:constr type="h" for="ch" forName="rootConnector" refType="h" refFor="ch" refForName="rootText"/>
+                      </dgm:constrLst>
+                    </dgm:if>
+                    <dgm:if name="Name80" func="var" arg="hierBranch" op="equ" val="l">
+                      <dgm:constrLst>
+                        <dgm:constr type="l" for="ch" forName="rootText"/>
+                        <dgm:constr type="t" for="ch" forName="rootText"/>
+                        <dgm:constr type="w" for="ch" forName="rootText" refType="w"/>
+                        <dgm:constr type="h" for="ch" forName="rootText" refType="h"/>
+                        <dgm:constr type="r" for="ch" forName="rootConnector" refType="w"/>
+                        <dgm:constr type="t" for="ch" forName="rootConnector"/>
+                        <dgm:constr type="w" for="ch" forName="rootConnector" refType="w" refFor="ch" refForName="rootText" fact="0.2"/>
+                        <dgm:constr type="h" for="ch" forName="rootConnector" refType="h" refFor="ch" refForName="rootText"/>
+                      </dgm:constrLst>
+                    </dgm:if>
+                    <dgm:if name="Name81" func="var" arg="hierBranch" op="equ" val="r">
+                      <dgm:constrLst>
+                        <dgm:constr type="l" for="ch" forName="rootText"/>
+                        <dgm:constr type="t" for="ch" forName="rootText"/>
+                        <dgm:constr type="w" for="ch" forName="rootText" refType="w"/>
+                        <dgm:constr type="h" for="ch" forName="rootText" refType="h"/>
+                        <dgm:constr type="l" for="ch" forName="rootConnector"/>
+                        <dgm:constr type="t" for="ch" forName="rootConnector"/>
+                        <dgm:constr type="w" for="ch" forName="rootConnector" refType="w" refFor="ch" refForName="rootText" fact="0.2"/>
+                        <dgm:constr type="h" for="ch" forName="rootConnector" refType="h" refFor="ch" refForName="rootText"/>
+                      </dgm:constrLst>
+                    </dgm:if>
+                    <dgm:else name="Name82">
+                      <dgm:constrLst>
+                        <dgm:constr type="l" for="ch" forName="rootText"/>
+                        <dgm:constr type="t" for="ch" forName="rootText"/>
+                        <dgm:constr type="w" for="ch" forName="rootText" refType="w"/>
+                        <dgm:constr type="h" for="ch" forName="rootText" refType="h"/>
+                        <dgm:constr type="r" for="ch" forName="rootConnector" refType="w"/>
+                        <dgm:constr type="t" for="ch" forName="rootConnector"/>
+                        <dgm:constr type="w" for="ch" forName="rootConnector" refType="w" refFor="ch" refForName="rootText" fact="0.2"/>
+                        <dgm:constr type="h" for="ch" forName="rootConnector" refType="h" refFor="ch" refForName="rootText"/>
+                      </dgm:constrLst>
+                    </dgm:else>
+                  </dgm:choose>
+                  <dgm:ruleLst/>
+                  <dgm:layoutNode name="rootText">
+                    <dgm:varLst>
+                      <dgm:chPref val="3"/>
+                    </dgm:varLst>
+                    <dgm:alg type="tx"/>
+                    <dgm:shape xmlns:r="http://schemas.openxmlformats.org/officeDocument/2006/relationships" type="rect" r:blip="">
+                      <dgm:adjLst/>
+                    </dgm:shape>
+                    <dgm:presOf axis="self" ptType="node" cnt="1"/>
+                    <dgm:constrLst>
+                      <dgm:constr type="primFontSz" val="65"/>
+                      <dgm:constr type="lMarg" refType="primFontSz" fact="0.05"/>
+                      <dgm:constr type="rMarg" refType="primFontSz" fact="0.05"/>
+                      <dgm:constr type="tMarg" refType="primFontSz" fact="0.05"/>
+                      <dgm:constr type="bMarg" refType="primFontSz" fact="0.05"/>
+                    </dgm:constrLst>
+                    <dgm:ruleLst>
+                      <dgm:rule type="primFontSz" val="5" fact="NaN" max="NaN"/>
+                    </dgm:ruleLst>
+                  </dgm:layoutNode>
+                  <dgm:layoutNode name="rootConnector" moveWith="rootText">
+                    <dgm:alg type="sp"/>
+                    <dgm:shape xmlns:r="http://schemas.openxmlformats.org/officeDocument/2006/relationships" type="rect" r:blip="" hideGeom="1">
+                      <dgm:adjLst/>
+                    </dgm:shape>
+                    <dgm:presOf axis="self" ptType="node" cnt="1"/>
+                    <dgm:constrLst/>
+                    <dgm:ruleLst/>
+                  </dgm:layoutNode>
+                </dgm:layoutNode>
+                <dgm:layoutNode name="hierChild4">
+                  <dgm:choose name="Name83">
+                    <dgm:if name="Name84" func="var" arg="hierBranch" op="equ" val="l">
+                      <dgm:alg type="hierChild">
+                        <dgm:param type="chAlign" val="r"/>
+                        <dgm:param type="linDir" val="fromT"/>
+                      </dgm:alg>
+                    </dgm:if>
+                    <dgm:if name="Name85" func="var" arg="hierBranch" op="equ" val="r">
+                      <dgm:alg type="hierChild">
+                        <dgm:param type="chAlign" val="l"/>
+                        <dgm:param type="linDir" val="fromT"/>
+                      </dgm:alg>
+                    </dgm:if>
+                    <dgm:if name="Name86" func="var" arg="hierBranch" op="equ" val="hang">
+                      <dgm:choose name="Name87">
+                        <dgm:if name="Name88" func="var" arg="dir" op="equ" val="norm">
+                          <dgm:alg type="hierChild">
+                            <dgm:param type="chAlign" val="l"/>
+                            <dgm:param type="linDir" val="fromL"/>
+                            <dgm:param type="secChAlign" val="t"/>
+                            <dgm:param type="secLinDir" val="fromT"/>
+                          </dgm:alg>
+                        </dgm:if>
+                        <dgm:else name="Name89">
+                          <dgm:alg type="hierChild">
+                            <dgm:param type="chAlign" val="l"/>
+                            <dgm:param type="linDir" val="fromR"/>
+                            <dgm:param type="secChAlign" val="t"/>
+                            <dgm:param type="secLinDir" val="fromT"/>
+                          </dgm:alg>
+                        </dgm:else>
+                      </dgm:choose>
+                    </dgm:if>
+                    <dgm:if name="Name90" func="var" arg="hierBranch" op="equ" val="std">
+                      <dgm:choose name="Name91">
+                        <dgm:if name="Name92" func="var" arg="dir" op="equ" val="norm">
+                          <dgm:alg type="hierChild"/>
+                        </dgm:if>
+                        <dgm:else name="Name93">
+                          <dgm:alg type="hierChild">
+                            <dgm:param type="linDir" val="fromR"/>
+                          </dgm:alg>
+                        </dgm:else>
+                      </dgm:choose>
+                    </dgm:if>
+                    <dgm:if name="Name94" func="var" arg="hierBranch" op="equ" val="init">
+                      <dgm:choose name="Name95">
+                        <dgm:if name="Name96" axis="des" func="maxDepth" op="lte" val="1">
+                          <dgm:alg type="hierChild">
+                            <dgm:param type="chAlign" val="l"/>
+                            <dgm:param type="linDir" val="fromT"/>
+                          </dgm:alg>
+                        </dgm:if>
+                        <dgm:else name="Name97">
+                          <dgm:choose name="Name98">
+                            <dgm:if name="Name99" func="var" arg="dir" op="equ" val="norm">
+                              <dgm:alg type="hierChild"/>
+                            </dgm:if>
+                            <dgm:else name="Name100">
+                              <dgm:alg type="hierChild">
+                                <dgm:param type="linDir" val="fromR"/>
+                              </dgm:alg>
+                            </dgm:else>
+                          </dgm:choose>
+                        </dgm:else>
+                      </dgm:choose>
+                    </dgm:if>
+                    <dgm:else name="Name101"/>
+                  </dgm:choose>
+                  <dgm:shape xmlns:r="http://schemas.openxmlformats.org/officeDocument/2006/relationships" r:blip="">
+                    <dgm:adjLst/>
+                  </dgm:shape>
+                  <dgm:presOf/>
+                  <dgm:constrLst/>
+                  <dgm:ruleLst/>
+                  <dgm:forEach name="Name102" ref="rep2a"/>
+                </dgm:layoutNode>
+                <dgm:layoutNode name="hierChild5">
+                  <dgm:choose name="Name103">
+                    <dgm:if name="Name104" func="var" arg="dir" op="equ" val="norm">
+                      <dgm:alg type="hierChild">
+                        <dgm:param type="chAlign" val="l"/>
+                        <dgm:param type="linDir" val="fromL"/>
+                        <dgm:param type="secChAlign" val="t"/>
+                        <dgm:param type="secLinDir" val="fromT"/>
+                      </dgm:alg>
+                    </dgm:if>
+                    <dgm:else name="Name105">
+                      <dgm:alg type="hierChild">
+                        <dgm:param type="chAlign" val="l"/>
+                        <dgm:param type="linDir" val="fromR"/>
+                        <dgm:param type="secChAlign" val="t"/>
+                        <dgm:param type="secLinDir" val="fromT"/>
+                      </dgm:alg>
+                    </dgm:else>
+                  </dgm:choose>
+                  <dgm:shape xmlns:r="http://schemas.openxmlformats.org/officeDocument/2006/relationships" r:blip="">
+                    <dgm:adjLst/>
+                  </dgm:shape>
+                  <dgm:presOf/>
+                  <dgm:constrLst/>
+                  <dgm:ruleLst/>
+                  <dgm:forEach name="Name106" ref="rep2b"/>
+                </dgm:layoutNode>
+              </dgm:layoutNode>
+            </dgm:forEach>
+          </dgm:layoutNode>
+          <dgm:layoutNode name="hierChild3">
+            <dgm:choose name="Name107">
+              <dgm:if name="Name108" func="var" arg="dir" op="equ" val="norm">
+                <dgm:alg type="hierChild">
+                  <dgm:param type="chAlign" val="l"/>
+                  <dgm:param type="linDir" val="fromL"/>
+                  <dgm:param type="secChAlign" val="t"/>
+                  <dgm:param type="secLinDir" val="fromT"/>
+                </dgm:alg>
+              </dgm:if>
+              <dgm:else name="Name109">
+                <dgm:alg type="hierChild">
+                  <dgm:param type="chAlign" val="l"/>
+                  <dgm:param type="linDir" val="fromR"/>
+                  <dgm:param type="secChAlign" val="t"/>
+                  <dgm:param type="secLinDir" val="fromT"/>
+                </dgm:alg>
+              </dgm:else>
+            </dgm:choose>
+            <dgm:shape xmlns:r="http://schemas.openxmlformats.org/officeDocument/2006/relationships" r:blip="">
+              <dgm:adjLst/>
+            </dgm:shape>
+            <dgm:presOf/>
+            <dgm:constrLst/>
+            <dgm:ruleLst/>
+            <dgm:forEach name="rep2b" axis="ch" ptType="asst">
+              <dgm:forEach name="Name110" axis="precedSib" ptType="parTrans" st="-1" cnt="1">
+                <dgm:layoutNode name="Name111">
+                  <dgm:alg type="conn">
+                    <dgm:param type="connRout" val="bend"/>
+                    <dgm:param type="dim" val="1D"/>
+                    <dgm:param type="endSty" val="noArr"/>
+                    <dgm:param type="begPts" val="bCtr"/>
+                    <dgm:param type="endPts" val="midL midR"/>
+                  </dgm:alg>
+                  <dgm:shape xmlns:r="http://schemas.openxmlformats.org/officeDocument/2006/relationships" type="conn" r:blip="" zOrderOff="-99999">
+                    <dgm:adjLst/>
+                  </dgm:shape>
+                  <dgm:presOf axis="self"/>
+                  <dgm:constrLst>
+                    <dgm:constr type="begPad"/>
+                    <dgm:constr type="endPad"/>
+                  </dgm:constrLst>
+                  <dgm:ruleLst/>
+                </dgm:layoutNode>
+              </dgm:forEach>
+              <dgm:layoutNode name="hierRoot3">
+                <dgm:varLst>
+                  <dgm:hierBranch val="init"/>
+                </dgm:varLst>
+                <dgm:choose name="Name112">
+                  <dgm:if name="Name113" func="var" arg="hierBranch" op="equ" val="l">
+                    <dgm:alg type="hierRoot">
+                      <dgm:param type="hierAlign" val="tR"/>
+                    </dgm:alg>
+                    <dgm:shape xmlns:r="http://schemas.openxmlformats.org/officeDocument/2006/relationships" r:blip="">
+                      <dgm:adjLst/>
+                    </dgm:shape>
+                    <dgm:presOf/>
+                    <dgm:constrLst>
+                      <dgm:constr type="alignOff" val="0.65"/>
+                    </dgm:constrLst>
+                  </dgm:if>
+                  <dgm:if name="Name114" func="var" arg="hierBranch" op="equ" val="r">
+                    <dgm:alg type="hierRoot">
+                      <dgm:param type="hierAlign" val="tL"/>
+                    </dgm:alg>
+                    <dgm:shape xmlns:r="http://schemas.openxmlformats.org/officeDocument/2006/relationships" r:blip="">
+                      <dgm:adjLst/>
+                    </dgm:shape>
+                    <dgm:presOf/>
+                    <dgm:constrLst>
+                      <dgm:constr type="alignOff" val="0.65"/>
+                    </dgm:constrLst>
+                  </dgm:if>
+                  <dgm:if name="Name115" func="var" arg="hierBranch" op="equ" val="hang">
+                    <dgm:alg type="hierRoot"/>
+                    <dgm:shape xmlns:r="http://schemas.openxmlformats.org/officeDocument/2006/relationships" r:blip="">
+                      <dgm:adjLst/>
+                    </dgm:shape>
+                    <dgm:presOf/>
+                    <dgm:constrLst>
+                      <dgm:constr type="alignOff" val="0.65"/>
+                    </dgm:constrLst>
+                  </dgm:if>
+                  <dgm:if name="Name116" func="var" arg="hierBranch" op="equ" val="std">
+                    <dgm:alg type="hierRoot"/>
+                    <dgm:shape xmlns:r="http://schemas.openxmlformats.org/officeDocument/2006/relationships" r:blip="">
+                      <dgm:adjLst/>
+                    </dgm:shape>
+                    <dgm:presOf/>
+                    <dgm:constrLst>
+                      <dgm:constr type="alignOff"/>
+                      <dgm:constr type="bendDist" for="des" ptType="parTrans" refType="sp" fact="0.5"/>
+                    </dgm:constrLst>
+                  </dgm:if>
+                  <dgm:if name="Name117" func="var" arg="hierBranch" op="equ" val="init">
+                    <dgm:choose name="Name118">
+                      <dgm:if name="Name119" axis="des" func="maxDepth" op="lte" val="1">
+                        <dgm:alg type="hierRoot">
+                          <dgm:param type="hierAlign" val="tL"/>
+                        </dgm:alg>
+                        <dgm:shape xmlns:r="http://schemas.openxmlformats.org/officeDocument/2006/relationships" r:blip="">
+                          <dgm:adjLst/>
+                        </dgm:shape>
+                        <dgm:presOf/>
+                        <dgm:constrLst>
+                          <dgm:constr type="alignOff" val="0.65"/>
+                        </dgm:constrLst>
+                      </dgm:if>
+                      <dgm:else name="Name120">
+                        <dgm:alg type="hierRoot"/>
+                        <dgm:shape xmlns:r="http://schemas.openxmlformats.org/officeDocument/2006/relationships" r:blip="">
+                          <dgm:adjLst/>
+                        </dgm:shape>
+                        <dgm:presOf/>
+                        <dgm:constrLst>
+                          <dgm:constr type="alignOff"/>
+                          <dgm:constr type="bendDist" for="des" ptType="parTrans" refType="sp" fact="0.5"/>
+                        </dgm:constrLst>
+                      </dgm:else>
+                    </dgm:choose>
+                  </dgm:if>
+                  <dgm:else name="Name121"/>
+                </dgm:choose>
+                <dgm:ruleLst/>
+                <dgm:layoutNode name="rootComposite3">
+                  <dgm:alg type="composite"/>
+                  <dgm:shape xmlns:r="http://schemas.openxmlformats.org/officeDocument/2006/relationships" r:blip="">
+                    <dgm:adjLst/>
+                  </dgm:shape>
+                  <dgm:presOf axis="self" ptType="node" cnt="1"/>
+                  <dgm:choose name="Name122">
+                    <dgm:if name="Name123" func="var" arg="hierBranch" op="equ" val="init">
+                      <dgm:constrLst>
+                        <dgm:constr type="l" for="ch" forName="rootText3"/>
+                        <dgm:constr type="t" for="ch" forName="rootText3"/>
+                        <dgm:constr type="w" for="ch" forName="rootText3" refType="w"/>
+                        <dgm:constr type="h" for="ch" forName="rootText3" refType="h"/>
+                        <dgm:constr type="l" for="ch" forName="rootConnector3"/>
+                        <dgm:constr type="t" for="ch" forName="rootConnector3"/>
+                        <dgm:constr type="w" for="ch" forName="rootConnector3" refType="w" refFor="ch" refForName="rootText3" fact="0.2"/>
+                        <dgm:constr type="h" for="ch" forName="rootConnector3" refType="h" refFor="ch" refForName="rootText3"/>
+                      </dgm:constrLst>
+                    </dgm:if>
+                    <dgm:if name="Name124" func="var" arg="hierBranch" op="equ" val="l">
+                      <dgm:constrLst>
+                        <dgm:constr type="l" for="ch" forName="rootText3"/>
+                        <dgm:constr type="t" for="ch" forName="rootText3"/>
+                        <dgm:constr type="w" for="ch" forName="rootText3" refType="w"/>
+                        <dgm:constr type="h" for="ch" forName="rootText3" refType="h"/>
+                        <dgm:constr type="r" for="ch" forName="rootConnector3" refType="w"/>
+                        <dgm:constr type="t" for="ch" forName="rootConnector3"/>
+                        <dgm:constr type="w" for="ch" forName="rootConnector3" refType="w" refFor="ch" refForName="rootText3" fact="0.2"/>
+                        <dgm:constr type="h" for="ch" forName="rootConnector3" refType="h" refFor="ch" refForName="rootText3"/>
+                      </dgm:constrLst>
+                    </dgm:if>
+                    <dgm:if name="Name125" func="var" arg="hierBranch" op="equ" val="r">
+                      <dgm:constrLst>
+                        <dgm:constr type="l" for="ch" forName="rootText3"/>
+                        <dgm:constr type="t" for="ch" forName="rootText3"/>
+                        <dgm:constr type="w" for="ch" forName="rootText3" refType="w"/>
+                        <dgm:constr type="h" for="ch" forName="rootText3" refType="h"/>
+                        <dgm:constr type="l" for="ch" forName="rootConnector3"/>
+                        <dgm:constr type="t" for="ch" forName="rootConnector3"/>
+                        <dgm:constr type="w" for="ch" forName="rootConnector3" refType="w" refFor="ch" refForName="rootText3" fact="0.2"/>
+                        <dgm:constr type="h" for="ch" forName="rootConnector3" refType="h" refFor="ch" refForName="rootText3"/>
+                      </dgm:constrLst>
+                    </dgm:if>
+                    <dgm:else name="Name126">
+                      <dgm:constrLst>
+                        <dgm:constr type="l" for="ch" forName="rootText3"/>
+                        <dgm:constr type="t" for="ch" forName="rootText3"/>
+                        <dgm:constr type="w" for="ch" forName="rootText3" refType="w"/>
+                        <dgm:constr type="h" for="ch" forName="rootText3" refType="h"/>
+                        <dgm:constr type="r" for="ch" forName="rootConnector3" refType="w"/>
+                        <dgm:constr type="t" for="ch" forName="rootConnector3"/>
+                        <dgm:constr type="w" for="ch" forName="rootConnector3" refType="w" refFor="ch" refForName="rootText3" fact="0.2"/>
+                        <dgm:constr type="h" for="ch" forName="rootConnector3" refType="h" refFor="ch" refForName="rootText3"/>
+                      </dgm:constrLst>
+                    </dgm:else>
+                  </dgm:choose>
+                  <dgm:ruleLst/>
+                  <dgm:layoutNode name="rootText3">
+                    <dgm:varLst>
+                      <dgm:chPref val="3"/>
+                    </dgm:varLst>
+                    <dgm:alg type="tx"/>
+                    <dgm:shape xmlns:r="http://schemas.openxmlformats.org/officeDocument/2006/relationships" type="rect" r:blip="">
+                      <dgm:adjLst/>
+                    </dgm:shape>
+                    <dgm:presOf axis="self" ptType="node" cnt="1"/>
+                    <dgm:constrLst>
+                      <dgm:constr type="primFontSz" val="65"/>
+                      <dgm:constr type="lMarg" refType="primFontSz" fact="0.05"/>
+                      <dgm:constr type="rMarg" refType="primFontSz" fact="0.05"/>
+                      <dgm:constr type="tMarg" refType="primFontSz" fact="0.05"/>
+                      <dgm:constr type="bMarg" refType="primFontSz" fact="0.05"/>
+                    </dgm:constrLst>
+                    <dgm:ruleLst>
+                      <dgm:rule type="primFontSz" val="5" fact="NaN" max="NaN"/>
+                    </dgm:ruleLst>
+                  </dgm:layoutNode>
+                  <dgm:layoutNode name="rootConnector3" moveWith="rootText1">
+                    <dgm:alg type="sp"/>
+                    <dgm:shape xmlns:r="http://schemas.openxmlformats.org/officeDocument/2006/relationships" type="rect" r:blip="" hideGeom="1">
+                      <dgm:adjLst/>
+                    </dgm:shape>
+                    <dgm:presOf axis="self" ptType="node" cnt="1"/>
+                    <dgm:constrLst/>
+                    <dgm:ruleLst/>
+                  </dgm:layoutNode>
+                </dgm:layoutNode>
+                <dgm:layoutNode name="hierChild6">
+                  <dgm:choose name="Name127">
+                    <dgm:if name="Name128" func="var" arg="hierBranch" op="equ" val="l">
+                      <dgm:alg type="hierChild">
+                        <dgm:param type="chAlign" val="r"/>
+                        <dgm:param type="linDir" val="fromT"/>
+                      </dgm:alg>
+                    </dgm:if>
+                    <dgm:if name="Name129" func="var" arg="hierBranch" op="equ" val="r">
+                      <dgm:alg type="hierChild">
+                        <dgm:param type="chAlign" val="l"/>
+                        <dgm:param type="linDir" val="fromT"/>
+                      </dgm:alg>
+                    </dgm:if>
+                    <dgm:if name="Name130" func="var" arg="hierBranch" op="equ" val="hang">
+                      <dgm:choose name="Name131">
+                        <dgm:if name="Name132" func="var" arg="dir" op="equ" val="norm">
+                          <dgm:alg type="hierChild">
+                            <dgm:param type="chAlign" val="l"/>
+                            <dgm:param type="linDir" val="fromL"/>
+                            <dgm:param type="secChAlign" val="t"/>
+                            <dgm:param type="secLinDir" val="fromT"/>
+                          </dgm:alg>
+                        </dgm:if>
+                        <dgm:else name="Name133">
+                          <dgm:alg type="hierChild">
+                            <dgm:param type="chAlign" val="l"/>
+                            <dgm:param type="linDir" val="fromR"/>
+                            <dgm:param type="secChAlign" val="t"/>
+                            <dgm:param type="secLinDir" val="fromT"/>
+                          </dgm:alg>
+                        </dgm:else>
+                      </dgm:choose>
+                    </dgm:if>
+                    <dgm:if name="Name134" func="var" arg="hierBranch" op="equ" val="std">
+                      <dgm:choose name="Name135">
+                        <dgm:if name="Name136" func="var" arg="dir" op="equ" val="norm">
+                          <dgm:alg type="hierChild"/>
+                        </dgm:if>
+                        <dgm:else name="Name137">
+                          <dgm:alg type="hierChild">
+                            <dgm:param type="linDir" val="fromR"/>
+                          </dgm:alg>
+                        </dgm:else>
+                      </dgm:choose>
+                    </dgm:if>
+                    <dgm:if name="Name138" func="var" arg="hierBranch" op="equ" val="init">
+                      <dgm:choose name="Name139">
+                        <dgm:if name="Name140" axis="des" func="maxDepth" op="lte" val="1">
+                          <dgm:alg type="hierChild">
+                            <dgm:param type="chAlign" val="l"/>
+                            <dgm:param type="linDir" val="fromT"/>
+                          </dgm:alg>
+                        </dgm:if>
+                        <dgm:else name="Name141">
+                          <dgm:alg type="hierChild"/>
+                        </dgm:else>
+                      </dgm:choose>
+                    </dgm:if>
+                    <dgm:else name="Name142"/>
+                  </dgm:choose>
+                  <dgm:shape xmlns:r="http://schemas.openxmlformats.org/officeDocument/2006/relationships" r:blip="">
+                    <dgm:adjLst/>
+                  </dgm:shape>
+                  <dgm:presOf/>
+                  <dgm:constrLst/>
+                  <dgm:ruleLst/>
+                  <dgm:forEach name="Name143" ref="rep2a"/>
+                </dgm:layoutNode>
+                <dgm:layoutNode name="hierChild7">
+                  <dgm:choose name="Name144">
+                    <dgm:if name="Name145" func="var" arg="dir" op="equ" val="norm">
+                      <dgm:alg type="hierChild">
+                        <dgm:param type="chAlign" val="l"/>
+                        <dgm:param type="linDir" val="fromL"/>
+                        <dgm:param type="secChAlign" val="t"/>
+                        <dgm:param type="secLinDir" val="fromT"/>
+                      </dgm:alg>
+                    </dgm:if>
+                    <dgm:else name="Name146">
+                      <dgm:alg type="hierChild">
+                        <dgm:param type="chAlign" val="l"/>
+                        <dgm:param type="linDir" val="fromR"/>
+                        <dgm:param type="secChAlign" val="t"/>
+                        <dgm:param type="secLinDir" val="fromT"/>
+                      </dgm:alg>
+                    </dgm:else>
+                  </dgm:choose>
+                  <dgm:shape xmlns:r="http://schemas.openxmlformats.org/officeDocument/2006/relationships" r:blip="">
+                    <dgm:adjLst/>
+                  </dgm:shape>
+                  <dgm:presOf/>
+                  <dgm:constrLst/>
+                  <dgm:ruleLst/>
+                  <dgm:forEach name="Name147" ref="rep2b"/>
+                </dgm:layoutNode>
+              </dgm:layoutNode>
+            </dgm:forEach>
+          </dgm:layoutNode>
+        </dgm:layoutNode>
+      </dgm:forEach>
+    </dgm:forEach>
+  </dgm:layoutNode>
+</dgm:layoutDef>
+</file>
+
+<file path=ppt/diagrams/quickStyle1.xml><?xml version="1.0" encoding="utf-8"?>
+<dgm:styleDef xmlns:dgm="http://schemas.openxmlformats.org/drawingml/2006/diagram" xmlns:a="http://schemas.openxmlformats.org/drawingml/2006/main" uniqueId="urn:microsoft.com/office/officeart/2005/8/quickstyle/simple1">
+  <dgm:title val=""/>
+  <dgm:desc val=""/>
+  <dgm:catLst>
+    <dgm:cat type="simple" pri="10100"/>
+  </dgm:catLst>
+  <dgm:scene3d>
+    <a:camera prst="orthographicFront"/>
+    <a:lightRig rig="threePt" dir="t"/>
+  </dgm:scene3d>
+  <dgm:styleLbl name="node0">
+    <dgm:scene3d>
+      <a:camera prst="orthographicFront"/>
+      <a:lightRig rig="threePt" dir="t"/>
+    </dgm:scene3d>
+    <dgm:sp3d/>
+    <dgm:txPr/>
+    <dgm:style>
+      <a:lnRef idx="2">
+        <a:scrgbClr r="0" g="0" b="0"/>
+      </a:lnRef>
+      <a:fillRef idx="1">
+        <a:scrgbClr r="0" g="0" b="0"/>
+      </a:fillRef>
+      <a:effectRef idx="0">
+        <a:scrgbClr r="0" g="0" b="0"/>
+      </a:effectRef>
+      <a:fontRef idx="minor">
+        <a:schemeClr val="lt1"/>
+      </a:fontRef>
+    </dgm:style>
+  </dgm:styleLbl>
+  <dgm:styleLbl name="lnNode1">
+    <dgm:scene3d>
+      <a:camera prst="orthographicFront"/>
+      <a:lightRig rig="threePt" dir="t"/>
+    </dgm:scene3d>
+    <dgm:sp3d/>
+    <dgm:txPr/>
+    <dgm:style>
+      <a:lnRef idx="2">
+        <a:scrgbClr r="0" g="0" b="0"/>
+      </a:lnRef>
+      <a:fillRef idx="1">
+        <a:scrgbClr r="0" g="0" b="0"/>
+      </a:fillRef>
+      <a:effectRef idx="0">
+        <a:scrgbClr r="0" g="0" b="0"/>
+      </a:effectRef>
+      <a:fontRef idx="minor">
+        <a:schemeClr val="lt1"/>
+      </a:fontRef>
+    </dgm:style>
+  </dgm:styleLbl>
+  <dgm:styleLbl name="vennNode1">
+    <dgm:scene3d>
+      <a:camera prst="orthographicFront"/>
+      <a:lightRig rig="threePt" dir="t"/>
+    </dgm:scene3d>
+    <dgm:sp3d/>
+    <dgm:txPr/>
+    <dgm:style>
+      <a:lnRef idx="2">
+        <a:scrgbClr r="0" g="0" b="0"/>
+      </a:lnRef>
+      <a:fillRef idx="1">
+        <a:scrgbClr r="0" g="0" b="0"/>
+      </a:fillRef>
+      <a:effectRef idx="0">
+        <a:scrgbClr r="0" g="0" b="0"/>
+      </a:effectRef>
+      <a:fontRef idx="minor">
+        <a:schemeClr val="tx1"/>
+      </a:fontRef>
+    </dgm:style>
+  </dgm:styleLbl>
+  <dgm:styleLbl name="alignNode1">
+    <dgm:scene3d>
+      <a:camera prst="orthographicFront"/>
+      <a:lightRig rig="threePt" dir="t"/>
+    </dgm:scene3d>
+    <dgm:sp3d/>
+    <dgm:txPr/>
+    <dgm:style>
+      <a:lnRef idx="2">
+        <a:scrgbClr r="0" g="0" b="0"/>
+      </a:lnRef>
+      <a:fillRef idx="1">
+        <a:scrgbClr r="0" g="0" b="0"/>
+      </a:fillRef>
+      <a:effectRef idx="0">
+        <a:scrgbClr r="0" g="0" b="0"/>
+      </a:effectRef>
+      <a:fontRef idx="minor">
+        <a:schemeClr val="lt1"/>
+      </a:fontRef>
+    </dgm:style>
+  </dgm:styleLbl>
+  <dgm:styleLbl name="node1">
+    <dgm:scene3d>
+      <a:camera prst="orthographicFront"/>
+      <a:lightRig rig="threePt" dir="t"/>
+    </dgm:scene3d>
+    <dgm:sp3d/>
+    <dgm:txPr/>
+    <dgm:style>
+      <a:lnRef idx="2">
+        <a:scrgbClr r="0" g="0" b="0"/>
+      </a:lnRef>
+      <a:fillRef idx="1">
+        <a:scrgbClr r="0" g="0" b="0"/>
+      </a:fillRef>
+      <a:effectRef idx="0">
+        <a:scrgbClr r="0" g="0" b="0"/>
+      </a:effectRef>
+      <a:fontRef idx="minor">
+        <a:schemeClr val="lt1"/>
+      </a:fontRef>
+    </dgm:style>
+  </dgm:styleLbl>
+  <dgm:styleLbl name="node2">
+    <dgm:scene3d>
+      <a:camera prst="orthographicFront"/>
+      <a:lightRig rig="threePt" dir="t"/>
+    </dgm:scene3d>
+    <dgm:sp3d/>
+    <dgm:txPr/>
+    <dgm:style>
+      <a:lnRef idx="2">
+        <a:scrgbClr r="0" g="0" b="0"/>
+      </a:lnRef>
+      <a:fillRef idx="1">
+        <a:scrgbClr r="0" g="0" b="0"/>
+      </a:fillRef>
+      <a:effectRef idx="0">
+        <a:scrgbClr r="0" g="0" b="0"/>
+      </a:effectRef>
+      <a:fontRef idx="minor">
+        <a:schemeClr val="lt1"/>
+      </a:fontRef>
+    </dgm:style>
+  </dgm:styleLbl>
+  <dgm:styleLbl name="node3">
+    <dgm:scene3d>
+      <a:camera prst="orthographicFront"/>
+      <a:lightRig rig="threePt" dir="t"/>
+    </dgm:scene3d>
+    <dgm:sp3d/>
+    <dgm:txPr/>
+    <dgm:style>
+      <a:lnRef idx="2">
+        <a:scrgbClr r="0" g="0" b="0"/>
+      </a:lnRef>
+      <a:fillRef idx="1">
+        <a:scrgbClr r="0" g="0" b="0"/>
+      </a:fillRef>
+      <a:effectRef idx="0">
+        <a:scrgbClr r="0" g="0" b="0"/>
+      </a:effectRef>
+      <a:fontRef idx="minor">
+        <a:schemeClr val="lt1"/>
+      </a:fontRef>
+    </dgm:style>
+  </dgm:styleLbl>
+  <dgm:styleLbl name="node4">
+    <dgm:scene3d>
+      <a:camera prst="orthographicFront"/>
+      <a:lightRig rig="threePt" dir="t"/>
+    </dgm:scene3d>
+    <dgm:sp3d/>
+    <dgm:txPr/>
+    <dgm:style>
+      <a:lnRef idx="2">
+        <a:scrgbClr r="0" g="0" b="0"/>
+      </a:lnRef>
+      <a:fillRef idx="1">
+        <a:scrgbClr r="0" g="0" b="0"/>
+      </a:fillRef>
+      <a:effectRef idx="0">
+        <a:scrgbClr r="0" g="0" b="0"/>
+      </a:effectRef>
+      <a:fontRef idx="minor">
+        <a:schemeClr val="lt1"/>
+      </a:fontRef>
+    </dgm:style>
+  </dgm:styleLbl>
+  <dgm:styleLbl name="fgImgPlace1">
+    <dgm:scene3d>
+      <a:camera prst="orthographicFront"/>
+      <a:lightRig rig="threePt" dir="t"/>
+    </dgm:scene3d>
+    <dgm:sp3d/>
+    <dgm:txPr/>
+    <dgm:style>
+      <a:lnRef idx="2">
+        <a:scrgbClr r="0" g="0" b="0"/>
+      </a:lnRef>
+      <a:fillRef idx="1">
+        <a:scrgbClr r="0" g="0" b="0"/>
+      </a:fillRef>
+      <a:effectRef idx="0">
+        <a:scrgbClr r="0" g="0" b="0"/>
+      </a:effectRef>
+      <a:fontRef idx="minor"/>
+    </dgm:style>
+  </dgm:styleLbl>
+  <dgm:styleLbl name="alignImgPlace1">
+    <dgm:scene3d>
+      <a:camera prst="orthographicFront"/>
+      <a:lightRig rig="threePt" dir="t"/>
+    </dgm:scene3d>
+    <dgm:sp3d/>
+    <dgm:txPr/>
+    <dgm:style>
+      <a:lnRef idx="2">
+        <a:scrgbClr r="0" g="0" b="0"/>
+      </a:lnRef>
+      <a:fillRef idx="1">
+        <a:scrgbClr r="0" g="0" b="0"/>
+      </a:fillRef>
+      <a:effectRef idx="0">
+        <a:scrgbClr r="0" g="0" b="0"/>
+      </a:effectRef>
+      <a:fontRef idx="minor"/>
+    </dgm:style>
+  </dgm:styleLbl>
+  <dgm:styleLbl name="bgImgPlace1">
+    <dgm:scene3d>
+      <a:camera prst="orthographicFront"/>
+      <a:lightRig rig="threePt" dir="t"/>
+    </dgm:scene3d>
+    <dgm:sp3d/>
+    <dgm:txPr/>
+    <dgm:style>
+      <a:lnRef idx="2">
+        <a:scrgbClr r="0" g="0" b="0"/>
+      </a:lnRef>
+      <a:fillRef idx="1">
+        <a:scrgbClr r="0" g="0" b="0"/>
+      </a:fillRef>
+      <a:effectRef idx="0">
+        <a:scrgbClr r="0" g="0" b="0"/>
+      </a:effectRef>
+      <a:fontRef idx="minor"/>
+    </dgm:style>
+  </dgm:styleLbl>
+  <dgm:styleLbl name="sibTrans2D1">
+    <dgm:scene3d>
+      <a:camera prst="orthographicFront"/>
+      <a:lightRig rig="threePt" dir="t"/>
+    </dgm:scene3d>
+    <dgm:sp3d/>
+    <dgm:txPr/>
+    <dgm:style>
+      <a:lnRef idx="0">
+        <a:scrgbClr r="0" g="0" b="0"/>
+      </a:lnRef>
+      <a:fillRef idx="1">
+        <a:scrgbClr r="0" g="0" b="0"/>
+      </a:fillRef>
+      <a:effectRef idx="0">
+        <a:scrgbClr r="0" g="0" b="0"/>
+      </a:effectRef>
+      <a:fontRef idx="minor">
+        <a:schemeClr val="lt1"/>
+      </a:fontRef>
+    </dgm:style>
+  </dgm:styleLbl>
+  <dgm:styleLbl name="fgSibTrans2D1">
+    <dgm:scene3d>
+      <a:camera prst="orthographicFront"/>
+      <a:lightRig rig="threePt" dir="t"/>
+    </dgm:scene3d>
+    <dgm:sp3d/>
+    <dgm:txPr/>
+    <dgm:style>
+      <a:lnRef idx="0">
+        <a:scrgbClr r="0" g="0" b="0"/>
+      </a:lnRef>
+      <a:fillRef idx="1">
+        <a:scrgbClr r="0" g="0" b="0"/>
+      </a:fillRef>
+      <a:effectRef idx="0">
+        <a:scrgbClr r="0" g="0" b="0"/>
+      </a:effectRef>
+      <a:fontRef idx="minor">
+        <a:schemeClr val="lt1"/>
+      </a:fontRef>
+    </dgm:style>
+  </dgm:styleLbl>
+  <dgm:styleLbl name="bgSibTrans2D1">
+    <dgm:scene3d>
+      <a:camera prst="orthographicFront"/>
+      <a:lightRig rig="threePt" dir="t"/>
+    </dgm:scene3d>
+    <dgm:sp3d/>
+    <dgm:txPr/>
+    <dgm:style>
+      <a:lnRef idx="0">
+        <a:scrgbClr r="0" g="0" b="0"/>
+      </a:lnRef>
+      <a:fillRef idx="1">
+        <a:scrgbClr r="0" g="0" b="0"/>
+      </a:fillRef>
+      <a:effectRef idx="0">
+        <a:scrgbClr r="0" g="0" b="0"/>
+      </a:effectRef>
+      <a:fontRef idx="minor">
+        <a:schemeClr val="lt1"/>
+      </a:fontRef>
+    </dgm:style>
+  </dgm:styleLbl>
+  <dgm:styleLbl name="sibTrans1D1">
+    <dgm:scene3d>
+      <a:camera prst="orthographicFront"/>
+      <a:lightRig rig="threePt" dir="t"/>
+    </dgm:scene3d>
+    <dgm:sp3d/>
+    <dgm:txPr/>
+    <dgm:style>
+      <a:lnRef idx="1">
+        <a:scrgbClr r="0" g="0" b="0"/>
+      </a:lnRef>
+      <a:fillRef idx="0">
+        <a:scrgbClr r="0" g="0" b="0"/>
+      </a:fillRef>
+      <a:effectRef idx="0">
+        <a:scrgbClr r="0" g="0" b="0"/>
+      </a:effectRef>
+      <a:fontRef idx="minor"/>
+    </dgm:style>
+  </dgm:styleLbl>
+  <dgm:styleLbl name="callout">
+    <dgm:scene3d>
+      <a:camera prst="orthographicFront"/>
+      <a:lightRig rig="threePt" dir="t"/>
+    </dgm:scene3d>
+    <dgm:sp3d/>
+    <dgm:txPr/>
+    <dgm:style>
+      <a:lnRef idx="2">
+        <a:scrgbClr r="0" g="0" b="0"/>
+      </a:lnRef>
+      <a:fillRef idx="1">
+        <a:scrgbClr r="0" g="0" b="0"/>
+      </a:fillRef>
+      <a:effectRef idx="0">
+        <a:scrgbClr r="0" g="0" b="0"/>
+      </a:effectRef>
+      <a:fontRef idx="minor"/>
+    </dgm:style>
+  </dgm:styleLbl>
+  <dgm:styleLbl name="asst0">
+    <dgm:scene3d>
+      <a:camera prst="orthographicFront"/>
+      <a:lightRig rig="threePt" dir="t"/>
+    </dgm:scene3d>
+    <dgm:sp3d/>
+    <dgm:txPr/>
+    <dgm:style>
+      <a:lnRef idx="2">
+        <a:scrgbClr r="0" g="0" b="0"/>
+      </a:lnRef>
+      <a:fillRef idx="1">
+        <a:scrgbClr r="0" g="0" b="0"/>
+      </a:fillRef>
+      <a:effectRef idx="0">
+        <a:scrgbClr r="0" g="0" b="0"/>
+      </a:effectRef>
+      <a:fontRef idx="minor">
+        <a:schemeClr val="lt1"/>
+      </a:fontRef>
+    </dgm:style>
+  </dgm:styleLbl>
+  <dgm:styleLbl name="asst1">
+    <dgm:scene3d>
+      <a:camera prst="orthographicFront"/>
+      <a:lightRig rig="threePt" dir="t"/>
+    </dgm:scene3d>
+    <dgm:sp3d/>
+    <dgm:txPr/>
+    <dgm:style>
+      <a:lnRef idx="2">
+        <a:scrgbClr r="0" g="0" b="0"/>
+      </a:lnRef>
+      <a:fillRef idx="1">
+        <a:scrgbClr r="0" g="0" b="0"/>
+      </a:fillRef>
+      <a:effectRef idx="0">
+        <a:scrgbClr r="0" g="0" b="0"/>
+      </a:effectRef>
+      <a:fontRef idx="minor">
+        <a:schemeClr val="lt1"/>
+      </a:fontRef>
+    </dgm:style>
+  </dgm:styleLbl>
+  <dgm:styleLbl name="asst2">
+    <dgm:scene3d>
+      <a:camera prst="orthographicFront"/>
+      <a:lightRig rig="threePt" dir="t"/>
+    </dgm:scene3d>
+    <dgm:sp3d/>
+    <dgm:txPr/>
+    <dgm:style>
+      <a:lnRef idx="2">
+        <a:scrgbClr r="0" g="0" b="0"/>
+      </a:lnRef>
+      <a:fillRef idx="1">
+        <a:scrgbClr r="0" g="0" b="0"/>
+      </a:fillRef>
+      <a:effectRef idx="0">
+        <a:scrgbClr r="0" g="0" b="0"/>
+      </a:effectRef>
+      <a:fontRef idx="minor">
+        <a:schemeClr val="lt1"/>
+      </a:fontRef>
+    </dgm:style>
+  </dgm:styleLbl>
+  <dgm:styleLbl name="asst3">
+    <dgm:scene3d>
+      <a:camera prst="orthographicFront"/>
+      <a:lightRig rig="threePt" dir="t"/>
+    </dgm:scene3d>
+    <dgm:sp3d/>
+    <dgm:txPr/>
+    <dgm:style>
+      <a:lnRef idx="2">
+        <a:scrgbClr r="0" g="0" b="0"/>
+      </a:lnRef>
+      <a:fillRef idx="1">
+        <a:scrgbClr r="0" g="0" b="0"/>
+      </a:fillRef>
+      <a:effectRef idx="0">
+        <a:scrgbClr r="0" g="0" b="0"/>
+      </a:effectRef>
+      <a:fontRef idx="minor">
+        <a:schemeClr val="lt1"/>
+      </a:fontRef>
+    </dgm:style>
+  </dgm:styleLbl>
+  <dgm:styleLbl name="asst4">
+    <dgm:scene3d>
+      <a:camera prst="orthographicFront"/>
+      <a:lightRig rig="threePt" dir="t"/>
+    </dgm:scene3d>
+    <dgm:sp3d/>
+    <dgm:txPr/>
+    <dgm:style>
+      <a:lnRef idx="2">
+        <a:scrgbClr r="0" g="0" b="0"/>
+      </a:lnRef>
+      <a:fillRef idx="1">
+        <a:scrgbClr r="0" g="0" b="0"/>
+      </a:fillRef>
+      <a:effectRef idx="0">
+        <a:scrgbClr r="0" g="0" b="0"/>
+      </a:effectRef>
+      <a:fontRef idx="minor">
+        <a:schemeClr val="lt1"/>
+      </a:fontRef>
+    </dgm:style>
+  </dgm:styleLbl>
+  <dgm:styleLbl name="parChTrans2D1">
+    <dgm:scene3d>
+      <a:camera prst="orthographicFront"/>
+      <a:lightRig rig="threePt" dir="t"/>
+    </dgm:scene3d>
+    <dgm:sp3d/>
+    <dgm:txPr/>
+    <dgm:style>
+      <a:lnRef idx="2">
+        <a:scrgbClr r="0" g="0" b="0"/>
+      </a:lnRef>
+      <a:fillRef idx="1">
+        <a:scrgbClr r="0" g="0" b="0"/>
+      </a:fillRef>
+      <a:effectRef idx="0">
+        <a:scrgbClr r="0" g="0" b="0"/>
+      </a:effectRef>
+      <a:fontRef idx="minor">
+        <a:schemeClr val="lt1"/>
+      </a:fontRef>
+    </dgm:style>
+  </dgm:styleLbl>
+  <dgm:styleLbl name="parChTrans2D2">
+    <dgm:scene3d>
+      <a:camera prst="orthographicFront"/>
+      <a:lightRig rig="threePt" dir="t"/>
+    </dgm:scene3d>
+    <dgm:sp3d/>
+    <dgm:txPr/>
+    <dgm:style>
+      <a:lnRef idx="2">
+        <a:scrgbClr r="0" g="0" b="0"/>
+      </a:lnRef>
+      <a:fillRef idx="1">
+        <a:scrgbClr r="0" g="0" b="0"/>
+      </a:fillRef>
+      <a:effectRef idx="0">
+        <a:scrgbClr r="0" g="0" b="0"/>
+      </a:effectRef>
+      <a:fontRef idx="minor">
+        <a:schemeClr val="lt1"/>
+      </a:fontRef>
+    </dgm:style>
+  </dgm:styleLbl>
+  <dgm:styleLbl name="parChTrans2D3">
+    <dgm:scene3d>
+      <a:camera prst="orthographicFront"/>
+      <a:lightRig rig="threePt" dir="t"/>
+    </dgm:scene3d>
+    <dgm:sp3d/>
+    <dgm:txPr/>
+    <dgm:style>
+      <a:lnRef idx="2">
+        <a:scrgbClr r="0" g="0" b="0"/>
+      </a:lnRef>
+      <a:fillRef idx="1">
+        <a:scrgbClr r="0" g="0" b="0"/>
+      </a:fillRef>
+      <a:effectRef idx="0">
+        <a:scrgbClr r="0" g="0" b="0"/>
+      </a:effectRef>
+      <a:fontRef idx="minor">
+        <a:schemeClr val="lt1"/>
+      </a:fontRef>
+    </dgm:style>
+  </dgm:styleLbl>
+  <dgm:styleLbl name="parChTrans2D4">
+    <dgm:scene3d>
+      <a:camera prst="orthographicFront"/>
+      <a:lightRig rig="threePt" dir="t"/>
+    </dgm:scene3d>
+    <dgm:sp3d/>
+    <dgm:txPr/>
+    <dgm:style>
+      <a:lnRef idx="2">
+        <a:scrgbClr r="0" g="0" b="0"/>
+      </a:lnRef>
+      <a:fillRef idx="1">
+        <a:scrgbClr r="0" g="0" b="0"/>
+      </a:fillRef>
+      <a:effectRef idx="0">
+        <a:scrgbClr r="0" g="0" b="0"/>
+      </a:effectRef>
+      <a:fontRef idx="minor">
+        <a:schemeClr val="lt1"/>
+      </a:fontRef>
+    </dgm:style>
+  </dgm:styleLbl>
+  <dgm:styleLbl name="parChTrans1D1">
+    <dgm:scene3d>
+      <a:camera prst="orthographicFront"/>
+      <a:lightRig rig="threePt" dir="t"/>
+    </dgm:scene3d>
+    <dgm:sp3d/>
+    <dgm:txPr/>
+    <dgm:style>
+      <a:lnRef idx="2">
+        <a:scrgbClr r="0" g="0" b="0"/>
+      </a:lnRef>
+      <a:fillRef idx="0">
+        <a:scrgbClr r="0" g="0" b="0"/>
+      </a:fillRef>
+      <a:effectRef idx="0">
+        <a:scrgbClr r="0" g="0" b="0"/>
+      </a:effectRef>
+      <a:fontRef idx="minor"/>
+    </dgm:style>
+  </dgm:styleLbl>
+  <dgm:styleLbl name="parChTrans1D2">
+    <dgm:scene3d>
+      <a:camera prst="orthographicFront"/>
+      <a:lightRig rig="threePt" dir="t"/>
+    </dgm:scene3d>
+    <dgm:sp3d/>
+    <dgm:txPr/>
+    <dgm:style>
+      <a:lnRef idx="2">
+        <a:scrgbClr r="0" g="0" b="0"/>
+      </a:lnRef>
+      <a:fillRef idx="0">
+        <a:scrgbClr r="0" g="0" b="0"/>
+      </a:fillRef>
+      <a:effectRef idx="0">
+        <a:scrgbClr r="0" g="0" b="0"/>
+      </a:effectRef>
+      <a:fontRef idx="minor"/>
+    </dgm:style>
+  </dgm:styleLbl>
+  <dgm:styleLbl name="parChTrans1D3">
+    <dgm:scene3d>
+      <a:camera prst="orthographicFront"/>
+      <a:lightRig rig="threePt" dir="t"/>
+    </dgm:scene3d>
+    <dgm:sp3d/>
+    <dgm:txPr/>
+    <dgm:style>
+      <a:lnRef idx="2">
+        <a:scrgbClr r="0" g="0" b="0"/>
+      </a:lnRef>
+      <a:fillRef idx="0">
+        <a:scrgbClr r="0" g="0" b="0"/>
+      </a:fillRef>
+      <a:effectRef idx="0">
+        <a:scrgbClr r="0" g="0" b="0"/>
+      </a:effectRef>
+      <a:fontRef idx="minor"/>
+    </dgm:style>
+  </dgm:styleLbl>
+  <dgm:styleLbl name="parChTrans1D4">
+    <dgm:scene3d>
+      <a:camera prst="orthographicFront"/>
+      <a:lightRig rig="threePt" dir="t"/>
+    </dgm:scene3d>
+    <dgm:sp3d/>
+    <dgm:txPr/>
+    <dgm:style>
+      <a:lnRef idx="2">
+        <a:scrgbClr r="0" g="0" b="0"/>
+      </a:lnRef>
+      <a:fillRef idx="0">
+        <a:scrgbClr r="0" g="0" b="0"/>
+      </a:fillRef>
+      <a:effectRef idx="0">
+        <a:scrgbClr r="0" g="0" b="0"/>
+      </a:effectRef>
+      <a:fontRef idx="minor"/>
+    </dgm:style>
+  </dgm:styleLbl>
+  <dgm:styleLbl name="fgAcc1">
+    <dgm:scene3d>
+      <a:camera prst="orthographicFront"/>
+      <a:lightRig rig="threePt" dir="t"/>
+    </dgm:scene3d>
+    <dgm:sp3d/>
+    <dgm:txPr/>
+    <dgm:style>
+      <a:lnRef idx="2">
+        <a:scrgbClr r="0" g="0" b="0"/>
+      </a:lnRef>
+      <a:fillRef idx="1">
+        <a:scrgbClr r="0" g="0" b="0"/>
+      </a:fillRef>
+      <a:effectRef idx="0">
+        <a:scrgbClr r="0" g="0" b="0"/>
+      </a:effectRef>
+      <a:fontRef idx="minor"/>
+    </dgm:style>
+  </dgm:styleLbl>
+  <dgm:styleLbl name="conFgAcc1">
+    <dgm:scene3d>
+      <a:camera prst="orthographicFront"/>
+      <a:lightRig rig="threePt" dir="t"/>
+    </dgm:scene3d>
+    <dgm:sp3d/>
+    <dgm:txPr/>
+    <dgm:style>
+      <a:lnRef idx="2">
+        <a:scrgbClr r="0" g="0" b="0"/>
+      </a:lnRef>
+      <a:fillRef idx="1">
+        <a:scrgbClr r="0" g="0" b="0"/>
+      </a:fillRef>
+      <a:effectRef idx="0">
+        <a:scrgbClr r="0" g="0" b="0"/>
+      </a:effectRef>
+      <a:fontRef idx="minor"/>
+    </dgm:style>
+  </dgm:styleLbl>
+  <dgm:styleLbl name="alignAcc1">
+    <dgm:scene3d>
+      <a:camera prst="orthographicFront"/>
+      <a:lightRig rig="threePt" dir="t"/>
+    </dgm:scene3d>
+    <dgm:sp3d/>
+    <dgm:txPr/>
+    <dgm:style>
+      <a:lnRef idx="2">
+        <a:scrgbClr r="0" g="0" b="0"/>
+      </a:lnRef>
+      <a:fillRef idx="1">
+        <a:scrgbClr r="0" g="0" b="0"/>
+      </a:fillRef>
+      <a:effectRef idx="0">
+        <a:scrgbClr r="0" g="0" b="0"/>
+      </a:effectRef>
+      <a:fontRef idx="minor"/>
+    </dgm:style>
+  </dgm:styleLbl>
+  <dgm:styleLbl name="trAlignAcc1">
+    <dgm:scene3d>
+      <a:camera prst="orthographicFront"/>
+      <a:lightRig rig="threePt" dir="t"/>
+    </dgm:scene3d>
+    <dgm:sp3d/>
+    <dgm:txPr/>
+    <dgm:style>
+      <a:lnRef idx="1">
+        <a:scrgbClr r="0" g="0" b="0"/>
+      </a:lnRef>
+      <a:fillRef idx="1">
+        <a:scrgbClr r="0" g="0" b="0"/>
+      </a:fillRef>
+      <a:effectRef idx="0">
+        <a:scrgbClr r="0" g="0" b="0"/>
+      </a:effectRef>
+      <a:fontRef idx="minor"/>
+    </dgm:style>
+  </dgm:styleLbl>
+  <dgm:styleLbl name="bgAcc1">
+    <dgm:scene3d>
+      <a:camera prst="orthographicFront"/>
+      <a:lightRig rig="threePt" dir="t"/>
+    </dgm:scene3d>
+    <dgm:sp3d/>
+    <dgm:txPr/>
+    <dgm:style>
+      <a:lnRef idx="2">
+        <a:scrgbClr r="0" g="0" b="0"/>
+      </a:lnRef>
+      <a:fillRef idx="1">
+        <a:scrgbClr r="0" g="0" b="0"/>
+      </a:fillRef>
+      <a:effectRef idx="0">
+        <a:scrgbClr r="0" g="0" b="0"/>
+      </a:effectRef>
+      <a:fontRef idx="minor"/>
+    </dgm:style>
+  </dgm:styleLbl>
+  <dgm:styleLbl name="solidFgAcc1">
+    <dgm:scene3d>
+      <a:camera prst="orthographicFront"/>
+      <a:lightRig rig="threePt" dir="t"/>
+    </dgm:scene3d>
+    <dgm:sp3d/>
+    <dgm:txPr/>
+    <dgm:style>
+      <a:lnRef idx="2">
+        <a:scrgbClr r="0" g="0" b="0"/>
+      </a:lnRef>
+      <a:fillRef idx="1">
+        <a:scrgbClr r="0" g="0" b="0"/>
+      </a:fillRef>
+      <a:effectRef idx="0">
+        <a:scrgbClr r="0" g="0" b="0"/>
+      </a:effectRef>
+      <a:fontRef idx="minor"/>
+    </dgm:style>
+  </dgm:styleLbl>
+  <dgm:styleLbl name="solidAlignAcc1">
+    <dgm:scene3d>
+      <a:camera prst="orthographicFront"/>
+      <a:lightRig rig="threePt" dir="t"/>
+    </dgm:scene3d>
+    <dgm:sp3d/>
+    <dgm:txPr/>
+    <dgm:style>
+      <a:lnRef idx="2">
+        <a:scrgbClr r="0" g="0" b="0"/>
+      </a:lnRef>
+      <a:fillRef idx="1">
+        <a:scrgbClr r="0" g="0" b="0"/>
+      </a:fillRef>
+      <a:effectRef idx="0">
+        <a:scrgbClr r="0" g="0" b="0"/>
+      </a:effectRef>
+      <a:fontRef idx="minor"/>
+    </dgm:style>
+  </dgm:styleLbl>
+  <dgm:styleLbl name="solidBgAcc1">
+    <dgm:scene3d>
+      <a:camera prst="orthographicFront"/>
+      <a:lightRig rig="threePt" dir="t"/>
+    </dgm:scene3d>
+    <dgm:sp3d/>
+    <dgm:txPr/>
+    <dgm:style>
+      <a:lnRef idx="2">
+        <a:scrgbClr r="0" g="0" b="0"/>
+      </a:lnRef>
+      <a:fillRef idx="1">
+        <a:scrgbClr r="0" g="0" b="0"/>
+      </a:fillRef>
+      <a:effectRef idx="0">
+        <a:scrgbClr r="0" g="0" b="0"/>
+      </a:effectRef>
+      <a:fontRef idx="minor"/>
+    </dgm:style>
+  </dgm:styleLbl>
+  <dgm:styleLbl name="fgAccFollowNode1">
+    <dgm:scene3d>
+      <a:camera prst="orthographicFront"/>
+      <a:lightRig rig="threePt" dir="t"/>
+    </dgm:scene3d>
+    <dgm:sp3d/>
+    <dgm:txPr/>
+    <dgm:style>
+      <a:lnRef idx="2">
+        <a:scrgbClr r="0" g="0" b="0"/>
+      </a:lnRef>
+      <a:fillRef idx="1">
+        <a:scrgbClr r="0" g="0" b="0"/>
+      </a:fillRef>
+      <a:effectRef idx="0">
+        <a:scrgbClr r="0" g="0" b="0"/>
+      </a:effectRef>
+      <a:fontRef idx="minor"/>
+    </dgm:style>
+  </dgm:styleLbl>
+  <dgm:styleLbl name="alignAccFollowNode1">
+    <dgm:scene3d>
+      <a:camera prst="orthographicFront"/>
+      <a:lightRig rig="threePt" dir="t"/>
+    </dgm:scene3d>
+    <dgm:sp3d/>
+    <dgm:txPr/>
+    <dgm:style>
+      <a:lnRef idx="2">
+        <a:scrgbClr r="0" g="0" b="0"/>
+      </a:lnRef>
+      <a:fillRef idx="1">
+        <a:scrgbClr r="0" g="0" b="0"/>
+      </a:fillRef>
+      <a:effectRef idx="0">
+        <a:scrgbClr r="0" g="0" b="0"/>
+      </a:effectRef>
+      <a:fontRef idx="minor"/>
+    </dgm:style>
+  </dgm:styleLbl>
+  <dgm:styleLbl name="bgAccFollowNode1">
+    <dgm:scene3d>
+      <a:camera prst="orthographicFront"/>
+      <a:lightRig rig="threePt" dir="t"/>
+    </dgm:scene3d>
+    <dgm:sp3d/>
+    <dgm:txPr/>
+    <dgm:style>
+      <a:lnRef idx="2">
+        <a:scrgbClr r="0" g="0" b="0"/>
+      </a:lnRef>
+      <a:fillRef idx="1">
+        <a:scrgbClr r="0" g="0" b="0"/>
+      </a:fillRef>
+      <a:effectRef idx="0">
+        <a:scrgbClr r="0" g="0" b="0"/>
+      </a:effectRef>
+      <a:fontRef idx="minor"/>
+    </dgm:style>
+  </dgm:styleLbl>
+  <dgm:styleLbl name="fgAcc0">
+    <dgm:scene3d>
+      <a:camera prst="orthographicFront"/>
+      <a:lightRig rig="threePt" dir="t"/>
+    </dgm:scene3d>
+    <dgm:sp3d/>
+    <dgm:txPr/>
+    <dgm:style>
+      <a:lnRef idx="2">
+        <a:scrgbClr r="0" g="0" b="0"/>
+      </a:lnRef>
+      <a:fillRef idx="1">
+        <a:scrgbClr r="0" g="0" b="0"/>
+      </a:fillRef>
+      <a:effectRef idx="0">
+        <a:scrgbClr r="0" g="0" b="0"/>
+      </a:effectRef>
+      <a:fontRef idx="minor"/>
+    </dgm:style>
+  </dgm:styleLbl>
+  <dgm:styleLbl name="fgAcc2">
+    <dgm:scene3d>
+      <a:camera prst="orthographicFront"/>
+      <a:lightRig rig="threePt" dir="t"/>
+    </dgm:scene3d>
+    <dgm:sp3d/>
+    <dgm:txPr/>
+    <dgm:style>
+      <a:lnRef idx="2">
+        <a:scrgbClr r="0" g="0" b="0"/>
+      </a:lnRef>
+      <a:fillRef idx="1">
+        <a:scrgbClr r="0" g="0" b="0"/>
+      </a:fillRef>
+      <a:effectRef idx="0">
+        <a:scrgbClr r="0" g="0" b="0"/>
+      </a:effectRef>
+      <a:fontRef idx="minor"/>
+    </dgm:style>
+  </dgm:styleLbl>
+  <dgm:styleLbl name="fgAcc3">
+    <dgm:scene3d>
+      <a:camera prst="orthographicFront"/>
+      <a:lightRig rig="threePt" dir="t"/>
+    </dgm:scene3d>
+    <dgm:sp3d/>
+    <dgm:txPr/>
+    <dgm:style>
+      <a:lnRef idx="2">
+        <a:scrgbClr r="0" g="0" b="0"/>
+      </a:lnRef>
+      <a:fillRef idx="1">
+        <a:scrgbClr r="0" g="0" b="0"/>
+      </a:fillRef>
+      <a:effectRef idx="0">
+        <a:scrgbClr r="0" g="0" b="0"/>
+      </a:effectRef>
+      <a:fontRef idx="minor"/>
+    </dgm:style>
+  </dgm:styleLbl>
+  <dgm:styleLbl name="fgAcc4">
+    <dgm:scene3d>
+      <a:camera prst="orthographicFront"/>
+      <a:lightRig rig="threePt" dir="t"/>
+    </dgm:scene3d>
+    <dgm:sp3d/>
+    <dgm:txPr/>
+    <dgm:style>
+      <a:lnRef idx="2">
+        <a:scrgbClr r="0" g="0" b="0"/>
+      </a:lnRef>
+      <a:fillRef idx="1">
+        <a:scrgbClr r="0" g="0" b="0"/>
+      </a:fillRef>
+      <a:effectRef idx="0">
+        <a:scrgbClr r="0" g="0" b="0"/>
+      </a:effectRef>
+      <a:fontRef idx="minor"/>
+    </dgm:style>
+  </dgm:styleLbl>
+  <dgm:styleLbl name="bgShp">
+    <dgm:scene3d>
+      <a:camera prst="orthographicFront"/>
+      <a:lightRig rig="threePt" dir="t"/>
+    </dgm:scene3d>
+    <dgm:sp3d/>
+    <dgm:txPr/>
+    <dgm:style>
+      <a:lnRef idx="0">
+        <a:scrgbClr r="0" g="0" b="0"/>
+      </a:lnRef>
+      <a:fillRef idx="1">
+        <a:scrgbClr r="0" g="0" b="0"/>
+      </a:fillRef>
+      <a:effectRef idx="0">
+        <a:scrgbClr r="0" g="0" b="0"/>
+      </a:effectRef>
+      <a:fontRef idx="minor"/>
+    </dgm:style>
+  </dgm:styleLbl>
+  <dgm:styleLbl name="dkBgShp">
+    <dgm:scene3d>
+      <a:camera prst="orthographicFront"/>
+      <a:lightRig rig="threePt" dir="t"/>
+    </dgm:scene3d>
+    <dgm:sp3d/>
+    <dgm:txPr/>
+    <dgm:style>
+      <a:lnRef idx="0">
+        <a:scrgbClr r="0" g="0" b="0"/>
+      </a:lnRef>
+      <a:fillRef idx="1">
+        <a:scrgbClr r="0" g="0" b="0"/>
+      </a:fillRef>
+      <a:effectRef idx="0">
+        <a:scrgbClr r="0" g="0" b="0"/>
+      </a:effectRef>
+      <a:fontRef idx="minor"/>
+    </dgm:style>
+  </dgm:styleLbl>
+  <dgm:styleLbl name="trBgShp">
+    <dgm:scene3d>
+      <a:camera prst="orthographicFront"/>
+      <a:lightRig rig="threePt" dir="t"/>
+    </dgm:scene3d>
+    <dgm:sp3d/>
+    <dgm:txPr/>
+    <dgm:style>
+      <a:lnRef idx="0">
+        <a:scrgbClr r="0" g="0" b="0"/>
+      </a:lnRef>
+      <a:fillRef idx="1">
+        <a:scrgbClr r="0" g="0" b="0"/>
+      </a:fillRef>
+      <a:effectRef idx="0">
+        <a:scrgbClr r="0" g="0" b="0"/>
+      </a:effectRef>
+      <a:fontRef idx="minor"/>
+    </dgm:style>
+  </dgm:styleLbl>
+  <dgm:styleLbl name="fgShp">
+    <dgm:scene3d>
+      <a:camera prst="orthographicFront"/>
+      <a:lightRig rig="threePt" dir="t"/>
+    </dgm:scene3d>
+    <dgm:sp3d/>
+    <dgm:txPr/>
+    <dgm:style>
+      <a:lnRef idx="2">
+        <a:scrgbClr r="0" g="0" b="0"/>
+      </a:lnRef>
+      <a:fillRef idx="1">
+        <a:scrgbClr r="0" g="0" b="0"/>
+      </a:fillRef>
+      <a:effectRef idx="0">
+        <a:scrgbClr r="0" g="0" b="0"/>
+      </a:effectRef>
+      <a:fontRef idx="minor"/>
+    </dgm:style>
+  </dgm:styleLbl>
+  <dgm:styleLbl name="revTx">
+    <dgm:scene3d>
+      <a:camera prst="orthographicFront"/>
+      <a:lightRig rig="threePt" dir="t"/>
+    </dgm:scene3d>
+    <dgm:sp3d/>
+    <dgm:txPr/>
+    <dgm:style>
+      <a:lnRef idx="0">
+        <a:scrgbClr r="0" g="0" b="0"/>
+      </a:lnRef>
+      <a:fillRef idx="0">
+        <a:scrgbClr r="0" g="0" b="0"/>
+      </a:fillRef>
+      <a:effectRef idx="0">
+        <a:scrgbClr r="0" g="0" b="0"/>
+      </a:effectRef>
+      <a:fontRef idx="minor"/>
+    </dgm:style>
+  </dgm:styleLbl>
+</dgm:styleDef>
+</file>
+
 <file path=ppt/notesMasters/notesMaster1.xml><?xml version="1.0" encoding="utf-8"?>
 <p:notesMaster xmlns:a="http://schemas.openxmlformats.org/drawingml/2006/main" xmlns:r="http://schemas.openxmlformats.org/officeDocument/2006/relationships" xmlns:p="http://schemas.openxmlformats.org/presentationml/2006/main">
   <p:cSld>
@@ -198,7 +3816,7 @@
           <a:p>
             <a:fld id="{62274EC6-3890-417B-9308-14EFBD00FA63}" type="datetimeFigureOut">
               <a:rPr lang="en-US" smtClean="0"/>
-              <a:t>7/6/2016</a:t>
+              <a:t>7/7/2016</a:t>
             </a:fld>
             <a:endParaRPr lang="en-US" dirty="0"/>
           </a:p>
@@ -1089,6 +4707,95 @@
 </p:notes>
 </file>
 
+<file path=ppt/notesSlides/notesSlide8.xml><?xml version="1.0" encoding="utf-8"?>
+<p:notes xmlns:a="http://schemas.openxmlformats.org/drawingml/2006/main" xmlns:r="http://schemas.openxmlformats.org/officeDocument/2006/relationships" xmlns:p="http://schemas.openxmlformats.org/presentationml/2006/main">
+  <p:cSld>
+    <p:spTree>
+      <p:nvGrpSpPr>
+        <p:cNvPr id="1" name=""/>
+        <p:cNvGrpSpPr/>
+        <p:nvPr/>
+      </p:nvGrpSpPr>
+      <p:grpSpPr>
+        <a:xfrm>
+          <a:off x="0" y="0"/>
+          <a:ext cx="0" cy="0"/>
+          <a:chOff x="0" y="0"/>
+          <a:chExt cx="0" cy="0"/>
+        </a:xfrm>
+      </p:grpSpPr>
+      <p:sp>
+        <p:nvSpPr>
+          <p:cNvPr id="2" name="Slide Image Placeholder 1"/>
+          <p:cNvSpPr>
+            <a:spLocks noGrp="1" noRot="1" noChangeAspect="1"/>
+          </p:cNvSpPr>
+          <p:nvPr>
+            <p:ph type="sldImg"/>
+          </p:nvPr>
+        </p:nvSpPr>
+        <p:spPr>
+          <a:xfrm>
+            <a:off x="312738" y="685800"/>
+            <a:ext cx="6232525" cy="3429000"/>
+          </a:xfrm>
+        </p:spPr>
+      </p:sp>
+      <p:sp>
+        <p:nvSpPr>
+          <p:cNvPr id="3" name="Notes Placeholder 2"/>
+          <p:cNvSpPr>
+            <a:spLocks noGrp="1"/>
+          </p:cNvSpPr>
+          <p:nvPr>
+            <p:ph type="body" idx="1"/>
+          </p:nvPr>
+        </p:nvSpPr>
+        <p:spPr/>
+        <p:txBody>
+          <a:bodyPr/>
+          <a:lstStyle/>
+          <a:p>
+            <a:endParaRPr lang="en-US" dirty="0"/>
+          </a:p>
+        </p:txBody>
+      </p:sp>
+      <p:sp>
+        <p:nvSpPr>
+          <p:cNvPr id="4" name="Slide Number Placeholder 3"/>
+          <p:cNvSpPr>
+            <a:spLocks noGrp="1"/>
+          </p:cNvSpPr>
+          <p:nvPr>
+            <p:ph type="sldNum" sz="quarter" idx="10"/>
+          </p:nvPr>
+        </p:nvSpPr>
+        <p:spPr/>
+        <p:txBody>
+          <a:bodyPr/>
+          <a:lstStyle/>
+          <a:p>
+            <a:fld id="{A883C400-BD9D-4609-A213-F91E9750031E}" type="slidenum">
+              <a:rPr lang="en-US" smtClean="0"/>
+              <a:t>8</a:t>
+            </a:fld>
+            <a:endParaRPr lang="en-US" dirty="0"/>
+          </a:p>
+        </p:txBody>
+      </p:sp>
+    </p:spTree>
+    <p:extLst>
+      <p:ext uri="{BB962C8B-B14F-4D97-AF65-F5344CB8AC3E}">
+        <p14:creationId xmlns:p14="http://schemas.microsoft.com/office/powerpoint/2010/main" val="4195558700"/>
+      </p:ext>
+    </p:extLst>
+  </p:cSld>
+  <p:clrMapOvr>
+    <a:masterClrMapping/>
+  </p:clrMapOvr>
+</p:notes>
+</file>
+
 <file path=ppt/slideLayouts/slideLayout1.xml><?xml version="1.0" encoding="utf-8"?>
 <p:sldLayout xmlns:a="http://schemas.openxmlformats.org/drawingml/2006/main" xmlns:r="http://schemas.openxmlformats.org/officeDocument/2006/relationships" xmlns:p="http://schemas.openxmlformats.org/presentationml/2006/main" type="title" preserve="1">
   <p:cSld name="Title Slide">
@@ -1271,7 +4978,7 @@
             <a:fld id="{1D8BD707-D9CF-40AE-B4C6-C98DA3205C09}" type="datetimeFigureOut">
               <a:rPr lang="en-US" smtClean="0"/>
               <a:pPr/>
-              <a:t>7/6/2016</a:t>
+              <a:t>7/7/2016</a:t>
             </a:fld>
             <a:endParaRPr lang="en-US" dirty="0"/>
           </a:p>
@@ -1443,7 +5150,7 @@
             <a:fld id="{1D8BD707-D9CF-40AE-B4C6-C98DA3205C09}" type="datetimeFigureOut">
               <a:rPr lang="en-US" smtClean="0"/>
               <a:pPr/>
-              <a:t>7/6/2016</a:t>
+              <a:t>7/7/2016</a:t>
             </a:fld>
             <a:endParaRPr lang="en-US" dirty="0"/>
           </a:p>
@@ -1625,7 +5332,7 @@
             <a:fld id="{1D8BD707-D9CF-40AE-B4C6-C98DA3205C09}" type="datetimeFigureOut">
               <a:rPr lang="en-US" smtClean="0"/>
               <a:pPr/>
-              <a:t>7/6/2016</a:t>
+              <a:t>7/7/2016</a:t>
             </a:fld>
             <a:endParaRPr lang="en-US" dirty="0"/>
           </a:p>
@@ -1797,7 +5504,7 @@
             <a:fld id="{1D8BD707-D9CF-40AE-B4C6-C98DA3205C09}" type="datetimeFigureOut">
               <a:rPr lang="en-US" smtClean="0"/>
               <a:pPr/>
-              <a:t>7/6/2016</a:t>
+              <a:t>7/7/2016</a:t>
             </a:fld>
             <a:endParaRPr lang="en-US" dirty="0"/>
           </a:p>
@@ -2045,7 +5752,7 @@
             <a:fld id="{1D8BD707-D9CF-40AE-B4C6-C98DA3205C09}" type="datetimeFigureOut">
               <a:rPr lang="en-US" smtClean="0"/>
               <a:pPr/>
-              <a:t>7/6/2016</a:t>
+              <a:t>7/7/2016</a:t>
             </a:fld>
             <a:endParaRPr lang="en-US" dirty="0"/>
           </a:p>
@@ -2335,7 +6042,7 @@
             <a:fld id="{1D8BD707-D9CF-40AE-B4C6-C98DA3205C09}" type="datetimeFigureOut">
               <a:rPr lang="en-US" smtClean="0"/>
               <a:pPr/>
-              <a:t>7/6/2016</a:t>
+              <a:t>7/7/2016</a:t>
             </a:fld>
             <a:endParaRPr lang="en-US" dirty="0"/>
           </a:p>
@@ -2764,7 +6471,7 @@
             <a:fld id="{1D8BD707-D9CF-40AE-B4C6-C98DA3205C09}" type="datetimeFigureOut">
               <a:rPr lang="en-US" smtClean="0"/>
               <a:pPr/>
-              <a:t>7/6/2016</a:t>
+              <a:t>7/7/2016</a:t>
             </a:fld>
             <a:endParaRPr lang="en-US" dirty="0"/>
           </a:p>
@@ -2884,7 +6591,7 @@
             <a:fld id="{1D8BD707-D9CF-40AE-B4C6-C98DA3205C09}" type="datetimeFigureOut">
               <a:rPr lang="en-US" smtClean="0"/>
               <a:pPr/>
-              <a:t>7/6/2016</a:t>
+              <a:t>7/7/2016</a:t>
             </a:fld>
             <a:endParaRPr lang="en-US" dirty="0"/>
           </a:p>
@@ -2981,7 +6688,7 @@
             <a:fld id="{1D8BD707-D9CF-40AE-B4C6-C98DA3205C09}" type="datetimeFigureOut">
               <a:rPr lang="en-US" smtClean="0"/>
               <a:pPr/>
-              <a:t>7/6/2016</a:t>
+              <a:t>7/7/2016</a:t>
             </a:fld>
             <a:endParaRPr lang="en-US" dirty="0"/>
           </a:p>
@@ -3260,7 +6967,7 @@
             <a:fld id="{1D8BD707-D9CF-40AE-B4C6-C98DA3205C09}" type="datetimeFigureOut">
               <a:rPr lang="en-US" smtClean="0"/>
               <a:pPr/>
-              <a:t>7/6/2016</a:t>
+              <a:t>7/7/2016</a:t>
             </a:fld>
             <a:endParaRPr lang="en-US" dirty="0"/>
           </a:p>
@@ -3515,7 +7222,7 @@
             <a:fld id="{1D8BD707-D9CF-40AE-B4C6-C98DA3205C09}" type="datetimeFigureOut">
               <a:rPr lang="en-US" smtClean="0"/>
               <a:pPr/>
-              <a:t>7/6/2016</a:t>
+              <a:t>7/7/2016</a:t>
             </a:fld>
             <a:endParaRPr lang="en-US" dirty="0"/>
           </a:p>
@@ -3730,7 +7437,7 @@
             <a:fld id="{1D8BD707-D9CF-40AE-B4C6-C98DA3205C09}" type="datetimeFigureOut">
               <a:rPr lang="en-US" smtClean="0"/>
               <a:pPr/>
-              <a:t>7/6/2016</a:t>
+              <a:t>7/7/2016</a:t>
             </a:fld>
             <a:endParaRPr lang="en-US" dirty="0"/>
           </a:p>
@@ -4144,13 +7851,8 @@
             <a:pPr algn="ctr"/>
             <a:r>
               <a:rPr lang="en-US" sz="1200" dirty="0"/>
-              <a:t>Java </a:t>
-            </a:r>
-            <a:r>
-              <a:rPr lang="en-US" sz="1200" dirty="0"/>
-              <a:t>PrintStream class </a:t>
-            </a:r>
-            <a:endParaRPr lang="en-US" sz="1200" dirty="0"/>
+              <a:t>Java PrintStream class </a:t>
+            </a:r>
           </a:p>
         </p:txBody>
       </p:sp>
@@ -4192,7 +7894,6 @@
               <a:rPr lang="en-US" sz="1200" dirty="0"/>
               <a:t>PrintStream</a:t>
             </a:r>
-            <a:endParaRPr lang="en-US" sz="1200" dirty="0"/>
           </a:p>
         </p:txBody>
       </p:sp>
@@ -4493,23 +8194,7 @@
             </a:r>
             <a:r>
               <a:rPr lang="en-US" sz="1200" dirty="0"/>
-              <a:t> never throws an </a:t>
-            </a:r>
-            <a:r>
-              <a:rPr lang="en-US" sz="1200" dirty="0"/>
-              <a:t>IOException</a:t>
-            </a:r>
-            <a:r>
-              <a:rPr lang="en-US" sz="1200" dirty="0"/>
-              <a:t>; instead, exceptional situations merely set an internal flag that can be tested via the </a:t>
-            </a:r>
-            <a:r>
-              <a:rPr lang="en-US" sz="1200" dirty="0"/>
-              <a:t>checkError</a:t>
-            </a:r>
-            <a:r>
-              <a:rPr lang="en-US" sz="1200" dirty="0"/>
-              <a:t> method</a:t>
+              <a:t> never throws an IOException; instead, exceptional situations merely set an internal flag that can be tested via the checkError method</a:t>
             </a:r>
             <a:r>
               <a:rPr lang="en-US" sz="1200" dirty="0" smtClean="0"/>
@@ -4542,31 +8227,7 @@
             </a:r>
             <a:r>
               <a:rPr lang="en-US" sz="1200" dirty="0"/>
-              <a:t> can be created so as to flush automatically; this means that the </a:t>
-            </a:r>
-            <a:r>
-              <a:rPr lang="en-US" sz="1200" dirty="0"/>
-              <a:t>flush</a:t>
-            </a:r>
-            <a:r>
-              <a:rPr lang="en-US" sz="1200" dirty="0"/>
-              <a:t> method is automatically invoked after a byte array is written, one of the </a:t>
-            </a:r>
-            <a:r>
-              <a:rPr lang="en-US" sz="1200" dirty="0"/>
-              <a:t>println</a:t>
-            </a:r>
-            <a:r>
-              <a:rPr lang="en-US" sz="1200" dirty="0"/>
-              <a:t> methods is invoked, or a newline character or byte (</a:t>
-            </a:r>
-            <a:r>
-              <a:rPr lang="en-US" sz="1200" dirty="0"/>
-              <a:t>'\n'</a:t>
-            </a:r>
-            <a:r>
-              <a:rPr lang="en-US" sz="1200" dirty="0"/>
-              <a:t>) is written</a:t>
+              <a:t> can be created so as to flush automatically; this means that the flush method is automatically invoked after a byte array is written, one of the println methods is invoked, or a newline character or byte ('\n') is written</a:t>
             </a:r>
             <a:r>
               <a:rPr lang="en-US" sz="1200" dirty="0" smtClean="0"/>
@@ -4628,23 +8289,7 @@
             </a:r>
             <a:r>
               <a:rPr lang="en-US" sz="1200" dirty="0"/>
-              <a:t> class can format primitive types like </a:t>
-            </a:r>
-            <a:r>
-              <a:rPr lang="en-US" sz="1200" dirty="0"/>
-              <a:t>int</a:t>
-            </a:r>
-            <a:r>
-              <a:rPr lang="en-US" sz="1200" dirty="0"/>
-              <a:t>, </a:t>
-            </a:r>
-            <a:r>
-              <a:rPr lang="en-US" sz="1200" dirty="0"/>
-              <a:t>long</a:t>
-            </a:r>
-            <a:r>
-              <a:rPr lang="en-US" sz="1200" dirty="0"/>
-              <a:t> etc. formatted as text, rather than as their byte values. That is why it is called a </a:t>
+              <a:t> class can format primitive types like int, long etc. formatted as text, rather than as their byte values. That is why it is called a </a:t>
             </a:r>
             <a:r>
               <a:rPr lang="en-US" sz="1200" b="1" i="1" dirty="0">
@@ -4658,7 +8303,6 @@
               <a:rPr lang="en-US" sz="1200" dirty="0"/>
               <a:t>, because it formats the primitive values as text - like they would look when printed to the screen (or printed to paper).</a:t>
             </a:r>
-            <a:endParaRPr lang="en-US" sz="1200" dirty="0"/>
           </a:p>
         </p:txBody>
       </p:sp>
@@ -4949,13 +8593,118 @@
             <a:pPr algn="ctr"/>
             <a:r>
               <a:rPr lang="en-US" sz="1200" dirty="0"/>
-              <a:t>Java </a:t>
-            </a:r>
+              <a:t>Java PrintStream class </a:t>
+            </a:r>
+          </a:p>
+        </p:txBody>
+      </p:sp>
+      <p:graphicFrame>
+        <p:nvGraphicFramePr>
+          <p:cNvPr id="3" name="Diagram 2"/>
+          <p:cNvGraphicFramePr/>
+          <p:nvPr>
+            <p:extLst>
+              <p:ext uri="{D42A27DB-BD31-4B8C-83A1-F6EECF244321}">
+                <p14:modId xmlns:p14="http://schemas.microsoft.com/office/powerpoint/2010/main" val="3836532404"/>
+              </p:ext>
+            </p:extLst>
+          </p:nvPr>
+        </p:nvGraphicFramePr>
+        <p:xfrm>
+          <a:off x="1524000" y="482600"/>
+          <a:ext cx="6096000" cy="4064000"/>
+        </p:xfrm>
+        <a:graphic>
+          <a:graphicData uri="http://schemas.openxmlformats.org/drawingml/2006/diagram">
+            <dgm:relIds xmlns:dgm="http://schemas.openxmlformats.org/drawingml/2006/diagram" xmlns:r="http://schemas.openxmlformats.org/officeDocument/2006/relationships" r:dm="rId3" r:lo="rId4" r:qs="rId5" r:cs="rId6"/>
+          </a:graphicData>
+        </a:graphic>
+      </p:graphicFrame>
+    </p:spTree>
+    <p:extLst>
+      <p:ext uri="{BB962C8B-B14F-4D97-AF65-F5344CB8AC3E}">
+        <p14:creationId xmlns:p14="http://schemas.microsoft.com/office/powerpoint/2010/main" val="2413944018"/>
+      </p:ext>
+    </p:extLst>
+  </p:cSld>
+  <p:clrMapOvr>
+    <a:masterClrMapping/>
+  </p:clrMapOvr>
+  <mc:AlternateContent xmlns:mc="http://schemas.openxmlformats.org/markup-compatibility/2006" xmlns:p14="http://schemas.microsoft.com/office/powerpoint/2010/main">
+    <mc:Choice Requires="p14">
+      <p:transition spd="slow" p14:dur="2000"/>
+    </mc:Choice>
+    <mc:Fallback xmlns="">
+      <p:transition spd="slow"/>
+    </mc:Fallback>
+  </mc:AlternateContent>
+  <p:timing>
+    <p:tnLst>
+      <p:par>
+        <p:cTn id="1" dur="indefinite" restart="never" nodeType="tmRoot"/>
+      </p:par>
+    </p:tnLst>
+  </p:timing>
+</p:sld>
+</file>
+
+<file path=ppt/slides/slide3.xml><?xml version="1.0" encoding="utf-8"?>
+<p:sld xmlns:a="http://schemas.openxmlformats.org/drawingml/2006/main" xmlns:r="http://schemas.openxmlformats.org/officeDocument/2006/relationships" xmlns:p="http://schemas.openxmlformats.org/presentationml/2006/main">
+  <p:cSld>
+    <p:spTree>
+      <p:nvGrpSpPr>
+        <p:cNvPr id="1" name=""/>
+        <p:cNvGrpSpPr/>
+        <p:nvPr/>
+      </p:nvGrpSpPr>
+      <p:grpSpPr>
+        <a:xfrm>
+          <a:off x="0" y="0"/>
+          <a:ext cx="0" cy="0"/>
+          <a:chOff x="0" y="0"/>
+          <a:chExt cx="0" cy="0"/>
+        </a:xfrm>
+      </p:grpSpPr>
+      <p:sp>
+        <p:nvSpPr>
+          <p:cNvPr id="4" name="Rectangle 3"/>
+          <p:cNvSpPr/>
+          <p:nvPr/>
+        </p:nvSpPr>
+        <p:spPr>
+          <a:xfrm>
+            <a:off x="3657600" y="11071"/>
+            <a:ext cx="1676400" cy="276999"/>
+          </a:xfrm>
+          <a:prstGeom prst="rect">
+            <a:avLst/>
+          </a:prstGeom>
+        </p:spPr>
+        <p:style>
+          <a:lnRef idx="1">
+            <a:schemeClr val="accent4"/>
+          </a:lnRef>
+          <a:fillRef idx="3">
+            <a:schemeClr val="accent4"/>
+          </a:fillRef>
+          <a:effectRef idx="2">
+            <a:schemeClr val="accent4"/>
+          </a:effectRef>
+          <a:fontRef idx="minor">
+            <a:schemeClr val="lt1"/>
+          </a:fontRef>
+        </p:style>
+        <p:txBody>
+          <a:bodyPr wrap="square">
+            <a:spAutoFit/>
+          </a:bodyPr>
+          <a:lstStyle/>
+          <a:p>
+            <a:pPr algn="ctr"/>
             <a:r>
               <a:rPr lang="en-US" sz="1200" dirty="0"/>
-              <a:t>PrintStream class </a:t>
-            </a:r>
-            <a:endParaRPr lang="en-US" sz="1200" dirty="0"/>
+              <a:t>Java PrintStream class </a:t>
+            </a:r>
           </a:p>
         </p:txBody>
       </p:sp>
@@ -5008,7 +8757,7 @@
     </p:spTree>
     <p:extLst>
       <p:ext uri="{BB962C8B-B14F-4D97-AF65-F5344CB8AC3E}">
-        <p14:creationId xmlns:p14="http://schemas.microsoft.com/office/powerpoint/2010/main" val="2413944018"/>
+        <p14:creationId xmlns:p14="http://schemas.microsoft.com/office/powerpoint/2010/main" val="865535677"/>
       </p:ext>
     </p:extLst>
   </p:cSld>
@@ -5033,7 +8782,7 @@
 </p:sld>
 </file>
 
-<file path=ppt/slides/slide3.xml><?xml version="1.0" encoding="utf-8"?>
+<file path=ppt/slides/slide4.xml><?xml version="1.0" encoding="utf-8"?>
 <p:sld xmlns:a="http://schemas.openxmlformats.org/drawingml/2006/main" xmlns:r="http://schemas.openxmlformats.org/officeDocument/2006/relationships" xmlns:p="http://schemas.openxmlformats.org/presentationml/2006/main">
   <p:cSld>
     <p:spTree>
@@ -5088,13 +8837,8 @@
             <a:pPr algn="ctr"/>
             <a:r>
               <a:rPr lang="en-US" sz="1200" dirty="0"/>
-              <a:t>Java </a:t>
-            </a:r>
-            <a:r>
-              <a:rPr lang="en-US" sz="1200" dirty="0"/>
-              <a:t>PrintStream class </a:t>
-            </a:r>
-            <a:endParaRPr lang="en-US" sz="1200" dirty="0"/>
+              <a:t>Java PrintStream class </a:t>
+            </a:r>
           </a:p>
         </p:txBody>
       </p:sp>
@@ -5172,7 +8916,7 @@
 </p:sld>
 </file>
 
-<file path=ppt/slides/slide4.xml><?xml version="1.0" encoding="utf-8"?>
+<file path=ppt/slides/slide5.xml><?xml version="1.0" encoding="utf-8"?>
 <p:sld xmlns:a="http://schemas.openxmlformats.org/drawingml/2006/main" xmlns:r="http://schemas.openxmlformats.org/officeDocument/2006/relationships" xmlns:p="http://schemas.openxmlformats.org/presentationml/2006/main">
   <p:cSld>
     <p:spTree>
@@ -5227,13 +8971,8 @@
             <a:pPr algn="ctr"/>
             <a:r>
               <a:rPr lang="en-US" sz="1200" dirty="0"/>
-              <a:t>Java </a:t>
-            </a:r>
-            <a:r>
-              <a:rPr lang="en-US" sz="1200" dirty="0"/>
-              <a:t>PrintStream class </a:t>
-            </a:r>
-            <a:endParaRPr lang="en-US" sz="1200" dirty="0"/>
+              <a:t>Java PrintStream class </a:t>
+            </a:r>
           </a:p>
         </p:txBody>
       </p:sp>
@@ -5311,7 +9050,7 @@
 </p:sld>
 </file>
 
-<file path=ppt/slides/slide5.xml><?xml version="1.0" encoding="utf-8"?>
+<file path=ppt/slides/slide6.xml><?xml version="1.0" encoding="utf-8"?>
 <p:sld xmlns:a="http://schemas.openxmlformats.org/drawingml/2006/main" xmlns:r="http://schemas.openxmlformats.org/officeDocument/2006/relationships" xmlns:p="http://schemas.openxmlformats.org/presentationml/2006/main">
   <p:cSld>
     <p:spTree>
@@ -5366,13 +9105,8 @@
             <a:pPr algn="ctr"/>
             <a:r>
               <a:rPr lang="en-US" sz="1200" dirty="0"/>
-              <a:t>Java </a:t>
-            </a:r>
-            <a:r>
-              <a:rPr lang="en-US" sz="1200" dirty="0"/>
-              <a:t>PrintStream class </a:t>
-            </a:r>
-            <a:endParaRPr lang="en-US" sz="1200" dirty="0"/>
+              <a:t>Java PrintStream class </a:t>
+            </a:r>
           </a:p>
         </p:txBody>
       </p:sp>
@@ -5450,7 +9184,7 @@
 </p:sld>
 </file>
 
-<file path=ppt/slides/slide6.xml><?xml version="1.0" encoding="utf-8"?>
+<file path=ppt/slides/slide7.xml><?xml version="1.0" encoding="utf-8"?>
 <p:sld xmlns:a="http://schemas.openxmlformats.org/drawingml/2006/main" xmlns:r="http://schemas.openxmlformats.org/officeDocument/2006/relationships" xmlns:p="http://schemas.openxmlformats.org/presentationml/2006/main">
   <p:cSld>
     <p:spTree>
@@ -5505,13 +9239,8 @@
             <a:pPr algn="ctr"/>
             <a:r>
               <a:rPr lang="en-US" sz="1200" dirty="0"/>
-              <a:t>Java </a:t>
-            </a:r>
-            <a:r>
-              <a:rPr lang="en-US" sz="1200" dirty="0"/>
-              <a:t>PrintStream class </a:t>
-            </a:r>
-            <a:endParaRPr lang="en-US" sz="1200" dirty="0"/>
+              <a:t>Java PrintStream class </a:t>
+            </a:r>
           </a:p>
         </p:txBody>
       </p:sp>
@@ -5589,7 +9318,7 @@
 </p:sld>
 </file>
 
-<file path=ppt/slides/slide7.xml><?xml version="1.0" encoding="utf-8"?>
+<file path=ppt/slides/slide8.xml><?xml version="1.0" encoding="utf-8"?>
 <p:sld xmlns:a="http://schemas.openxmlformats.org/drawingml/2006/main" xmlns:r="http://schemas.openxmlformats.org/officeDocument/2006/relationships" xmlns:p="http://schemas.openxmlformats.org/presentationml/2006/main">
   <p:cSld>
     <p:spTree>
@@ -5644,13 +9373,8 @@
             <a:pPr algn="ctr"/>
             <a:r>
               <a:rPr lang="en-US" sz="1200" dirty="0"/>
-              <a:t>Java </a:t>
-            </a:r>
-            <a:r>
-              <a:rPr lang="en-US" sz="1200" dirty="0"/>
-              <a:t>PrintStream class </a:t>
-            </a:r>
-            <a:endParaRPr lang="en-US" sz="1200" dirty="0"/>
+              <a:t>Java PrintStream class </a:t>
+            </a:r>
           </a:p>
         </p:txBody>
       </p:sp>

--- a/Later/JavaIO/JavaIO_31/Java PrintStream class.pptx
+++ b/Later/JavaIO/JavaIO_31/Java PrintStream class.pptx
@@ -1036,6 +1036,13 @@
         </dgm:presLayoutVars>
       </dgm:prSet>
       <dgm:spPr/>
+      <dgm:t>
+        <a:bodyPr/>
+        <a:lstStyle/>
+        <a:p>
+          <a:endParaRPr lang="en-US"/>
+        </a:p>
+      </dgm:t>
     </dgm:pt>
     <dgm:pt modelId="{535B0164-4399-4EEA-8C81-2E71160BC35E}" type="pres">
       <dgm:prSet presAssocID="{D7EFB5BF-DC30-4EF1-BFB5-3EA8AAF5F40B}" presName="hierRoot1" presStyleCnt="0">
@@ -1067,6 +1074,13 @@
     <dgm:pt modelId="{1ED81E33-A418-4AF1-AA51-87EC5D2C8E0F}" type="pres">
       <dgm:prSet presAssocID="{D7EFB5BF-DC30-4EF1-BFB5-3EA8AAF5F40B}" presName="rootConnector1" presStyleLbl="node1" presStyleIdx="0" presStyleCnt="0"/>
       <dgm:spPr/>
+      <dgm:t>
+        <a:bodyPr/>
+        <a:lstStyle/>
+        <a:p>
+          <a:endParaRPr lang="en-US"/>
+        </a:p>
+      </dgm:t>
     </dgm:pt>
     <dgm:pt modelId="{58F84923-C6BE-4180-BE39-67E0F144AF5B}" type="pres">
       <dgm:prSet presAssocID="{D7EFB5BF-DC30-4EF1-BFB5-3EA8AAF5F40B}" presName="hierChild2" presStyleCnt="0"/>
@@ -1075,6 +1089,13 @@
     <dgm:pt modelId="{08A38706-F491-4089-9D18-E2DC8FE3488F}" type="pres">
       <dgm:prSet presAssocID="{BB4C89C4-F123-47E6-8CAF-095A1172C574}" presName="Name37" presStyleLbl="parChTrans1D2" presStyleIdx="0" presStyleCnt="1"/>
       <dgm:spPr/>
+      <dgm:t>
+        <a:bodyPr/>
+        <a:lstStyle/>
+        <a:p>
+          <a:endParaRPr lang="en-US"/>
+        </a:p>
+      </dgm:t>
     </dgm:pt>
     <dgm:pt modelId="{60FB2300-5F32-4D21-B124-12B756CBCC3C}" type="pres">
       <dgm:prSet presAssocID="{B85C67F8-1392-4386-AD09-D5A05B6F7392}" presName="hierRoot2" presStyleCnt="0">
@@ -1106,6 +1127,13 @@
     <dgm:pt modelId="{FB572D8A-53FA-4039-A9EB-457D09E42E47}" type="pres">
       <dgm:prSet presAssocID="{B85C67F8-1392-4386-AD09-D5A05B6F7392}" presName="rootConnector" presStyleLbl="node2" presStyleIdx="0" presStyleCnt="1"/>
       <dgm:spPr/>
+      <dgm:t>
+        <a:bodyPr/>
+        <a:lstStyle/>
+        <a:p>
+          <a:endParaRPr lang="en-US"/>
+        </a:p>
+      </dgm:t>
     </dgm:pt>
     <dgm:pt modelId="{861C0730-75C8-41D1-96D6-9CCF97944DDF}" type="pres">
       <dgm:prSet presAssocID="{B85C67F8-1392-4386-AD09-D5A05B6F7392}" presName="hierChild4" presStyleCnt="0"/>
@@ -1114,6 +1142,13 @@
     <dgm:pt modelId="{687731F9-0DA7-4A11-9B0B-BDAC56C70977}" type="pres">
       <dgm:prSet presAssocID="{D304B67D-2B68-4697-8602-64DA4E7F1F1C}" presName="Name37" presStyleLbl="parChTrans1D3" presStyleIdx="0" presStyleCnt="1"/>
       <dgm:spPr/>
+      <dgm:t>
+        <a:bodyPr/>
+        <a:lstStyle/>
+        <a:p>
+          <a:endParaRPr lang="en-US"/>
+        </a:p>
+      </dgm:t>
     </dgm:pt>
     <dgm:pt modelId="{F9462470-678D-4D2D-A8A2-D81BA22D7959}" type="pres">
       <dgm:prSet presAssocID="{CC71418B-9C8A-4104-A498-BBB15D490A3B}" presName="hierRoot2" presStyleCnt="0">
@@ -1134,10 +1169,24 @@
         </dgm:presLayoutVars>
       </dgm:prSet>
       <dgm:spPr/>
+      <dgm:t>
+        <a:bodyPr/>
+        <a:lstStyle/>
+        <a:p>
+          <a:endParaRPr lang="en-US"/>
+        </a:p>
+      </dgm:t>
     </dgm:pt>
     <dgm:pt modelId="{728C694D-81F8-4DA5-A29A-3CD52F9658F7}" type="pres">
       <dgm:prSet presAssocID="{CC71418B-9C8A-4104-A498-BBB15D490A3B}" presName="rootConnector" presStyleLbl="node3" presStyleIdx="0" presStyleCnt="1"/>
       <dgm:spPr/>
+      <dgm:t>
+        <a:bodyPr/>
+        <a:lstStyle/>
+        <a:p>
+          <a:endParaRPr lang="en-US"/>
+        </a:p>
+      </dgm:t>
     </dgm:pt>
     <dgm:pt modelId="{E036462C-1685-49BE-A487-8EA641A56952}" type="pres">
       <dgm:prSet presAssocID="{CC71418B-9C8A-4104-A498-BBB15D490A3B}" presName="hierChild4" presStyleCnt="0"/>
@@ -1158,17 +1207,17 @@
   </dgm:ptLst>
   <dgm:cxnLst>
     <dgm:cxn modelId="{AF58DA17-0645-4CBB-B43C-1D2481C42E8C}" type="presOf" srcId="{B85C67F8-1392-4386-AD09-D5A05B6F7392}" destId="{0DFC4EDF-D260-4804-AE4E-A0D3129A8C77}" srcOrd="0" destOrd="0" presId="urn:microsoft.com/office/officeart/2005/8/layout/orgChart1"/>
-    <dgm:cxn modelId="{33E80AB5-7AC5-430E-9E8B-AC60C950CBE3}" srcId="{D7EFB5BF-DC30-4EF1-BFB5-3EA8AAF5F40B}" destId="{B85C67F8-1392-4386-AD09-D5A05B6F7392}" srcOrd="0" destOrd="0" parTransId="{BB4C89C4-F123-47E6-8CAF-095A1172C574}" sibTransId="{965A1F03-2334-49C6-8E43-F5DD028F0074}"/>
-    <dgm:cxn modelId="{2408453A-88F1-4D79-9357-1710DC9C049C}" type="presOf" srcId="{CC71418B-9C8A-4104-A498-BBB15D490A3B}" destId="{D79B0DBB-9B89-4BB2-BFCD-FD89BF61713D}" srcOrd="0" destOrd="0" presId="urn:microsoft.com/office/officeart/2005/8/layout/orgChart1"/>
-    <dgm:cxn modelId="{D19D49DB-5A4E-4B83-8E56-EFFEC8A2AC7E}" type="presOf" srcId="{BB4C89C4-F123-47E6-8CAF-095A1172C574}" destId="{08A38706-F491-4089-9D18-E2DC8FE3488F}" srcOrd="0" destOrd="0" presId="urn:microsoft.com/office/officeart/2005/8/layout/orgChart1"/>
-    <dgm:cxn modelId="{A7A54E7E-3217-44C2-9970-25EF07051BBC}" type="presOf" srcId="{CC71418B-9C8A-4104-A498-BBB15D490A3B}" destId="{728C694D-81F8-4DA5-A29A-3CD52F9658F7}" srcOrd="1" destOrd="0" presId="urn:microsoft.com/office/officeart/2005/8/layout/orgChart1"/>
-    <dgm:cxn modelId="{85FC10C4-B25B-4EAB-BCFA-7094D437F127}" type="presOf" srcId="{D7EFB5BF-DC30-4EF1-BFB5-3EA8AAF5F40B}" destId="{62B5B53D-B1D6-49A2-9D80-B2683646DB20}" srcOrd="0" destOrd="0" presId="urn:microsoft.com/office/officeart/2005/8/layout/orgChart1"/>
-    <dgm:cxn modelId="{28EC64BD-8359-437E-906F-7DC3FC65ABE5}" srcId="{E5030B5F-9D17-4A82-8944-7A0041B4359C}" destId="{D7EFB5BF-DC30-4EF1-BFB5-3EA8AAF5F40B}" srcOrd="0" destOrd="0" parTransId="{858A89B3-745A-4DFD-BE45-2F920E11DFE4}" sibTransId="{8F31757C-BF00-410D-85D0-A09A96242AC7}"/>
-    <dgm:cxn modelId="{A51E4CD4-B70B-483C-9DA2-76C50C08B50F}" type="presOf" srcId="{B85C67F8-1392-4386-AD09-D5A05B6F7392}" destId="{FB572D8A-53FA-4039-A9EB-457D09E42E47}" srcOrd="1" destOrd="0" presId="urn:microsoft.com/office/officeart/2005/8/layout/orgChart1"/>
-    <dgm:cxn modelId="{8669B8C3-1E70-4E39-A5AD-97660EAC97F5}" type="presOf" srcId="{D304B67D-2B68-4697-8602-64DA4E7F1F1C}" destId="{687731F9-0DA7-4A11-9B0B-BDAC56C70977}" srcOrd="0" destOrd="0" presId="urn:microsoft.com/office/officeart/2005/8/layout/orgChart1"/>
-    <dgm:cxn modelId="{20D8C9FA-D671-4A92-9899-816EC15BB924}" type="presOf" srcId="{D7EFB5BF-DC30-4EF1-BFB5-3EA8AAF5F40B}" destId="{1ED81E33-A418-4AF1-AA51-87EC5D2C8E0F}" srcOrd="1" destOrd="0" presId="urn:microsoft.com/office/officeart/2005/8/layout/orgChart1"/>
     <dgm:cxn modelId="{73B737D8-41BA-4712-9C9B-68ACAB2E9287}" type="presOf" srcId="{E5030B5F-9D17-4A82-8944-7A0041B4359C}" destId="{5EC0C76B-2BFA-4680-B785-B8F539EBFC11}" srcOrd="0" destOrd="0" presId="urn:microsoft.com/office/officeart/2005/8/layout/orgChart1"/>
     <dgm:cxn modelId="{50DCBF67-0A7E-4B05-81DE-EAC240F5114D}" srcId="{B85C67F8-1392-4386-AD09-D5A05B6F7392}" destId="{CC71418B-9C8A-4104-A498-BBB15D490A3B}" srcOrd="0" destOrd="0" parTransId="{D304B67D-2B68-4697-8602-64DA4E7F1F1C}" sibTransId="{D6E936FB-33EB-49AC-B6D4-6867A7FBDB25}"/>
+    <dgm:cxn modelId="{2408453A-88F1-4D79-9357-1710DC9C049C}" type="presOf" srcId="{CC71418B-9C8A-4104-A498-BBB15D490A3B}" destId="{D79B0DBB-9B89-4BB2-BFCD-FD89BF61713D}" srcOrd="0" destOrd="0" presId="urn:microsoft.com/office/officeart/2005/8/layout/orgChart1"/>
+    <dgm:cxn modelId="{28EC64BD-8359-437E-906F-7DC3FC65ABE5}" srcId="{E5030B5F-9D17-4A82-8944-7A0041B4359C}" destId="{D7EFB5BF-DC30-4EF1-BFB5-3EA8AAF5F40B}" srcOrd="0" destOrd="0" parTransId="{858A89B3-745A-4DFD-BE45-2F920E11DFE4}" sibTransId="{8F31757C-BF00-410D-85D0-A09A96242AC7}"/>
+    <dgm:cxn modelId="{D19D49DB-5A4E-4B83-8E56-EFFEC8A2AC7E}" type="presOf" srcId="{BB4C89C4-F123-47E6-8CAF-095A1172C574}" destId="{08A38706-F491-4089-9D18-E2DC8FE3488F}" srcOrd="0" destOrd="0" presId="urn:microsoft.com/office/officeart/2005/8/layout/orgChart1"/>
+    <dgm:cxn modelId="{A51E4CD4-B70B-483C-9DA2-76C50C08B50F}" type="presOf" srcId="{B85C67F8-1392-4386-AD09-D5A05B6F7392}" destId="{FB572D8A-53FA-4039-A9EB-457D09E42E47}" srcOrd="1" destOrd="0" presId="urn:microsoft.com/office/officeart/2005/8/layout/orgChart1"/>
+    <dgm:cxn modelId="{85FC10C4-B25B-4EAB-BCFA-7094D437F127}" type="presOf" srcId="{D7EFB5BF-DC30-4EF1-BFB5-3EA8AAF5F40B}" destId="{62B5B53D-B1D6-49A2-9D80-B2683646DB20}" srcOrd="0" destOrd="0" presId="urn:microsoft.com/office/officeart/2005/8/layout/orgChart1"/>
+    <dgm:cxn modelId="{A7A54E7E-3217-44C2-9970-25EF07051BBC}" type="presOf" srcId="{CC71418B-9C8A-4104-A498-BBB15D490A3B}" destId="{728C694D-81F8-4DA5-A29A-3CD52F9658F7}" srcOrd="1" destOrd="0" presId="urn:microsoft.com/office/officeart/2005/8/layout/orgChart1"/>
+    <dgm:cxn modelId="{20D8C9FA-D671-4A92-9899-816EC15BB924}" type="presOf" srcId="{D7EFB5BF-DC30-4EF1-BFB5-3EA8AAF5F40B}" destId="{1ED81E33-A418-4AF1-AA51-87EC5D2C8E0F}" srcOrd="1" destOrd="0" presId="urn:microsoft.com/office/officeart/2005/8/layout/orgChart1"/>
+    <dgm:cxn modelId="{8669B8C3-1E70-4E39-A5AD-97660EAC97F5}" type="presOf" srcId="{D304B67D-2B68-4697-8602-64DA4E7F1F1C}" destId="{687731F9-0DA7-4A11-9B0B-BDAC56C70977}" srcOrd="0" destOrd="0" presId="urn:microsoft.com/office/officeart/2005/8/layout/orgChart1"/>
+    <dgm:cxn modelId="{33E80AB5-7AC5-430E-9E8B-AC60C950CBE3}" srcId="{D7EFB5BF-DC30-4EF1-BFB5-3EA8AAF5F40B}" destId="{B85C67F8-1392-4386-AD09-D5A05B6F7392}" srcOrd="0" destOrd="0" parTransId="{BB4C89C4-F123-47E6-8CAF-095A1172C574}" sibTransId="{965A1F03-2334-49C6-8E43-F5DD028F0074}"/>
     <dgm:cxn modelId="{CDBFCE70-07A6-48AB-9158-6945B0544074}" type="presParOf" srcId="{5EC0C76B-2BFA-4680-B785-B8F539EBFC11}" destId="{535B0164-4399-4EEA-8C81-2E71160BC35E}" srcOrd="0" destOrd="0" presId="urn:microsoft.com/office/officeart/2005/8/layout/orgChart1"/>
     <dgm:cxn modelId="{D8AA0A3F-2A95-488D-B0EA-D9DF6A20BA24}" type="presParOf" srcId="{535B0164-4399-4EEA-8C81-2E71160BC35E}" destId="{3774C854-CF19-463C-8947-110AB6F4ED56}" srcOrd="0" destOrd="0" presId="urn:microsoft.com/office/officeart/2005/8/layout/orgChart1"/>
     <dgm:cxn modelId="{7B00A489-907A-4C9E-96AE-F93CD85AEE8A}" type="presParOf" srcId="{3774C854-CF19-463C-8947-110AB6F4ED56}" destId="{62B5B53D-B1D6-49A2-9D80-B2683646DB20}" srcOrd="0" destOrd="0" presId="urn:microsoft.com/office/officeart/2005/8/layout/orgChart1"/>
@@ -3816,7 +3865,7 @@
           <a:p>
             <a:fld id="{62274EC6-3890-417B-9308-14EFBD00FA63}" type="datetimeFigureOut">
               <a:rPr lang="en-US" smtClean="0"/>
-              <a:t>7/7/2016</a:t>
+              <a:t>7/8/2016</a:t>
             </a:fld>
             <a:endParaRPr lang="en-US" dirty="0"/>
           </a:p>
@@ -4978,7 +5027,7 @@
             <a:fld id="{1D8BD707-D9CF-40AE-B4C6-C98DA3205C09}" type="datetimeFigureOut">
               <a:rPr lang="en-US" smtClean="0"/>
               <a:pPr/>
-              <a:t>7/7/2016</a:t>
+              <a:t>7/8/2016</a:t>
             </a:fld>
             <a:endParaRPr lang="en-US" dirty="0"/>
           </a:p>
@@ -5150,7 +5199,7 @@
             <a:fld id="{1D8BD707-D9CF-40AE-B4C6-C98DA3205C09}" type="datetimeFigureOut">
               <a:rPr lang="en-US" smtClean="0"/>
               <a:pPr/>
-              <a:t>7/7/2016</a:t>
+              <a:t>7/8/2016</a:t>
             </a:fld>
             <a:endParaRPr lang="en-US" dirty="0"/>
           </a:p>
@@ -5332,7 +5381,7 @@
             <a:fld id="{1D8BD707-D9CF-40AE-B4C6-C98DA3205C09}" type="datetimeFigureOut">
               <a:rPr lang="en-US" smtClean="0"/>
               <a:pPr/>
-              <a:t>7/7/2016</a:t>
+              <a:t>7/8/2016</a:t>
             </a:fld>
             <a:endParaRPr lang="en-US" dirty="0"/>
           </a:p>
@@ -5504,7 +5553,7 @@
             <a:fld id="{1D8BD707-D9CF-40AE-B4C6-C98DA3205C09}" type="datetimeFigureOut">
               <a:rPr lang="en-US" smtClean="0"/>
               <a:pPr/>
-              <a:t>7/7/2016</a:t>
+              <a:t>7/8/2016</a:t>
             </a:fld>
             <a:endParaRPr lang="en-US" dirty="0"/>
           </a:p>
@@ -5752,7 +5801,7 @@
             <a:fld id="{1D8BD707-D9CF-40AE-B4C6-C98DA3205C09}" type="datetimeFigureOut">
               <a:rPr lang="en-US" smtClean="0"/>
               <a:pPr/>
-              <a:t>7/7/2016</a:t>
+              <a:t>7/8/2016</a:t>
             </a:fld>
             <a:endParaRPr lang="en-US" dirty="0"/>
           </a:p>
@@ -6042,7 +6091,7 @@
             <a:fld id="{1D8BD707-D9CF-40AE-B4C6-C98DA3205C09}" type="datetimeFigureOut">
               <a:rPr lang="en-US" smtClean="0"/>
               <a:pPr/>
-              <a:t>7/7/2016</a:t>
+              <a:t>7/8/2016</a:t>
             </a:fld>
             <a:endParaRPr lang="en-US" dirty="0"/>
           </a:p>
@@ -6471,7 +6520,7 @@
             <a:fld id="{1D8BD707-D9CF-40AE-B4C6-C98DA3205C09}" type="datetimeFigureOut">
               <a:rPr lang="en-US" smtClean="0"/>
               <a:pPr/>
-              <a:t>7/7/2016</a:t>
+              <a:t>7/8/2016</a:t>
             </a:fld>
             <a:endParaRPr lang="en-US" dirty="0"/>
           </a:p>
@@ -6591,7 +6640,7 @@
             <a:fld id="{1D8BD707-D9CF-40AE-B4C6-C98DA3205C09}" type="datetimeFigureOut">
               <a:rPr lang="en-US" smtClean="0"/>
               <a:pPr/>
-              <a:t>7/7/2016</a:t>
+              <a:t>7/8/2016</a:t>
             </a:fld>
             <a:endParaRPr lang="en-US" dirty="0"/>
           </a:p>
@@ -6688,7 +6737,7 @@
             <a:fld id="{1D8BD707-D9CF-40AE-B4C6-C98DA3205C09}" type="datetimeFigureOut">
               <a:rPr lang="en-US" smtClean="0"/>
               <a:pPr/>
-              <a:t>7/7/2016</a:t>
+              <a:t>7/8/2016</a:t>
             </a:fld>
             <a:endParaRPr lang="en-US" dirty="0"/>
           </a:p>
@@ -6967,7 +7016,7 @@
             <a:fld id="{1D8BD707-D9CF-40AE-B4C6-C98DA3205C09}" type="datetimeFigureOut">
               <a:rPr lang="en-US" smtClean="0"/>
               <a:pPr/>
-              <a:t>7/7/2016</a:t>
+              <a:t>7/8/2016</a:t>
             </a:fld>
             <a:endParaRPr lang="en-US" dirty="0"/>
           </a:p>
@@ -7222,7 +7271,7 @@
             <a:fld id="{1D8BD707-D9CF-40AE-B4C6-C98DA3205C09}" type="datetimeFigureOut">
               <a:rPr lang="en-US" smtClean="0"/>
               <a:pPr/>
-              <a:t>7/7/2016</a:t>
+              <a:t>7/8/2016</a:t>
             </a:fld>
             <a:endParaRPr lang="en-US" dirty="0"/>
           </a:p>
@@ -7437,7 +7486,7 @@
             <a:fld id="{1D8BD707-D9CF-40AE-B4C6-C98DA3205C09}" type="datetimeFigureOut">
               <a:rPr lang="en-US" smtClean="0"/>
               <a:pPr/>
-              <a:t>7/7/2016</a:t>
+              <a:t>7/8/2016</a:t>
             </a:fld>
             <a:endParaRPr lang="en-US" dirty="0"/>
           </a:p>
@@ -8144,11 +8193,11 @@
               <a:buChar char="ü"/>
             </a:pPr>
             <a:r>
-              <a:rPr lang="en-US" sz="1200" dirty="0"/>
+              <a:rPr lang="en-US" sz="1000" dirty="0"/>
               <a:t>A </a:t>
             </a:r>
             <a:r>
-              <a:rPr lang="en-US" sz="1200" b="1" dirty="0">
+              <a:rPr lang="en-US" sz="1000" b="1" dirty="0">
                 <a:solidFill>
                   <a:srgbClr val="7030A0"/>
                 </a:solidFill>
@@ -8156,11 +8205,11 @@
               <a:t>PrintStream</a:t>
             </a:r>
             <a:r>
-              <a:rPr lang="en-US" sz="1200" dirty="0"/>
+              <a:rPr lang="en-US" sz="1000" dirty="0"/>
               <a:t> adds functionality to another output stream, namely the ability to print representations of various data values conveniently</a:t>
             </a:r>
             <a:r>
-              <a:rPr lang="en-US" sz="1200" dirty="0" smtClean="0"/>
+              <a:rPr lang="en-US" sz="1000" dirty="0" smtClean="0"/>
               <a:t>.</a:t>
             </a:r>
           </a:p>
@@ -8169,7 +8218,7 @@
               <a:buFont typeface="Wingdings" pitchFamily="2" charset="2"/>
               <a:buChar char="ü"/>
             </a:pPr>
-            <a:endParaRPr lang="en-US" sz="1200" dirty="0" smtClean="0"/>
+            <a:endParaRPr lang="en-US" sz="1000" dirty="0" smtClean="0"/>
           </a:p>
           <a:p>
             <a:pPr marL="171450" indent="-171450">
@@ -8177,15 +8226,15 @@
               <a:buChar char="ü"/>
             </a:pPr>
             <a:r>
-              <a:rPr lang="en-US" sz="1200" dirty="0" smtClean="0"/>
+              <a:rPr lang="en-US" sz="1000" dirty="0" smtClean="0"/>
               <a:t>Unlike </a:t>
             </a:r>
             <a:r>
-              <a:rPr lang="en-US" sz="1200" dirty="0"/>
+              <a:rPr lang="en-US" sz="1000" dirty="0"/>
               <a:t>other output streams, a </a:t>
             </a:r>
             <a:r>
-              <a:rPr lang="en-US" sz="1200" b="1" dirty="0">
+              <a:rPr lang="en-US" sz="1000" b="1" dirty="0">
                 <a:solidFill>
                   <a:srgbClr val="7030A0"/>
                 </a:solidFill>
@@ -8193,11 +8242,11 @@
               <a:t>PrintStream</a:t>
             </a:r>
             <a:r>
-              <a:rPr lang="en-US" sz="1200" dirty="0"/>
+              <a:rPr lang="en-US" sz="1000" dirty="0"/>
               <a:t> never throws an IOException; instead, exceptional situations merely set an internal flag that can be tested via the checkError method</a:t>
             </a:r>
             <a:r>
-              <a:rPr lang="en-US" sz="1200" dirty="0" smtClean="0"/>
+              <a:rPr lang="en-US" sz="1000" dirty="0" smtClean="0"/>
               <a:t>.</a:t>
             </a:r>
           </a:p>
@@ -8206,7 +8255,7 @@
               <a:buFont typeface="Wingdings" pitchFamily="2" charset="2"/>
               <a:buChar char="ü"/>
             </a:pPr>
-            <a:endParaRPr lang="en-US" sz="1200" dirty="0" smtClean="0"/>
+            <a:endParaRPr lang="en-US" sz="1000" dirty="0" smtClean="0"/>
           </a:p>
           <a:p>
             <a:pPr marL="171450" indent="-171450">
@@ -8214,11 +8263,11 @@
               <a:buChar char="ü"/>
             </a:pPr>
             <a:r>
-              <a:rPr lang="en-US" sz="1200" dirty="0"/>
+              <a:rPr lang="en-US" sz="1000" dirty="0"/>
               <a:t>Optionally, a </a:t>
             </a:r>
             <a:r>
-              <a:rPr lang="en-US" sz="1200" b="1" dirty="0">
+              <a:rPr lang="en-US" sz="1000" b="1" dirty="0">
                 <a:solidFill>
                   <a:srgbClr val="7030A0"/>
                 </a:solidFill>
@@ -8226,17 +8275,17 @@
               <a:t>PrintStream</a:t>
             </a:r>
             <a:r>
-              <a:rPr lang="en-US" sz="1200" dirty="0"/>
+              <a:rPr lang="en-US" sz="1000" dirty="0"/>
               <a:t> can be created so as to flush automatically; this means that the flush method is automatically invoked after a byte array is written, one of the println methods is invoked, or a newline character or byte ('\n') is written</a:t>
             </a:r>
             <a:r>
-              <a:rPr lang="en-US" sz="1200" dirty="0" smtClean="0"/>
+              <a:rPr lang="en-US" sz="1000" dirty="0" smtClean="0"/>
               <a:t>.</a:t>
             </a:r>
             <a:br>
-              <a:rPr lang="en-US" sz="1200" dirty="0" smtClean="0"/>
+              <a:rPr lang="en-US" sz="1000" dirty="0" smtClean="0"/>
             </a:br>
-            <a:endParaRPr lang="en-US" sz="1200" dirty="0" smtClean="0"/>
+            <a:endParaRPr lang="en-US" sz="1000" dirty="0" smtClean="0"/>
           </a:p>
           <a:p>
             <a:pPr marL="171450" indent="-171450">
@@ -8244,11 +8293,11 @@
               <a:buChar char="ü"/>
             </a:pPr>
             <a:r>
-              <a:rPr lang="en-US" sz="1200" dirty="0"/>
+              <a:rPr lang="en-US" sz="1000" dirty="0"/>
               <a:t>The Java </a:t>
             </a:r>
             <a:r>
-              <a:rPr lang="en-US" sz="1200" b="1" dirty="0">
+              <a:rPr lang="en-US" sz="1000" b="1" dirty="0">
                 <a:solidFill>
                   <a:srgbClr val="7030A0"/>
                 </a:solidFill>
@@ -8256,11 +8305,11 @@
               <a:t>PrintStream</a:t>
             </a:r>
             <a:r>
-              <a:rPr lang="en-US" sz="1200" dirty="0"/>
+              <a:rPr lang="en-US" sz="1000" dirty="0"/>
               <a:t> class (</a:t>
             </a:r>
             <a:r>
-              <a:rPr lang="en-US" sz="1200" b="1" dirty="0">
+              <a:rPr lang="en-US" sz="1000" b="1" dirty="0">
                 <a:solidFill>
                   <a:srgbClr val="7030A0"/>
                 </a:solidFill>
@@ -8268,19 +8317,19 @@
               <a:t>java.io.PrintStream</a:t>
             </a:r>
             <a:r>
-              <a:rPr lang="en-US" sz="1200" dirty="0"/>
+              <a:rPr lang="en-US" sz="1000" dirty="0"/>
               <a:t>) enables you to write formatted data to an </a:t>
             </a:r>
             <a:r>
-              <a:rPr lang="en-US" sz="1200" dirty="0" smtClean="0"/>
+              <a:rPr lang="en-US" sz="1000" dirty="0" smtClean="0"/>
               <a:t>underlying OutputStream</a:t>
             </a:r>
             <a:r>
-              <a:rPr lang="en-US" sz="1200" dirty="0"/>
+              <a:rPr lang="en-US" sz="1000" dirty="0"/>
               <a:t>. The </a:t>
             </a:r>
             <a:r>
-              <a:rPr lang="en-US" sz="1200" b="1" dirty="0">
+              <a:rPr lang="en-US" sz="1000" b="1" dirty="0">
                 <a:solidFill>
                   <a:srgbClr val="7030A0"/>
                 </a:solidFill>
@@ -8288,11 +8337,11 @@
               <a:t>PrintStream</a:t>
             </a:r>
             <a:r>
-              <a:rPr lang="en-US" sz="1200" dirty="0"/>
+              <a:rPr lang="en-US" sz="1000" dirty="0"/>
               <a:t> class can format primitive types like int, long etc. formatted as text, rather than as their byte values. That is why it is called a </a:t>
             </a:r>
             <a:r>
-              <a:rPr lang="en-US" sz="1200" b="1" i="1" dirty="0">
+              <a:rPr lang="en-US" sz="1000" b="1" i="1" dirty="0">
                 <a:solidFill>
                   <a:srgbClr val="7030A0"/>
                 </a:solidFill>
@@ -8300,9 +8349,71 @@
               <a:t>PrintStream</a:t>
             </a:r>
             <a:r>
-              <a:rPr lang="en-US" sz="1200" dirty="0"/>
-              <a:t>, because it formats the primitive values as text - like they would look when printed to the screen (or printed to paper).</a:t>
-            </a:r>
+              <a:rPr lang="en-US" sz="1000" dirty="0"/>
+              <a:t>, because it formats the primitive values as text - like they would look when printed to the screen (or printed to paper</a:t>
+            </a:r>
+            <a:r>
+              <a:rPr lang="en-US" sz="1000" dirty="0" smtClean="0"/>
+              <a:t>).</a:t>
+            </a:r>
+          </a:p>
+          <a:p>
+            <a:pPr marL="171450" indent="-171450">
+              <a:buFont typeface="Wingdings" pitchFamily="2" charset="2"/>
+              <a:buChar char="ü"/>
+            </a:pPr>
+            <a:endParaRPr lang="en-US" sz="1000" dirty="0"/>
+          </a:p>
+          <a:p>
+            <a:pPr marL="171450" indent="-171450">
+              <a:buFont typeface="Wingdings" pitchFamily="2" charset="2"/>
+              <a:buChar char="ü"/>
+            </a:pPr>
+            <a:r>
+              <a:rPr lang="en-US" sz="1000" dirty="0"/>
+              <a:t>The Java </a:t>
+            </a:r>
+            <a:r>
+              <a:rPr lang="en-US" sz="1000" b="1" dirty="0">
+                <a:solidFill>
+                  <a:srgbClr val="7030A0"/>
+                </a:solidFill>
+              </a:rPr>
+              <a:t>PrintStream</a:t>
+            </a:r>
+            <a:r>
+              <a:rPr lang="en-US" sz="1000" dirty="0"/>
+              <a:t> class contains the powerful </a:t>
+            </a:r>
+            <a:r>
+              <a:rPr lang="en-US" sz="1000" dirty="0"/>
+              <a:t>format()</a:t>
+            </a:r>
+            <a:r>
+              <a:rPr lang="en-US" sz="1000" dirty="0"/>
+              <a:t> and </a:t>
+            </a:r>
+            <a:r>
+              <a:rPr lang="en-US" sz="1000" dirty="0"/>
+              <a:t>printf</a:t>
+            </a:r>
+            <a:r>
+              <a:rPr lang="en-US" sz="1000" dirty="0"/>
+              <a:t>()</a:t>
+            </a:r>
+            <a:r>
+              <a:rPr lang="en-US" sz="1000" dirty="0"/>
+              <a:t> methods (they do exactly the same, but the name "</a:t>
+            </a:r>
+            <a:r>
+              <a:rPr lang="en-US" sz="1000" dirty="0"/>
+              <a:t>printf</a:t>
+            </a:r>
+            <a:r>
+              <a:rPr lang="en-US" sz="1000" dirty="0"/>
+              <a:t>" is more familiar to C-programmers). These methods allow you to mix text and data in very advanced ways, using a formatting string.</a:t>
+            </a:r>
+            <a:endParaRPr lang="en-US" sz="1000" dirty="0"/>
           </a:p>
         </p:txBody>
       </p:sp>
